--- a/Week_1/Slides/Day5_NLP_EvaluationMetrics.pptx
+++ b/Week_1/Slides/Day5_NLP_EvaluationMetrics.pptx
@@ -5,34 +5,31 @@
     <p:sldMasterId id="2147483660" r:id="rId1"/>
   </p:sldMasterIdLst>
   <p:notesMasterIdLst>
-    <p:notesMasterId r:id="rId27"/>
+    <p:notesMasterId r:id="rId24"/>
   </p:notesMasterIdLst>
   <p:sldIdLst>
     <p:sldId id="290" r:id="rId2"/>
-    <p:sldId id="291" r:id="rId3"/>
-    <p:sldId id="292" r:id="rId4"/>
-    <p:sldId id="256" r:id="rId5"/>
-    <p:sldId id="257" r:id="rId6"/>
-    <p:sldId id="258" r:id="rId7"/>
-    <p:sldId id="259" r:id="rId8"/>
-    <p:sldId id="260" r:id="rId9"/>
-    <p:sldId id="261" r:id="rId10"/>
-    <p:sldId id="287" r:id="rId11"/>
-    <p:sldId id="263" r:id="rId12"/>
-    <p:sldId id="288" r:id="rId13"/>
-    <p:sldId id="266" r:id="rId14"/>
-    <p:sldId id="268" r:id="rId15"/>
-    <p:sldId id="269" r:id="rId16"/>
-    <p:sldId id="279" r:id="rId17"/>
-    <p:sldId id="280" r:id="rId18"/>
-    <p:sldId id="281" r:id="rId19"/>
-    <p:sldId id="282" r:id="rId20"/>
-    <p:sldId id="286" r:id="rId21"/>
-    <p:sldId id="283" r:id="rId22"/>
-    <p:sldId id="284" r:id="rId23"/>
-    <p:sldId id="285" r:id="rId24"/>
-    <p:sldId id="289" r:id="rId25"/>
-    <p:sldId id="293" r:id="rId26"/>
+    <p:sldId id="256" r:id="rId3"/>
+    <p:sldId id="257" r:id="rId4"/>
+    <p:sldId id="258" r:id="rId5"/>
+    <p:sldId id="259" r:id="rId6"/>
+    <p:sldId id="260" r:id="rId7"/>
+    <p:sldId id="261" r:id="rId8"/>
+    <p:sldId id="287" r:id="rId9"/>
+    <p:sldId id="263" r:id="rId10"/>
+    <p:sldId id="288" r:id="rId11"/>
+    <p:sldId id="266" r:id="rId12"/>
+    <p:sldId id="268" r:id="rId13"/>
+    <p:sldId id="269" r:id="rId14"/>
+    <p:sldId id="279" r:id="rId15"/>
+    <p:sldId id="280" r:id="rId16"/>
+    <p:sldId id="281" r:id="rId17"/>
+    <p:sldId id="282" r:id="rId18"/>
+    <p:sldId id="286" r:id="rId19"/>
+    <p:sldId id="283" r:id="rId20"/>
+    <p:sldId id="284" r:id="rId21"/>
+    <p:sldId id="285" r:id="rId22"/>
+    <p:sldId id="289" r:id="rId23"/>
   </p:sldIdLst>
   <p:sldSz cx="9144000" cy="5143500" type="screen16x9"/>
   <p:notesSz cx="6858000" cy="9144000"/>
@@ -2922,7 +2919,7 @@
             <a:fld id="{5586B75A-687E-405C-8A0B-8D00578BA2C3}" type="datetimeFigureOut">
               <a:rPr lang="en-US" dirty="0"/>
               <a:pPr/>
-              <a:t>7/27/2018</a:t>
+              <a:t>7/26/19</a:t>
             </a:fld>
             <a:endParaRPr lang="en-US" dirty="0"/>
           </a:p>
@@ -3122,7 +3119,7 @@
           <a:p>
             <a:fld id="{5F4E5243-F52A-4D37-9694-EB26C6C31910}" type="datetimeFigureOut">
               <a:rPr lang="en-US" dirty="0"/>
-              <a:t>7/27/2018</a:t>
+              <a:t>7/26/19</a:t>
             </a:fld>
             <a:endParaRPr lang="en-US" dirty="0"/>
           </a:p>
@@ -3312,7 +3309,7 @@
           <a:p>
             <a:fld id="{3A77B6E1-634A-48DC-9E8B-D894023267EF}" type="datetimeFigureOut">
               <a:rPr lang="en-US" dirty="0"/>
-              <a:t>7/27/2018</a:t>
+              <a:t>7/26/19</a:t>
             </a:fld>
             <a:endParaRPr lang="en-US" dirty="0"/>
           </a:p>
@@ -3855,7 +3852,7 @@
           <a:p>
             <a:fld id="{7B2D3E9E-A95C-48F2-B4BF-A71542E0BE9A}" type="datetimeFigureOut">
               <a:rPr lang="en-US" dirty="0"/>
-              <a:t>7/27/2018</a:t>
+              <a:t>7/26/19</a:t>
             </a:fld>
             <a:endParaRPr lang="en-US" dirty="0"/>
           </a:p>
@@ -4122,7 +4119,7 @@
             <a:fld id="{5586B75A-687E-405C-8A0B-8D00578BA2C3}" type="datetimeFigureOut">
               <a:rPr lang="en-US" dirty="0"/>
               <a:pPr/>
-              <a:t>7/27/2018</a:t>
+              <a:t>7/26/19</a:t>
             </a:fld>
             <a:endParaRPr lang="en-US" dirty="0"/>
           </a:p>
@@ -4420,7 +4417,7 @@
           <a:p>
             <a:fld id="{F12952B5-7A2F-4CC8-B7CE-9234E21C2837}" type="datetimeFigureOut">
               <a:rPr lang="en-US" dirty="0"/>
-              <a:t>7/27/2018</a:t>
+              <a:t>7/26/19</a:t>
             </a:fld>
             <a:endParaRPr lang="en-US" dirty="0"/>
           </a:p>
@@ -4868,7 +4865,7 @@
           <a:p>
             <a:fld id="{CE1DA07A-9201-4B4B-BAF2-015AFA30F520}" type="datetimeFigureOut">
               <a:rPr lang="en-US" dirty="0"/>
-              <a:t>7/27/2018</a:t>
+              <a:t>7/26/19</a:t>
             </a:fld>
             <a:endParaRPr lang="en-US" dirty="0"/>
           </a:p>
@@ -4996,7 +4993,7 @@
           <a:p>
             <a:fld id="{73D7E00A-486F-4252-8B1D-E32645521F49}" type="datetimeFigureOut">
               <a:rPr lang="en-US" dirty="0"/>
-              <a:t>7/27/2018</a:t>
+              <a:t>7/26/19</a:t>
             </a:fld>
             <a:endParaRPr lang="en-US" dirty="0"/>
           </a:p>
@@ -5101,7 +5098,7 @@
           <a:p>
             <a:fld id="{8DDF5F92-E675-4B36-9A60-69A962A68675}" type="datetimeFigureOut">
               <a:rPr lang="en-US" dirty="0"/>
-              <a:t>7/27/2018</a:t>
+              <a:t>7/26/19</a:t>
             </a:fld>
             <a:endParaRPr lang="en-US" dirty="0"/>
           </a:p>
@@ -5466,7 +5463,7 @@
           <a:p>
             <a:fld id="{AF6E2C9B-5FA2-460D-9BE7-B0812FC2A6FF}" type="datetimeFigureOut">
               <a:rPr lang="en-US" dirty="0"/>
-              <a:t>7/27/2018</a:t>
+              <a:t>7/26/19</a:t>
             </a:fld>
             <a:endParaRPr lang="en-US" dirty="0"/>
           </a:p>
@@ -5793,7 +5790,7 @@
             <a:fld id="{5586B75A-687E-405C-8A0B-8D00578BA2C3}" type="datetimeFigureOut">
               <a:rPr lang="en-US" dirty="0"/>
               <a:pPr/>
-              <a:t>7/27/2018</a:t>
+              <a:t>7/26/19</a:t>
             </a:fld>
             <a:endParaRPr lang="en-US" dirty="0"/>
           </a:p>
@@ -6037,7 +6034,7 @@
             <a:fld id="{5586B75A-687E-405C-8A0B-8D00578BA2C3}" type="datetimeFigureOut">
               <a:rPr lang="en-US" dirty="0"/>
               <a:pPr/>
-              <a:t>7/27/2018</a:t>
+              <a:t>7/26/19</a:t>
             </a:fld>
             <a:endParaRPr lang="en-US" dirty="0"/>
           </a:p>
@@ -7815,2623 +7812,6 @@
           </a:bodyPr>
           <a:lstStyle/>
           <a:p>
-            <a:pPr marL="0" lvl="0" indent="0" rtl="0">
-              <a:spcBef>
-                <a:spcPts val="0"/>
-              </a:spcBef>
-              <a:spcAft>
-                <a:spcPts val="0"/>
-              </a:spcAft>
-              <a:buNone/>
-            </a:pPr>
-            <a:r>
-              <a:rPr lang="en" sz="2400" dirty="0">
-                <a:solidFill>
-                  <a:schemeClr val="accent1"/>
-                </a:solidFill>
-                <a:latin typeface="Roboto"/>
-                <a:ea typeface="Roboto"/>
-                <a:cs typeface="Roboto"/>
-                <a:sym typeface="Roboto"/>
-              </a:rPr>
-              <a:t>Accuracy?</a:t>
-            </a:r>
-            <a:endParaRPr sz="2400" dirty="0">
-              <a:solidFill>
-                <a:schemeClr val="accent1"/>
-              </a:solidFill>
-              <a:latin typeface="Roboto"/>
-              <a:ea typeface="Roboto"/>
-              <a:cs typeface="Roboto"/>
-              <a:sym typeface="Roboto"/>
-            </a:endParaRPr>
-          </a:p>
-        </p:txBody>
-      </p:sp>
-    </p:spTree>
-    <p:extLst>
-      <p:ext uri="{BB962C8B-B14F-4D97-AF65-F5344CB8AC3E}">
-        <p14:creationId xmlns:p14="http://schemas.microsoft.com/office/powerpoint/2010/main" val="551774888"/>
-      </p:ext>
-    </p:extLst>
-  </p:cSld>
-  <p:clrMapOvr>
-    <a:masterClrMapping/>
-  </p:clrMapOvr>
-</p:sld>
-</file>
-
-<file path=ppt/slides/slide11.xml><?xml version="1.0" encoding="utf-8"?>
-<p:sld xmlns:a="http://schemas.openxmlformats.org/drawingml/2006/main" xmlns:r="http://schemas.openxmlformats.org/officeDocument/2006/relationships" xmlns:p="http://schemas.openxmlformats.org/presentationml/2006/main">
-  <p:cSld>
-    <p:spTree>
-      <p:nvGrpSpPr>
-        <p:cNvPr id="1" name="Shape 109"/>
-        <p:cNvGrpSpPr/>
-        <p:nvPr/>
-      </p:nvGrpSpPr>
-      <p:grpSpPr>
-        <a:xfrm>
-          <a:off x="0" y="0"/>
-          <a:ext cx="0" cy="0"/>
-          <a:chOff x="0" y="0"/>
-          <a:chExt cx="0" cy="0"/>
-        </a:xfrm>
-      </p:grpSpPr>
-      <p:graphicFrame>
-        <p:nvGraphicFramePr>
-          <p:cNvPr id="110" name="Shape 110"/>
-          <p:cNvGraphicFramePr/>
-          <p:nvPr>
-            <p:extLst>
-              <p:ext uri="{D42A27DB-BD31-4B8C-83A1-F6EECF244321}">
-                <p14:modId xmlns:p14="http://schemas.microsoft.com/office/powerpoint/2010/main" val="1868668897"/>
-              </p:ext>
-            </p:extLst>
-          </p:nvPr>
-        </p:nvGraphicFramePr>
-        <p:xfrm>
-          <a:off x="280385" y="349594"/>
-          <a:ext cx="6086525" cy="4274490"/>
-        </p:xfrm>
-        <a:graphic>
-          <a:graphicData uri="http://schemas.openxmlformats.org/drawingml/2006/table">
-            <a:tbl>
-              <a:tblPr>
-                <a:noFill/>
-                <a:tableStyleId>{DEEE6151-2DF4-40A2-9921-E81321403221}</a:tableStyleId>
-              </a:tblPr>
-              <a:tblGrid>
-                <a:gridCol w="1560150">
-                  <a:extLst>
-                    <a:ext uri="{9D8B030D-6E8A-4147-A177-3AD203B41FA5}">
-                      <a16:colId xmlns:a16="http://schemas.microsoft.com/office/drawing/2014/main" val="20000"/>
-                    </a:ext>
-                  </a:extLst>
-                </a:gridCol>
-                <a:gridCol w="1560150">
-                  <a:extLst>
-                    <a:ext uri="{9D8B030D-6E8A-4147-A177-3AD203B41FA5}">
-                      <a16:colId xmlns:a16="http://schemas.microsoft.com/office/drawing/2014/main" val="20001"/>
-                    </a:ext>
-                  </a:extLst>
-                </a:gridCol>
-                <a:gridCol w="1560150">
-                  <a:extLst>
-                    <a:ext uri="{9D8B030D-6E8A-4147-A177-3AD203B41FA5}">
-                      <a16:colId xmlns:a16="http://schemas.microsoft.com/office/drawing/2014/main" val="20002"/>
-                    </a:ext>
-                  </a:extLst>
-                </a:gridCol>
-                <a:gridCol w="1406075">
-                  <a:extLst>
-                    <a:ext uri="{9D8B030D-6E8A-4147-A177-3AD203B41FA5}">
-                      <a16:colId xmlns:a16="http://schemas.microsoft.com/office/drawing/2014/main" val="20003"/>
-                    </a:ext>
-                  </a:extLst>
-                </a:gridCol>
-              </a:tblGrid>
-              <a:tr h="284625">
-                <a:tc>
-                  <a:txBody>
-                    <a:bodyPr/>
-                    <a:lstStyle/>
-                    <a:p>
-                      <a:pPr marL="0" lvl="0" indent="0" algn="ctr" rtl="0">
-                        <a:spcBef>
-                          <a:spcPts val="0"/>
-                        </a:spcBef>
-                        <a:spcAft>
-                          <a:spcPts val="0"/>
-                        </a:spcAft>
-                        <a:buNone/>
-                      </a:pPr>
-                      <a:r>
-                        <a:rPr lang="en" b="1"/>
-                        <a:t>Example</a:t>
-                      </a:r>
-                      <a:endParaRPr b="1"/>
-                    </a:p>
-                  </a:txBody>
-                  <a:tcPr marL="91425" marR="91425" marT="91425" marB="91425"/>
-                </a:tc>
-                <a:tc>
-                  <a:txBody>
-                    <a:bodyPr/>
-                    <a:lstStyle/>
-                    <a:p>
-                      <a:pPr marL="0" lvl="0" indent="0" algn="ctr" rtl="0">
-                        <a:spcBef>
-                          <a:spcPts val="0"/>
-                        </a:spcBef>
-                        <a:spcAft>
-                          <a:spcPts val="0"/>
-                        </a:spcAft>
-                        <a:buNone/>
-                      </a:pPr>
-                      <a:r>
-                        <a:rPr lang="en" b="1"/>
-                        <a:t>Predicted label</a:t>
-                      </a:r>
-                      <a:endParaRPr b="1"/>
-                    </a:p>
-                  </a:txBody>
-                  <a:tcPr marL="91425" marR="91425" marT="91425" marB="91425"/>
-                </a:tc>
-                <a:tc>
-                  <a:txBody>
-                    <a:bodyPr/>
-                    <a:lstStyle/>
-                    <a:p>
-                      <a:pPr marL="0" lvl="0" indent="0" algn="ctr" rtl="0">
-                        <a:spcBef>
-                          <a:spcPts val="0"/>
-                        </a:spcBef>
-                        <a:spcAft>
-                          <a:spcPts val="0"/>
-                        </a:spcAft>
-                        <a:buNone/>
-                      </a:pPr>
-                      <a:r>
-                        <a:rPr lang="en" b="1"/>
-                        <a:t>True label</a:t>
-                      </a:r>
-                      <a:endParaRPr b="1"/>
-                    </a:p>
-                  </a:txBody>
-                  <a:tcPr marL="91425" marR="91425" marT="91425" marB="91425"/>
-                </a:tc>
-                <a:tc>
-                  <a:txBody>
-                    <a:bodyPr/>
-                    <a:lstStyle/>
-                    <a:p>
-                      <a:pPr marL="0" lvl="0" indent="0" algn="ctr" rtl="0">
-                        <a:spcBef>
-                          <a:spcPts val="0"/>
-                        </a:spcBef>
-                        <a:spcAft>
-                          <a:spcPts val="0"/>
-                        </a:spcAft>
-                        <a:buNone/>
-                      </a:pPr>
-                      <a:r>
-                        <a:rPr lang="en" b="1"/>
-                        <a:t>Correct?</a:t>
-                      </a:r>
-                      <a:endParaRPr b="1"/>
-                    </a:p>
-                  </a:txBody>
-                  <a:tcPr marL="91425" marR="91425" marT="91425" marB="91425"/>
-                </a:tc>
-                <a:extLst>
-                  <a:ext uri="{0D108BD9-81ED-4DB2-BD59-A6C34878D82A}">
-                    <a16:rowId xmlns:a16="http://schemas.microsoft.com/office/drawing/2014/main" val="10000"/>
-                  </a:ext>
-                </a:extLst>
-              </a:tr>
-              <a:tr h="284625">
-                <a:tc>
-                  <a:txBody>
-                    <a:bodyPr/>
-                    <a:lstStyle/>
-                    <a:p>
-                      <a:pPr marL="0" lvl="0" indent="0" rtl="0">
-                        <a:spcBef>
-                          <a:spcPts val="0"/>
-                        </a:spcBef>
-                        <a:spcAft>
-                          <a:spcPts val="0"/>
-                        </a:spcAft>
-                        <a:buNone/>
-                      </a:pPr>
-                      <a:r>
-                        <a:rPr lang="en"/>
-                        <a:t>1</a:t>
-                      </a:r>
-                      <a:endParaRPr/>
-                    </a:p>
-                  </a:txBody>
-                  <a:tcPr marL="91425" marR="91425" marT="91425" marB="91425"/>
-                </a:tc>
-                <a:tc>
-                  <a:txBody>
-                    <a:bodyPr/>
-                    <a:lstStyle/>
-                    <a:p>
-                      <a:pPr marL="0" lvl="0" indent="0" rtl="0">
-                        <a:spcBef>
-                          <a:spcPts val="0"/>
-                        </a:spcBef>
-                        <a:spcAft>
-                          <a:spcPts val="0"/>
-                        </a:spcAft>
-                        <a:buNone/>
-                      </a:pPr>
-                      <a:r>
-                        <a:rPr lang="en"/>
-                        <a:t>Benign</a:t>
-                      </a:r>
-                      <a:endParaRPr/>
-                    </a:p>
-                  </a:txBody>
-                  <a:tcPr marL="91425" marR="91425" marT="91425" marB="91425"/>
-                </a:tc>
-                <a:tc>
-                  <a:txBody>
-                    <a:bodyPr/>
-                    <a:lstStyle/>
-                    <a:p>
-                      <a:pPr marL="0" lvl="0" indent="0" rtl="0">
-                        <a:spcBef>
-                          <a:spcPts val="0"/>
-                        </a:spcBef>
-                        <a:spcAft>
-                          <a:spcPts val="0"/>
-                        </a:spcAft>
-                        <a:buNone/>
-                      </a:pPr>
-                      <a:r>
-                        <a:rPr lang="en"/>
-                        <a:t>Malignant</a:t>
-                      </a:r>
-                      <a:endParaRPr/>
-                    </a:p>
-                  </a:txBody>
-                  <a:tcPr marL="91425" marR="91425" marT="91425" marB="91425"/>
-                </a:tc>
-                <a:tc>
-                  <a:txBody>
-                    <a:bodyPr/>
-                    <a:lstStyle/>
-                    <a:p>
-                      <a:pPr marL="0" lvl="0" indent="0" rtl="0">
-                        <a:spcBef>
-                          <a:spcPts val="0"/>
-                        </a:spcBef>
-                        <a:spcAft>
-                          <a:spcPts val="0"/>
-                        </a:spcAft>
-                        <a:buNone/>
-                      </a:pPr>
-                      <a:r>
-                        <a:rPr lang="en">
-                          <a:solidFill>
-                            <a:srgbClr val="980000"/>
-                          </a:solidFill>
-                        </a:rPr>
-                        <a:t>No</a:t>
-                      </a:r>
-                      <a:endParaRPr>
-                        <a:solidFill>
-                          <a:srgbClr val="38761D"/>
-                        </a:solidFill>
-                      </a:endParaRPr>
-                    </a:p>
-                  </a:txBody>
-                  <a:tcPr marL="91425" marR="91425" marT="91425" marB="91425"/>
-                </a:tc>
-                <a:extLst>
-                  <a:ext uri="{0D108BD9-81ED-4DB2-BD59-A6C34878D82A}">
-                    <a16:rowId xmlns:a16="http://schemas.microsoft.com/office/drawing/2014/main" val="10001"/>
-                  </a:ext>
-                </a:extLst>
-              </a:tr>
-              <a:tr h="284625">
-                <a:tc>
-                  <a:txBody>
-                    <a:bodyPr/>
-                    <a:lstStyle/>
-                    <a:p>
-                      <a:pPr marL="0" lvl="0" indent="0" rtl="0">
-                        <a:spcBef>
-                          <a:spcPts val="0"/>
-                        </a:spcBef>
-                        <a:spcAft>
-                          <a:spcPts val="0"/>
-                        </a:spcAft>
-                        <a:buNone/>
-                      </a:pPr>
-                      <a:r>
-                        <a:rPr lang="en"/>
-                        <a:t>2</a:t>
-                      </a:r>
-                      <a:endParaRPr/>
-                    </a:p>
-                  </a:txBody>
-                  <a:tcPr marL="91425" marR="91425" marT="91425" marB="91425"/>
-                </a:tc>
-                <a:tc>
-                  <a:txBody>
-                    <a:bodyPr/>
-                    <a:lstStyle/>
-                    <a:p>
-                      <a:pPr marL="0" lvl="0" indent="0" rtl="0">
-                        <a:spcBef>
-                          <a:spcPts val="0"/>
-                        </a:spcBef>
-                        <a:spcAft>
-                          <a:spcPts val="0"/>
-                        </a:spcAft>
-                        <a:buNone/>
-                      </a:pPr>
-                      <a:r>
-                        <a:rPr lang="en"/>
-                        <a:t>Benign</a:t>
-                      </a:r>
-                      <a:endParaRPr/>
-                    </a:p>
-                  </a:txBody>
-                  <a:tcPr marL="91425" marR="91425" marT="91425" marB="91425"/>
-                </a:tc>
-                <a:tc>
-                  <a:txBody>
-                    <a:bodyPr/>
-                    <a:lstStyle/>
-                    <a:p>
-                      <a:pPr marL="0" lvl="0" indent="0" rtl="0">
-                        <a:spcBef>
-                          <a:spcPts val="0"/>
-                        </a:spcBef>
-                        <a:spcAft>
-                          <a:spcPts val="0"/>
-                        </a:spcAft>
-                        <a:buNone/>
-                      </a:pPr>
-                      <a:r>
-                        <a:rPr lang="en"/>
-                        <a:t>Malignant</a:t>
-                      </a:r>
-                      <a:endParaRPr/>
-                    </a:p>
-                  </a:txBody>
-                  <a:tcPr marL="91425" marR="91425" marT="91425" marB="91425"/>
-                </a:tc>
-                <a:tc>
-                  <a:txBody>
-                    <a:bodyPr/>
-                    <a:lstStyle/>
-                    <a:p>
-                      <a:pPr marL="0" lvl="0" indent="0" rtl="0">
-                        <a:spcBef>
-                          <a:spcPts val="0"/>
-                        </a:spcBef>
-                        <a:spcAft>
-                          <a:spcPts val="0"/>
-                        </a:spcAft>
-                        <a:buNone/>
-                      </a:pPr>
-                      <a:r>
-                        <a:rPr lang="en">
-                          <a:solidFill>
-                            <a:srgbClr val="980000"/>
-                          </a:solidFill>
-                        </a:rPr>
-                        <a:t>No</a:t>
-                      </a:r>
-                      <a:endParaRPr>
-                        <a:solidFill>
-                          <a:srgbClr val="980000"/>
-                        </a:solidFill>
-                      </a:endParaRPr>
-                    </a:p>
-                  </a:txBody>
-                  <a:tcPr marL="91425" marR="91425" marT="91425" marB="91425"/>
-                </a:tc>
-                <a:extLst>
-                  <a:ext uri="{0D108BD9-81ED-4DB2-BD59-A6C34878D82A}">
-                    <a16:rowId xmlns:a16="http://schemas.microsoft.com/office/drawing/2014/main" val="10002"/>
-                  </a:ext>
-                </a:extLst>
-              </a:tr>
-              <a:tr h="284625">
-                <a:tc>
-                  <a:txBody>
-                    <a:bodyPr/>
-                    <a:lstStyle/>
-                    <a:p>
-                      <a:pPr marL="0" lvl="0" indent="0" rtl="0">
-                        <a:spcBef>
-                          <a:spcPts val="0"/>
-                        </a:spcBef>
-                        <a:spcAft>
-                          <a:spcPts val="0"/>
-                        </a:spcAft>
-                        <a:buNone/>
-                      </a:pPr>
-                      <a:r>
-                        <a:rPr lang="en"/>
-                        <a:t>3</a:t>
-                      </a:r>
-                      <a:endParaRPr/>
-                    </a:p>
-                  </a:txBody>
-                  <a:tcPr marL="91425" marR="91425" marT="91425" marB="91425"/>
-                </a:tc>
-                <a:tc>
-                  <a:txBody>
-                    <a:bodyPr/>
-                    <a:lstStyle/>
-                    <a:p>
-                      <a:pPr marL="0" lvl="0" indent="0" rtl="0">
-                        <a:spcBef>
-                          <a:spcPts val="0"/>
-                        </a:spcBef>
-                        <a:spcAft>
-                          <a:spcPts val="0"/>
-                        </a:spcAft>
-                        <a:buNone/>
-                      </a:pPr>
-                      <a:r>
-                        <a:rPr lang="en"/>
-                        <a:t>Malignant</a:t>
-                      </a:r>
-                      <a:endParaRPr/>
-                    </a:p>
-                  </a:txBody>
-                  <a:tcPr marL="91425" marR="91425" marT="91425" marB="91425"/>
-                </a:tc>
-                <a:tc>
-                  <a:txBody>
-                    <a:bodyPr/>
-                    <a:lstStyle/>
-                    <a:p>
-                      <a:pPr marL="0" lvl="0" indent="0" rtl="0">
-                        <a:spcBef>
-                          <a:spcPts val="0"/>
-                        </a:spcBef>
-                        <a:spcAft>
-                          <a:spcPts val="0"/>
-                        </a:spcAft>
-                        <a:buNone/>
-                      </a:pPr>
-                      <a:r>
-                        <a:rPr lang="en"/>
-                        <a:t>Malignant</a:t>
-                      </a:r>
-                      <a:endParaRPr/>
-                    </a:p>
-                  </a:txBody>
-                  <a:tcPr marL="91425" marR="91425" marT="91425" marB="91425"/>
-                </a:tc>
-                <a:tc>
-                  <a:txBody>
-                    <a:bodyPr/>
-                    <a:lstStyle/>
-                    <a:p>
-                      <a:pPr marL="0" lvl="0" indent="0" rtl="0">
-                        <a:spcBef>
-                          <a:spcPts val="0"/>
-                        </a:spcBef>
-                        <a:spcAft>
-                          <a:spcPts val="0"/>
-                        </a:spcAft>
-                        <a:buNone/>
-                      </a:pPr>
-                      <a:r>
-                        <a:rPr lang="en">
-                          <a:solidFill>
-                            <a:srgbClr val="38761D"/>
-                          </a:solidFill>
-                        </a:rPr>
-                        <a:t>Yes</a:t>
-                      </a:r>
-                      <a:endParaRPr>
-                        <a:solidFill>
-                          <a:srgbClr val="38761D"/>
-                        </a:solidFill>
-                      </a:endParaRPr>
-                    </a:p>
-                  </a:txBody>
-                  <a:tcPr marL="91425" marR="91425" marT="91425" marB="91425"/>
-                </a:tc>
-                <a:extLst>
-                  <a:ext uri="{0D108BD9-81ED-4DB2-BD59-A6C34878D82A}">
-                    <a16:rowId xmlns:a16="http://schemas.microsoft.com/office/drawing/2014/main" val="10003"/>
-                  </a:ext>
-                </a:extLst>
-              </a:tr>
-              <a:tr h="284625">
-                <a:tc>
-                  <a:txBody>
-                    <a:bodyPr/>
-                    <a:lstStyle/>
-                    <a:p>
-                      <a:pPr marL="0" lvl="0" indent="0" rtl="0">
-                        <a:spcBef>
-                          <a:spcPts val="0"/>
-                        </a:spcBef>
-                        <a:spcAft>
-                          <a:spcPts val="0"/>
-                        </a:spcAft>
-                        <a:buNone/>
-                      </a:pPr>
-                      <a:r>
-                        <a:rPr lang="en"/>
-                        <a:t>4</a:t>
-                      </a:r>
-                      <a:endParaRPr/>
-                    </a:p>
-                  </a:txBody>
-                  <a:tcPr marL="91425" marR="91425" marT="91425" marB="91425"/>
-                </a:tc>
-                <a:tc>
-                  <a:txBody>
-                    <a:bodyPr/>
-                    <a:lstStyle/>
-                    <a:p>
-                      <a:pPr marL="0" lvl="0" indent="0" rtl="0">
-                        <a:spcBef>
-                          <a:spcPts val="0"/>
-                        </a:spcBef>
-                        <a:spcAft>
-                          <a:spcPts val="0"/>
-                        </a:spcAft>
-                        <a:buNone/>
-                      </a:pPr>
-                      <a:r>
-                        <a:rPr lang="en"/>
-                        <a:t>Benign</a:t>
-                      </a:r>
-                      <a:endParaRPr/>
-                    </a:p>
-                  </a:txBody>
-                  <a:tcPr marL="91425" marR="91425" marT="91425" marB="91425"/>
-                </a:tc>
-                <a:tc>
-                  <a:txBody>
-                    <a:bodyPr/>
-                    <a:lstStyle/>
-                    <a:p>
-                      <a:pPr marL="0" lvl="0" indent="0" rtl="0">
-                        <a:spcBef>
-                          <a:spcPts val="0"/>
-                        </a:spcBef>
-                        <a:spcAft>
-                          <a:spcPts val="0"/>
-                        </a:spcAft>
-                        <a:buNone/>
-                      </a:pPr>
-                      <a:r>
-                        <a:rPr lang="en"/>
-                        <a:t>Benign</a:t>
-                      </a:r>
-                      <a:endParaRPr/>
-                    </a:p>
-                  </a:txBody>
-                  <a:tcPr marL="91425" marR="91425" marT="91425" marB="91425"/>
-                </a:tc>
-                <a:tc>
-                  <a:txBody>
-                    <a:bodyPr/>
-                    <a:lstStyle/>
-                    <a:p>
-                      <a:pPr marL="0" lvl="0" indent="0" rtl="0">
-                        <a:spcBef>
-                          <a:spcPts val="0"/>
-                        </a:spcBef>
-                        <a:spcAft>
-                          <a:spcPts val="0"/>
-                        </a:spcAft>
-                        <a:buNone/>
-                      </a:pPr>
-                      <a:r>
-                        <a:rPr lang="en">
-                          <a:solidFill>
-                            <a:srgbClr val="38761D"/>
-                          </a:solidFill>
-                        </a:rPr>
-                        <a:t>Yes</a:t>
-                      </a:r>
-                      <a:endParaRPr>
-                        <a:solidFill>
-                          <a:srgbClr val="38761D"/>
-                        </a:solidFill>
-                      </a:endParaRPr>
-                    </a:p>
-                  </a:txBody>
-                  <a:tcPr marL="91425" marR="91425" marT="91425" marB="91425"/>
-                </a:tc>
-                <a:extLst>
-                  <a:ext uri="{0D108BD9-81ED-4DB2-BD59-A6C34878D82A}">
-                    <a16:rowId xmlns:a16="http://schemas.microsoft.com/office/drawing/2014/main" val="10004"/>
-                  </a:ext>
-                </a:extLst>
-              </a:tr>
-              <a:tr h="284625">
-                <a:tc>
-                  <a:txBody>
-                    <a:bodyPr/>
-                    <a:lstStyle/>
-                    <a:p>
-                      <a:pPr marL="0" lvl="0" indent="0" rtl="0">
-                        <a:spcBef>
-                          <a:spcPts val="0"/>
-                        </a:spcBef>
-                        <a:spcAft>
-                          <a:spcPts val="0"/>
-                        </a:spcAft>
-                        <a:buNone/>
-                      </a:pPr>
-                      <a:r>
-                        <a:rPr lang="en"/>
-                        <a:t>5</a:t>
-                      </a:r>
-                      <a:endParaRPr/>
-                    </a:p>
-                  </a:txBody>
-                  <a:tcPr marL="91425" marR="91425" marT="91425" marB="91425"/>
-                </a:tc>
-                <a:tc>
-                  <a:txBody>
-                    <a:bodyPr/>
-                    <a:lstStyle/>
-                    <a:p>
-                      <a:pPr marL="0" lvl="0" indent="0" rtl="0">
-                        <a:spcBef>
-                          <a:spcPts val="0"/>
-                        </a:spcBef>
-                        <a:spcAft>
-                          <a:spcPts val="0"/>
-                        </a:spcAft>
-                        <a:buNone/>
-                      </a:pPr>
-                      <a:r>
-                        <a:rPr lang="en"/>
-                        <a:t>Malignant</a:t>
-                      </a:r>
-                      <a:endParaRPr/>
-                    </a:p>
-                  </a:txBody>
-                  <a:tcPr marL="91425" marR="91425" marT="91425" marB="91425"/>
-                </a:tc>
-                <a:tc>
-                  <a:txBody>
-                    <a:bodyPr/>
-                    <a:lstStyle/>
-                    <a:p>
-                      <a:pPr marL="0" lvl="0" indent="0" rtl="0">
-                        <a:spcBef>
-                          <a:spcPts val="0"/>
-                        </a:spcBef>
-                        <a:spcAft>
-                          <a:spcPts val="0"/>
-                        </a:spcAft>
-                        <a:buNone/>
-                      </a:pPr>
-                      <a:r>
-                        <a:rPr lang="en"/>
-                        <a:t>Benign</a:t>
-                      </a:r>
-                      <a:endParaRPr/>
-                    </a:p>
-                  </a:txBody>
-                  <a:tcPr marL="91425" marR="91425" marT="91425" marB="91425"/>
-                </a:tc>
-                <a:tc>
-                  <a:txBody>
-                    <a:bodyPr/>
-                    <a:lstStyle/>
-                    <a:p>
-                      <a:pPr marL="0" lvl="0" indent="0" rtl="0">
-                        <a:spcBef>
-                          <a:spcPts val="0"/>
-                        </a:spcBef>
-                        <a:spcAft>
-                          <a:spcPts val="0"/>
-                        </a:spcAft>
-                        <a:buNone/>
-                      </a:pPr>
-                      <a:r>
-                        <a:rPr lang="en">
-                          <a:solidFill>
-                            <a:srgbClr val="980000"/>
-                          </a:solidFill>
-                        </a:rPr>
-                        <a:t>No</a:t>
-                      </a:r>
-                      <a:endParaRPr>
-                        <a:solidFill>
-                          <a:srgbClr val="980000"/>
-                        </a:solidFill>
-                      </a:endParaRPr>
-                    </a:p>
-                  </a:txBody>
-                  <a:tcPr marL="91425" marR="91425" marT="91425" marB="91425"/>
-                </a:tc>
-                <a:extLst>
-                  <a:ext uri="{0D108BD9-81ED-4DB2-BD59-A6C34878D82A}">
-                    <a16:rowId xmlns:a16="http://schemas.microsoft.com/office/drawing/2014/main" val="10005"/>
-                  </a:ext>
-                </a:extLst>
-              </a:tr>
-              <a:tr h="284625">
-                <a:tc>
-                  <a:txBody>
-                    <a:bodyPr/>
-                    <a:lstStyle/>
-                    <a:p>
-                      <a:pPr marL="0" lvl="0" indent="0" rtl="0">
-                        <a:spcBef>
-                          <a:spcPts val="0"/>
-                        </a:spcBef>
-                        <a:spcAft>
-                          <a:spcPts val="0"/>
-                        </a:spcAft>
-                        <a:buNone/>
-                      </a:pPr>
-                      <a:r>
-                        <a:rPr lang="en"/>
-                        <a:t>6</a:t>
-                      </a:r>
-                      <a:endParaRPr/>
-                    </a:p>
-                  </a:txBody>
-                  <a:tcPr marL="91425" marR="91425" marT="91425" marB="91425"/>
-                </a:tc>
-                <a:tc>
-                  <a:txBody>
-                    <a:bodyPr/>
-                    <a:lstStyle/>
-                    <a:p>
-                      <a:pPr marL="0" lvl="0" indent="0" rtl="0">
-                        <a:spcBef>
-                          <a:spcPts val="0"/>
-                        </a:spcBef>
-                        <a:spcAft>
-                          <a:spcPts val="0"/>
-                        </a:spcAft>
-                        <a:buNone/>
-                      </a:pPr>
-                      <a:r>
-                        <a:rPr lang="en"/>
-                        <a:t>Benign</a:t>
-                      </a:r>
-                      <a:endParaRPr/>
-                    </a:p>
-                  </a:txBody>
-                  <a:tcPr marL="91425" marR="91425" marT="91425" marB="91425"/>
-                </a:tc>
-                <a:tc>
-                  <a:txBody>
-                    <a:bodyPr/>
-                    <a:lstStyle/>
-                    <a:p>
-                      <a:pPr marL="0" lvl="0" indent="0" rtl="0">
-                        <a:spcBef>
-                          <a:spcPts val="0"/>
-                        </a:spcBef>
-                        <a:spcAft>
-                          <a:spcPts val="0"/>
-                        </a:spcAft>
-                        <a:buNone/>
-                      </a:pPr>
-                      <a:r>
-                        <a:rPr lang="en"/>
-                        <a:t>Benign</a:t>
-                      </a:r>
-                      <a:endParaRPr/>
-                    </a:p>
-                  </a:txBody>
-                  <a:tcPr marL="91425" marR="91425" marT="91425" marB="91425"/>
-                </a:tc>
-                <a:tc>
-                  <a:txBody>
-                    <a:bodyPr/>
-                    <a:lstStyle/>
-                    <a:p>
-                      <a:pPr marL="0" lvl="0" indent="0" rtl="0">
-                        <a:spcBef>
-                          <a:spcPts val="0"/>
-                        </a:spcBef>
-                        <a:spcAft>
-                          <a:spcPts val="0"/>
-                        </a:spcAft>
-                        <a:buNone/>
-                      </a:pPr>
-                      <a:r>
-                        <a:rPr lang="en">
-                          <a:solidFill>
-                            <a:srgbClr val="38761D"/>
-                          </a:solidFill>
-                        </a:rPr>
-                        <a:t>Yes</a:t>
-                      </a:r>
-                      <a:endParaRPr>
-                        <a:solidFill>
-                          <a:srgbClr val="38761D"/>
-                        </a:solidFill>
-                      </a:endParaRPr>
-                    </a:p>
-                  </a:txBody>
-                  <a:tcPr marL="91425" marR="91425" marT="91425" marB="91425"/>
-                </a:tc>
-                <a:extLst>
-                  <a:ext uri="{0D108BD9-81ED-4DB2-BD59-A6C34878D82A}">
-                    <a16:rowId xmlns:a16="http://schemas.microsoft.com/office/drawing/2014/main" val="10006"/>
-                  </a:ext>
-                </a:extLst>
-              </a:tr>
-              <a:tr h="284625">
-                <a:tc>
-                  <a:txBody>
-                    <a:bodyPr/>
-                    <a:lstStyle/>
-                    <a:p>
-                      <a:pPr marL="0" lvl="0" indent="0" rtl="0">
-                        <a:spcBef>
-                          <a:spcPts val="0"/>
-                        </a:spcBef>
-                        <a:spcAft>
-                          <a:spcPts val="0"/>
-                        </a:spcAft>
-                        <a:buNone/>
-                      </a:pPr>
-                      <a:r>
-                        <a:rPr lang="en"/>
-                        <a:t>7</a:t>
-                      </a:r>
-                      <a:endParaRPr/>
-                    </a:p>
-                  </a:txBody>
-                  <a:tcPr marL="91425" marR="91425" marT="91425" marB="91425"/>
-                </a:tc>
-                <a:tc>
-                  <a:txBody>
-                    <a:bodyPr/>
-                    <a:lstStyle/>
-                    <a:p>
-                      <a:pPr marL="0" lvl="0" indent="0" rtl="0">
-                        <a:spcBef>
-                          <a:spcPts val="0"/>
-                        </a:spcBef>
-                        <a:spcAft>
-                          <a:spcPts val="0"/>
-                        </a:spcAft>
-                        <a:buNone/>
-                      </a:pPr>
-                      <a:r>
-                        <a:rPr lang="en"/>
-                        <a:t>Benign</a:t>
-                      </a:r>
-                      <a:endParaRPr/>
-                    </a:p>
-                  </a:txBody>
-                  <a:tcPr marL="91425" marR="91425" marT="91425" marB="91425"/>
-                </a:tc>
-                <a:tc>
-                  <a:txBody>
-                    <a:bodyPr/>
-                    <a:lstStyle/>
-                    <a:p>
-                      <a:pPr marL="0" lvl="0" indent="0" rtl="0">
-                        <a:spcBef>
-                          <a:spcPts val="0"/>
-                        </a:spcBef>
-                        <a:spcAft>
-                          <a:spcPts val="0"/>
-                        </a:spcAft>
-                        <a:buNone/>
-                      </a:pPr>
-                      <a:r>
-                        <a:rPr lang="en"/>
-                        <a:t>Benign</a:t>
-                      </a:r>
-                      <a:endParaRPr/>
-                    </a:p>
-                  </a:txBody>
-                  <a:tcPr marL="91425" marR="91425" marT="91425" marB="91425"/>
-                </a:tc>
-                <a:tc>
-                  <a:txBody>
-                    <a:bodyPr/>
-                    <a:lstStyle/>
-                    <a:p>
-                      <a:pPr marL="0" lvl="0" indent="0" rtl="0">
-                        <a:spcBef>
-                          <a:spcPts val="0"/>
-                        </a:spcBef>
-                        <a:spcAft>
-                          <a:spcPts val="0"/>
-                        </a:spcAft>
-                        <a:buNone/>
-                      </a:pPr>
-                      <a:r>
-                        <a:rPr lang="en">
-                          <a:solidFill>
-                            <a:srgbClr val="38761D"/>
-                          </a:solidFill>
-                        </a:rPr>
-                        <a:t>Yes</a:t>
-                      </a:r>
-                      <a:endParaRPr>
-                        <a:solidFill>
-                          <a:srgbClr val="38761D"/>
-                        </a:solidFill>
-                      </a:endParaRPr>
-                    </a:p>
-                  </a:txBody>
-                  <a:tcPr marL="91425" marR="91425" marT="91425" marB="91425"/>
-                </a:tc>
-                <a:extLst>
-                  <a:ext uri="{0D108BD9-81ED-4DB2-BD59-A6C34878D82A}">
-                    <a16:rowId xmlns:a16="http://schemas.microsoft.com/office/drawing/2014/main" val="10007"/>
-                  </a:ext>
-                </a:extLst>
-              </a:tr>
-              <a:tr h="284625">
-                <a:tc>
-                  <a:txBody>
-                    <a:bodyPr/>
-                    <a:lstStyle/>
-                    <a:p>
-                      <a:pPr marL="0" lvl="0" indent="0" rtl="0">
-                        <a:spcBef>
-                          <a:spcPts val="0"/>
-                        </a:spcBef>
-                        <a:spcAft>
-                          <a:spcPts val="0"/>
-                        </a:spcAft>
-                        <a:buNone/>
-                      </a:pPr>
-                      <a:r>
-                        <a:rPr lang="en"/>
-                        <a:t>8</a:t>
-                      </a:r>
-                      <a:endParaRPr/>
-                    </a:p>
-                  </a:txBody>
-                  <a:tcPr marL="91425" marR="91425" marT="91425" marB="91425"/>
-                </a:tc>
-                <a:tc>
-                  <a:txBody>
-                    <a:bodyPr/>
-                    <a:lstStyle/>
-                    <a:p>
-                      <a:pPr marL="0" lvl="0" indent="0" rtl="0">
-                        <a:spcBef>
-                          <a:spcPts val="0"/>
-                        </a:spcBef>
-                        <a:spcAft>
-                          <a:spcPts val="0"/>
-                        </a:spcAft>
-                        <a:buNone/>
-                      </a:pPr>
-                      <a:r>
-                        <a:rPr lang="en"/>
-                        <a:t>Malignant</a:t>
-                      </a:r>
-                      <a:endParaRPr/>
-                    </a:p>
-                  </a:txBody>
-                  <a:tcPr marL="91425" marR="91425" marT="91425" marB="91425"/>
-                </a:tc>
-                <a:tc>
-                  <a:txBody>
-                    <a:bodyPr/>
-                    <a:lstStyle/>
-                    <a:p>
-                      <a:pPr marL="0" lvl="0" indent="0" rtl="0">
-                        <a:spcBef>
-                          <a:spcPts val="0"/>
-                        </a:spcBef>
-                        <a:spcAft>
-                          <a:spcPts val="0"/>
-                        </a:spcAft>
-                        <a:buNone/>
-                      </a:pPr>
-                      <a:r>
-                        <a:rPr lang="en"/>
-                        <a:t>Malignant</a:t>
-                      </a:r>
-                      <a:endParaRPr/>
-                    </a:p>
-                  </a:txBody>
-                  <a:tcPr marL="91425" marR="91425" marT="91425" marB="91425"/>
-                </a:tc>
-                <a:tc>
-                  <a:txBody>
-                    <a:bodyPr/>
-                    <a:lstStyle/>
-                    <a:p>
-                      <a:pPr marL="0" lvl="0" indent="0" rtl="0">
-                        <a:spcBef>
-                          <a:spcPts val="0"/>
-                        </a:spcBef>
-                        <a:spcAft>
-                          <a:spcPts val="0"/>
-                        </a:spcAft>
-                        <a:buNone/>
-                      </a:pPr>
-                      <a:r>
-                        <a:rPr lang="en">
-                          <a:solidFill>
-                            <a:srgbClr val="38761D"/>
-                          </a:solidFill>
-                        </a:rPr>
-                        <a:t>Yes</a:t>
-                      </a:r>
-                      <a:endParaRPr>
-                        <a:solidFill>
-                          <a:srgbClr val="38761D"/>
-                        </a:solidFill>
-                      </a:endParaRPr>
-                    </a:p>
-                  </a:txBody>
-                  <a:tcPr marL="91425" marR="91425" marT="91425" marB="91425"/>
-                </a:tc>
-                <a:extLst>
-                  <a:ext uri="{0D108BD9-81ED-4DB2-BD59-A6C34878D82A}">
-                    <a16:rowId xmlns:a16="http://schemas.microsoft.com/office/drawing/2014/main" val="10008"/>
-                  </a:ext>
-                </a:extLst>
-              </a:tr>
-              <a:tr h="284625">
-                <a:tc>
-                  <a:txBody>
-                    <a:bodyPr/>
-                    <a:lstStyle/>
-                    <a:p>
-                      <a:pPr marL="0" lvl="0" indent="0" rtl="0">
-                        <a:spcBef>
-                          <a:spcPts val="0"/>
-                        </a:spcBef>
-                        <a:spcAft>
-                          <a:spcPts val="0"/>
-                        </a:spcAft>
-                        <a:buNone/>
-                      </a:pPr>
-                      <a:r>
-                        <a:rPr lang="en"/>
-                        <a:t>9</a:t>
-                      </a:r>
-                      <a:endParaRPr/>
-                    </a:p>
-                  </a:txBody>
-                  <a:tcPr marL="91425" marR="91425" marT="91425" marB="91425"/>
-                </a:tc>
-                <a:tc>
-                  <a:txBody>
-                    <a:bodyPr/>
-                    <a:lstStyle/>
-                    <a:p>
-                      <a:pPr marL="0" lvl="0" indent="0" rtl="0">
-                        <a:spcBef>
-                          <a:spcPts val="0"/>
-                        </a:spcBef>
-                        <a:spcAft>
-                          <a:spcPts val="0"/>
-                        </a:spcAft>
-                        <a:buNone/>
-                      </a:pPr>
-                      <a:r>
-                        <a:rPr lang="en"/>
-                        <a:t>Benign</a:t>
-                      </a:r>
-                      <a:endParaRPr/>
-                    </a:p>
-                  </a:txBody>
-                  <a:tcPr marL="91425" marR="91425" marT="91425" marB="91425"/>
-                </a:tc>
-                <a:tc>
-                  <a:txBody>
-                    <a:bodyPr/>
-                    <a:lstStyle/>
-                    <a:p>
-                      <a:pPr marL="0" lvl="0" indent="0" rtl="0">
-                        <a:spcBef>
-                          <a:spcPts val="0"/>
-                        </a:spcBef>
-                        <a:spcAft>
-                          <a:spcPts val="0"/>
-                        </a:spcAft>
-                        <a:buNone/>
-                      </a:pPr>
-                      <a:r>
-                        <a:rPr lang="en"/>
-                        <a:t>Benign</a:t>
-                      </a:r>
-                      <a:endParaRPr/>
-                    </a:p>
-                  </a:txBody>
-                  <a:tcPr marL="91425" marR="91425" marT="91425" marB="91425"/>
-                </a:tc>
-                <a:tc>
-                  <a:txBody>
-                    <a:bodyPr/>
-                    <a:lstStyle/>
-                    <a:p>
-                      <a:pPr marL="0" lvl="0" indent="0" rtl="0">
-                        <a:spcBef>
-                          <a:spcPts val="0"/>
-                        </a:spcBef>
-                        <a:spcAft>
-                          <a:spcPts val="0"/>
-                        </a:spcAft>
-                        <a:buNone/>
-                      </a:pPr>
-                      <a:r>
-                        <a:rPr lang="en">
-                          <a:solidFill>
-                            <a:srgbClr val="38761D"/>
-                          </a:solidFill>
-                        </a:rPr>
-                        <a:t>Yes</a:t>
-                      </a:r>
-                      <a:endParaRPr>
-                        <a:solidFill>
-                          <a:srgbClr val="38761D"/>
-                        </a:solidFill>
-                      </a:endParaRPr>
-                    </a:p>
-                  </a:txBody>
-                  <a:tcPr marL="91425" marR="91425" marT="91425" marB="91425"/>
-                </a:tc>
-                <a:extLst>
-                  <a:ext uri="{0D108BD9-81ED-4DB2-BD59-A6C34878D82A}">
-                    <a16:rowId xmlns:a16="http://schemas.microsoft.com/office/drawing/2014/main" val="10009"/>
-                  </a:ext>
-                </a:extLst>
-              </a:tr>
-              <a:tr h="284625">
-                <a:tc>
-                  <a:txBody>
-                    <a:bodyPr/>
-                    <a:lstStyle/>
-                    <a:p>
-                      <a:pPr marL="0" lvl="0" indent="0" rtl="0">
-                        <a:spcBef>
-                          <a:spcPts val="0"/>
-                        </a:spcBef>
-                        <a:spcAft>
-                          <a:spcPts val="0"/>
-                        </a:spcAft>
-                        <a:buNone/>
-                      </a:pPr>
-                      <a:r>
-                        <a:rPr lang="en"/>
-                        <a:t>10</a:t>
-                      </a:r>
-                      <a:endParaRPr/>
-                    </a:p>
-                  </a:txBody>
-                  <a:tcPr marL="91425" marR="91425" marT="91425" marB="91425"/>
-                </a:tc>
-                <a:tc>
-                  <a:txBody>
-                    <a:bodyPr/>
-                    <a:lstStyle/>
-                    <a:p>
-                      <a:pPr marL="0" lvl="0" indent="0" rtl="0">
-                        <a:spcBef>
-                          <a:spcPts val="0"/>
-                        </a:spcBef>
-                        <a:spcAft>
-                          <a:spcPts val="0"/>
-                        </a:spcAft>
-                        <a:buNone/>
-                      </a:pPr>
-                      <a:r>
-                        <a:rPr lang="en"/>
-                        <a:t>Benign</a:t>
-                      </a:r>
-                      <a:endParaRPr/>
-                    </a:p>
-                  </a:txBody>
-                  <a:tcPr marL="91425" marR="91425" marT="91425" marB="91425"/>
-                </a:tc>
-                <a:tc>
-                  <a:txBody>
-                    <a:bodyPr/>
-                    <a:lstStyle/>
-                    <a:p>
-                      <a:pPr marL="0" lvl="0" indent="0" rtl="0">
-                        <a:spcBef>
-                          <a:spcPts val="0"/>
-                        </a:spcBef>
-                        <a:spcAft>
-                          <a:spcPts val="0"/>
-                        </a:spcAft>
-                        <a:buNone/>
-                      </a:pPr>
-                      <a:r>
-                        <a:rPr lang="en"/>
-                        <a:t>Benign</a:t>
-                      </a:r>
-                      <a:endParaRPr/>
-                    </a:p>
-                  </a:txBody>
-                  <a:tcPr marL="91425" marR="91425" marT="91425" marB="91425"/>
-                </a:tc>
-                <a:tc>
-                  <a:txBody>
-                    <a:bodyPr/>
-                    <a:lstStyle/>
-                    <a:p>
-                      <a:pPr marL="0" lvl="0" indent="0" rtl="0">
-                        <a:spcBef>
-                          <a:spcPts val="0"/>
-                        </a:spcBef>
-                        <a:spcAft>
-                          <a:spcPts val="0"/>
-                        </a:spcAft>
-                        <a:buNone/>
-                      </a:pPr>
-                      <a:r>
-                        <a:rPr lang="en" dirty="0">
-                          <a:solidFill>
-                            <a:srgbClr val="38761D"/>
-                          </a:solidFill>
-                        </a:rPr>
-                        <a:t>Yes</a:t>
-                      </a:r>
-                      <a:endParaRPr dirty="0">
-                        <a:solidFill>
-                          <a:srgbClr val="38761D"/>
-                        </a:solidFill>
-                      </a:endParaRPr>
-                    </a:p>
-                  </a:txBody>
-                  <a:tcPr marL="91425" marR="91425" marT="91425" marB="91425"/>
-                </a:tc>
-                <a:extLst>
-                  <a:ext uri="{0D108BD9-81ED-4DB2-BD59-A6C34878D82A}">
-                    <a16:rowId xmlns:a16="http://schemas.microsoft.com/office/drawing/2014/main" val="10010"/>
-                  </a:ext>
-                </a:extLst>
-              </a:tr>
-            </a:tbl>
-          </a:graphicData>
-        </a:graphic>
-      </p:graphicFrame>
-      <p:sp>
-        <p:nvSpPr>
-          <p:cNvPr id="112" name="Shape 112"/>
-          <p:cNvSpPr txBox="1"/>
-          <p:nvPr/>
-        </p:nvSpPr>
-        <p:spPr>
-          <a:xfrm>
-            <a:off x="6494000" y="1321775"/>
-            <a:ext cx="2430900" cy="3187800"/>
-          </a:xfrm>
-          <a:prstGeom prst="rect">
-            <a:avLst/>
-          </a:prstGeom>
-          <a:noFill/>
-          <a:ln>
-            <a:noFill/>
-          </a:ln>
-        </p:spPr>
-        <p:txBody>
-          <a:bodyPr spcFirstLastPara="1" wrap="square" lIns="91425" tIns="91425" rIns="91425" bIns="91425" anchor="t" anchorCtr="0">
-            <a:noAutofit/>
-          </a:bodyPr>
-          <a:lstStyle/>
-          <a:p>
-            <a:pPr marL="0" lvl="0" indent="0" rtl="0">
-              <a:spcBef>
-                <a:spcPts val="0"/>
-              </a:spcBef>
-              <a:spcAft>
-                <a:spcPts val="0"/>
-              </a:spcAft>
-              <a:buNone/>
-            </a:pPr>
-            <a:r>
-              <a:rPr lang="en" sz="2400" dirty="0">
-                <a:solidFill>
-                  <a:schemeClr val="accent1"/>
-                </a:solidFill>
-                <a:latin typeface="Roboto"/>
-                <a:ea typeface="Roboto"/>
-                <a:cs typeface="Roboto"/>
-                <a:sym typeface="Roboto"/>
-              </a:rPr>
-              <a:t>Accuracy = 70%</a:t>
-            </a:r>
-            <a:endParaRPr sz="2400" dirty="0">
-              <a:solidFill>
-                <a:schemeClr val="accent1"/>
-              </a:solidFill>
-              <a:latin typeface="Roboto"/>
-              <a:ea typeface="Roboto"/>
-              <a:cs typeface="Roboto"/>
-              <a:sym typeface="Roboto"/>
-            </a:endParaRPr>
-          </a:p>
-        </p:txBody>
-      </p:sp>
-    </p:spTree>
-  </p:cSld>
-  <p:clrMapOvr>
-    <a:masterClrMapping/>
-  </p:clrMapOvr>
-</p:sld>
-</file>
-
-<file path=ppt/slides/slide12.xml><?xml version="1.0" encoding="utf-8"?>
-<p:sld xmlns:a="http://schemas.openxmlformats.org/drawingml/2006/main" xmlns:r="http://schemas.openxmlformats.org/officeDocument/2006/relationships" xmlns:p="http://schemas.openxmlformats.org/presentationml/2006/main">
-  <p:cSld>
-    <p:spTree>
-      <p:nvGrpSpPr>
-        <p:cNvPr id="1" name="Shape 109"/>
-        <p:cNvGrpSpPr/>
-        <p:nvPr/>
-      </p:nvGrpSpPr>
-      <p:grpSpPr>
-        <a:xfrm>
-          <a:off x="0" y="0"/>
-          <a:ext cx="0" cy="0"/>
-          <a:chOff x="0" y="0"/>
-          <a:chExt cx="0" cy="0"/>
-        </a:xfrm>
-      </p:grpSpPr>
-      <p:graphicFrame>
-        <p:nvGraphicFramePr>
-          <p:cNvPr id="110" name="Shape 110"/>
-          <p:cNvGraphicFramePr/>
-          <p:nvPr/>
-        </p:nvGraphicFramePr>
-        <p:xfrm>
-          <a:off x="280385" y="349594"/>
-          <a:ext cx="6086525" cy="4274490"/>
-        </p:xfrm>
-        <a:graphic>
-          <a:graphicData uri="http://schemas.openxmlformats.org/drawingml/2006/table">
-            <a:tbl>
-              <a:tblPr>
-                <a:noFill/>
-                <a:tableStyleId>{DEEE6151-2DF4-40A2-9921-E81321403221}</a:tableStyleId>
-              </a:tblPr>
-              <a:tblGrid>
-                <a:gridCol w="1560150">
-                  <a:extLst>
-                    <a:ext uri="{9D8B030D-6E8A-4147-A177-3AD203B41FA5}">
-                      <a16:colId xmlns:a16="http://schemas.microsoft.com/office/drawing/2014/main" val="20000"/>
-                    </a:ext>
-                  </a:extLst>
-                </a:gridCol>
-                <a:gridCol w="1560150">
-                  <a:extLst>
-                    <a:ext uri="{9D8B030D-6E8A-4147-A177-3AD203B41FA5}">
-                      <a16:colId xmlns:a16="http://schemas.microsoft.com/office/drawing/2014/main" val="20001"/>
-                    </a:ext>
-                  </a:extLst>
-                </a:gridCol>
-                <a:gridCol w="1560150">
-                  <a:extLst>
-                    <a:ext uri="{9D8B030D-6E8A-4147-A177-3AD203B41FA5}">
-                      <a16:colId xmlns:a16="http://schemas.microsoft.com/office/drawing/2014/main" val="20002"/>
-                    </a:ext>
-                  </a:extLst>
-                </a:gridCol>
-                <a:gridCol w="1406075">
-                  <a:extLst>
-                    <a:ext uri="{9D8B030D-6E8A-4147-A177-3AD203B41FA5}">
-                      <a16:colId xmlns:a16="http://schemas.microsoft.com/office/drawing/2014/main" val="20003"/>
-                    </a:ext>
-                  </a:extLst>
-                </a:gridCol>
-              </a:tblGrid>
-              <a:tr h="284625">
-                <a:tc>
-                  <a:txBody>
-                    <a:bodyPr/>
-                    <a:lstStyle/>
-                    <a:p>
-                      <a:pPr marL="0" lvl="0" indent="0" algn="ctr" rtl="0">
-                        <a:spcBef>
-                          <a:spcPts val="0"/>
-                        </a:spcBef>
-                        <a:spcAft>
-                          <a:spcPts val="0"/>
-                        </a:spcAft>
-                        <a:buNone/>
-                      </a:pPr>
-                      <a:r>
-                        <a:rPr lang="en" b="1"/>
-                        <a:t>Example</a:t>
-                      </a:r>
-                      <a:endParaRPr b="1"/>
-                    </a:p>
-                  </a:txBody>
-                  <a:tcPr marL="91425" marR="91425" marT="91425" marB="91425"/>
-                </a:tc>
-                <a:tc>
-                  <a:txBody>
-                    <a:bodyPr/>
-                    <a:lstStyle/>
-                    <a:p>
-                      <a:pPr marL="0" lvl="0" indent="0" algn="ctr" rtl="0">
-                        <a:spcBef>
-                          <a:spcPts val="0"/>
-                        </a:spcBef>
-                        <a:spcAft>
-                          <a:spcPts val="0"/>
-                        </a:spcAft>
-                        <a:buNone/>
-                      </a:pPr>
-                      <a:r>
-                        <a:rPr lang="en" b="1"/>
-                        <a:t>Predicted label</a:t>
-                      </a:r>
-                      <a:endParaRPr b="1"/>
-                    </a:p>
-                  </a:txBody>
-                  <a:tcPr marL="91425" marR="91425" marT="91425" marB="91425"/>
-                </a:tc>
-                <a:tc>
-                  <a:txBody>
-                    <a:bodyPr/>
-                    <a:lstStyle/>
-                    <a:p>
-                      <a:pPr marL="0" lvl="0" indent="0" algn="ctr" rtl="0">
-                        <a:spcBef>
-                          <a:spcPts val="0"/>
-                        </a:spcBef>
-                        <a:spcAft>
-                          <a:spcPts val="0"/>
-                        </a:spcAft>
-                        <a:buNone/>
-                      </a:pPr>
-                      <a:r>
-                        <a:rPr lang="en" b="1"/>
-                        <a:t>True label</a:t>
-                      </a:r>
-                      <a:endParaRPr b="1"/>
-                    </a:p>
-                  </a:txBody>
-                  <a:tcPr marL="91425" marR="91425" marT="91425" marB="91425"/>
-                </a:tc>
-                <a:tc>
-                  <a:txBody>
-                    <a:bodyPr/>
-                    <a:lstStyle/>
-                    <a:p>
-                      <a:pPr marL="0" lvl="0" indent="0" algn="ctr" rtl="0">
-                        <a:spcBef>
-                          <a:spcPts val="0"/>
-                        </a:spcBef>
-                        <a:spcAft>
-                          <a:spcPts val="0"/>
-                        </a:spcAft>
-                        <a:buNone/>
-                      </a:pPr>
-                      <a:r>
-                        <a:rPr lang="en" b="1"/>
-                        <a:t>Correct?</a:t>
-                      </a:r>
-                      <a:endParaRPr b="1"/>
-                    </a:p>
-                  </a:txBody>
-                  <a:tcPr marL="91425" marR="91425" marT="91425" marB="91425"/>
-                </a:tc>
-                <a:extLst>
-                  <a:ext uri="{0D108BD9-81ED-4DB2-BD59-A6C34878D82A}">
-                    <a16:rowId xmlns:a16="http://schemas.microsoft.com/office/drawing/2014/main" val="10000"/>
-                  </a:ext>
-                </a:extLst>
-              </a:tr>
-              <a:tr h="284625">
-                <a:tc>
-                  <a:txBody>
-                    <a:bodyPr/>
-                    <a:lstStyle/>
-                    <a:p>
-                      <a:pPr marL="0" lvl="0" indent="0" rtl="0">
-                        <a:spcBef>
-                          <a:spcPts val="0"/>
-                        </a:spcBef>
-                        <a:spcAft>
-                          <a:spcPts val="0"/>
-                        </a:spcAft>
-                        <a:buNone/>
-                      </a:pPr>
-                      <a:r>
-                        <a:rPr lang="en"/>
-                        <a:t>1</a:t>
-                      </a:r>
-                      <a:endParaRPr/>
-                    </a:p>
-                  </a:txBody>
-                  <a:tcPr marL="91425" marR="91425" marT="91425" marB="91425"/>
-                </a:tc>
-                <a:tc>
-                  <a:txBody>
-                    <a:bodyPr/>
-                    <a:lstStyle/>
-                    <a:p>
-                      <a:pPr marL="0" lvl="0" indent="0" rtl="0">
-                        <a:spcBef>
-                          <a:spcPts val="0"/>
-                        </a:spcBef>
-                        <a:spcAft>
-                          <a:spcPts val="0"/>
-                        </a:spcAft>
-                        <a:buNone/>
-                      </a:pPr>
-                      <a:r>
-                        <a:rPr lang="en"/>
-                        <a:t>Benign</a:t>
-                      </a:r>
-                      <a:endParaRPr/>
-                    </a:p>
-                  </a:txBody>
-                  <a:tcPr marL="91425" marR="91425" marT="91425" marB="91425"/>
-                </a:tc>
-                <a:tc>
-                  <a:txBody>
-                    <a:bodyPr/>
-                    <a:lstStyle/>
-                    <a:p>
-                      <a:pPr marL="0" lvl="0" indent="0" rtl="0">
-                        <a:spcBef>
-                          <a:spcPts val="0"/>
-                        </a:spcBef>
-                        <a:spcAft>
-                          <a:spcPts val="0"/>
-                        </a:spcAft>
-                        <a:buNone/>
-                      </a:pPr>
-                      <a:r>
-                        <a:rPr lang="en"/>
-                        <a:t>Malignant</a:t>
-                      </a:r>
-                      <a:endParaRPr/>
-                    </a:p>
-                  </a:txBody>
-                  <a:tcPr marL="91425" marR="91425" marT="91425" marB="91425"/>
-                </a:tc>
-                <a:tc>
-                  <a:txBody>
-                    <a:bodyPr/>
-                    <a:lstStyle/>
-                    <a:p>
-                      <a:pPr marL="0" lvl="0" indent="0" rtl="0">
-                        <a:spcBef>
-                          <a:spcPts val="0"/>
-                        </a:spcBef>
-                        <a:spcAft>
-                          <a:spcPts val="0"/>
-                        </a:spcAft>
-                        <a:buNone/>
-                      </a:pPr>
-                      <a:r>
-                        <a:rPr lang="en">
-                          <a:solidFill>
-                            <a:srgbClr val="980000"/>
-                          </a:solidFill>
-                        </a:rPr>
-                        <a:t>No</a:t>
-                      </a:r>
-                      <a:endParaRPr>
-                        <a:solidFill>
-                          <a:srgbClr val="38761D"/>
-                        </a:solidFill>
-                      </a:endParaRPr>
-                    </a:p>
-                  </a:txBody>
-                  <a:tcPr marL="91425" marR="91425" marT="91425" marB="91425"/>
-                </a:tc>
-                <a:extLst>
-                  <a:ext uri="{0D108BD9-81ED-4DB2-BD59-A6C34878D82A}">
-                    <a16:rowId xmlns:a16="http://schemas.microsoft.com/office/drawing/2014/main" val="10001"/>
-                  </a:ext>
-                </a:extLst>
-              </a:tr>
-              <a:tr h="284625">
-                <a:tc>
-                  <a:txBody>
-                    <a:bodyPr/>
-                    <a:lstStyle/>
-                    <a:p>
-                      <a:pPr marL="0" lvl="0" indent="0" rtl="0">
-                        <a:spcBef>
-                          <a:spcPts val="0"/>
-                        </a:spcBef>
-                        <a:spcAft>
-                          <a:spcPts val="0"/>
-                        </a:spcAft>
-                        <a:buNone/>
-                      </a:pPr>
-                      <a:r>
-                        <a:rPr lang="en"/>
-                        <a:t>2</a:t>
-                      </a:r>
-                      <a:endParaRPr/>
-                    </a:p>
-                  </a:txBody>
-                  <a:tcPr marL="91425" marR="91425" marT="91425" marB="91425"/>
-                </a:tc>
-                <a:tc>
-                  <a:txBody>
-                    <a:bodyPr/>
-                    <a:lstStyle/>
-                    <a:p>
-                      <a:pPr marL="0" lvl="0" indent="0" rtl="0">
-                        <a:spcBef>
-                          <a:spcPts val="0"/>
-                        </a:spcBef>
-                        <a:spcAft>
-                          <a:spcPts val="0"/>
-                        </a:spcAft>
-                        <a:buNone/>
-                      </a:pPr>
-                      <a:r>
-                        <a:rPr lang="en"/>
-                        <a:t>Benign</a:t>
-                      </a:r>
-                      <a:endParaRPr/>
-                    </a:p>
-                  </a:txBody>
-                  <a:tcPr marL="91425" marR="91425" marT="91425" marB="91425"/>
-                </a:tc>
-                <a:tc>
-                  <a:txBody>
-                    <a:bodyPr/>
-                    <a:lstStyle/>
-                    <a:p>
-                      <a:pPr marL="0" lvl="0" indent="0" rtl="0">
-                        <a:spcBef>
-                          <a:spcPts val="0"/>
-                        </a:spcBef>
-                        <a:spcAft>
-                          <a:spcPts val="0"/>
-                        </a:spcAft>
-                        <a:buNone/>
-                      </a:pPr>
-                      <a:r>
-                        <a:rPr lang="en"/>
-                        <a:t>Malignant</a:t>
-                      </a:r>
-                      <a:endParaRPr/>
-                    </a:p>
-                  </a:txBody>
-                  <a:tcPr marL="91425" marR="91425" marT="91425" marB="91425"/>
-                </a:tc>
-                <a:tc>
-                  <a:txBody>
-                    <a:bodyPr/>
-                    <a:lstStyle/>
-                    <a:p>
-                      <a:pPr marL="0" lvl="0" indent="0" rtl="0">
-                        <a:spcBef>
-                          <a:spcPts val="0"/>
-                        </a:spcBef>
-                        <a:spcAft>
-                          <a:spcPts val="0"/>
-                        </a:spcAft>
-                        <a:buNone/>
-                      </a:pPr>
-                      <a:r>
-                        <a:rPr lang="en">
-                          <a:solidFill>
-                            <a:srgbClr val="980000"/>
-                          </a:solidFill>
-                        </a:rPr>
-                        <a:t>No</a:t>
-                      </a:r>
-                      <a:endParaRPr>
-                        <a:solidFill>
-                          <a:srgbClr val="980000"/>
-                        </a:solidFill>
-                      </a:endParaRPr>
-                    </a:p>
-                  </a:txBody>
-                  <a:tcPr marL="91425" marR="91425" marT="91425" marB="91425"/>
-                </a:tc>
-                <a:extLst>
-                  <a:ext uri="{0D108BD9-81ED-4DB2-BD59-A6C34878D82A}">
-                    <a16:rowId xmlns:a16="http://schemas.microsoft.com/office/drawing/2014/main" val="10002"/>
-                  </a:ext>
-                </a:extLst>
-              </a:tr>
-              <a:tr h="284625">
-                <a:tc>
-                  <a:txBody>
-                    <a:bodyPr/>
-                    <a:lstStyle/>
-                    <a:p>
-                      <a:pPr marL="0" lvl="0" indent="0" rtl="0">
-                        <a:spcBef>
-                          <a:spcPts val="0"/>
-                        </a:spcBef>
-                        <a:spcAft>
-                          <a:spcPts val="0"/>
-                        </a:spcAft>
-                        <a:buNone/>
-                      </a:pPr>
-                      <a:r>
-                        <a:rPr lang="en"/>
-                        <a:t>3</a:t>
-                      </a:r>
-                      <a:endParaRPr/>
-                    </a:p>
-                  </a:txBody>
-                  <a:tcPr marL="91425" marR="91425" marT="91425" marB="91425"/>
-                </a:tc>
-                <a:tc>
-                  <a:txBody>
-                    <a:bodyPr/>
-                    <a:lstStyle/>
-                    <a:p>
-                      <a:pPr marL="0" lvl="0" indent="0" rtl="0">
-                        <a:spcBef>
-                          <a:spcPts val="0"/>
-                        </a:spcBef>
-                        <a:spcAft>
-                          <a:spcPts val="0"/>
-                        </a:spcAft>
-                        <a:buNone/>
-                      </a:pPr>
-                      <a:r>
-                        <a:rPr lang="en"/>
-                        <a:t>Malignant</a:t>
-                      </a:r>
-                      <a:endParaRPr/>
-                    </a:p>
-                  </a:txBody>
-                  <a:tcPr marL="91425" marR="91425" marT="91425" marB="91425"/>
-                </a:tc>
-                <a:tc>
-                  <a:txBody>
-                    <a:bodyPr/>
-                    <a:lstStyle/>
-                    <a:p>
-                      <a:pPr marL="0" lvl="0" indent="0" rtl="0">
-                        <a:spcBef>
-                          <a:spcPts val="0"/>
-                        </a:spcBef>
-                        <a:spcAft>
-                          <a:spcPts val="0"/>
-                        </a:spcAft>
-                        <a:buNone/>
-                      </a:pPr>
-                      <a:r>
-                        <a:rPr lang="en"/>
-                        <a:t>Malignant</a:t>
-                      </a:r>
-                      <a:endParaRPr/>
-                    </a:p>
-                  </a:txBody>
-                  <a:tcPr marL="91425" marR="91425" marT="91425" marB="91425"/>
-                </a:tc>
-                <a:tc>
-                  <a:txBody>
-                    <a:bodyPr/>
-                    <a:lstStyle/>
-                    <a:p>
-                      <a:pPr marL="0" lvl="0" indent="0" rtl="0">
-                        <a:spcBef>
-                          <a:spcPts val="0"/>
-                        </a:spcBef>
-                        <a:spcAft>
-                          <a:spcPts val="0"/>
-                        </a:spcAft>
-                        <a:buNone/>
-                      </a:pPr>
-                      <a:r>
-                        <a:rPr lang="en">
-                          <a:solidFill>
-                            <a:srgbClr val="38761D"/>
-                          </a:solidFill>
-                        </a:rPr>
-                        <a:t>Yes</a:t>
-                      </a:r>
-                      <a:endParaRPr>
-                        <a:solidFill>
-                          <a:srgbClr val="38761D"/>
-                        </a:solidFill>
-                      </a:endParaRPr>
-                    </a:p>
-                  </a:txBody>
-                  <a:tcPr marL="91425" marR="91425" marT="91425" marB="91425"/>
-                </a:tc>
-                <a:extLst>
-                  <a:ext uri="{0D108BD9-81ED-4DB2-BD59-A6C34878D82A}">
-                    <a16:rowId xmlns:a16="http://schemas.microsoft.com/office/drawing/2014/main" val="10003"/>
-                  </a:ext>
-                </a:extLst>
-              </a:tr>
-              <a:tr h="284625">
-                <a:tc>
-                  <a:txBody>
-                    <a:bodyPr/>
-                    <a:lstStyle/>
-                    <a:p>
-                      <a:pPr marL="0" lvl="0" indent="0" rtl="0">
-                        <a:spcBef>
-                          <a:spcPts val="0"/>
-                        </a:spcBef>
-                        <a:spcAft>
-                          <a:spcPts val="0"/>
-                        </a:spcAft>
-                        <a:buNone/>
-                      </a:pPr>
-                      <a:r>
-                        <a:rPr lang="en"/>
-                        <a:t>4</a:t>
-                      </a:r>
-                      <a:endParaRPr/>
-                    </a:p>
-                  </a:txBody>
-                  <a:tcPr marL="91425" marR="91425" marT="91425" marB="91425"/>
-                </a:tc>
-                <a:tc>
-                  <a:txBody>
-                    <a:bodyPr/>
-                    <a:lstStyle/>
-                    <a:p>
-                      <a:pPr marL="0" lvl="0" indent="0" rtl="0">
-                        <a:spcBef>
-                          <a:spcPts val="0"/>
-                        </a:spcBef>
-                        <a:spcAft>
-                          <a:spcPts val="0"/>
-                        </a:spcAft>
-                        <a:buNone/>
-                      </a:pPr>
-                      <a:r>
-                        <a:rPr lang="en"/>
-                        <a:t>Benign</a:t>
-                      </a:r>
-                      <a:endParaRPr/>
-                    </a:p>
-                  </a:txBody>
-                  <a:tcPr marL="91425" marR="91425" marT="91425" marB="91425"/>
-                </a:tc>
-                <a:tc>
-                  <a:txBody>
-                    <a:bodyPr/>
-                    <a:lstStyle/>
-                    <a:p>
-                      <a:pPr marL="0" lvl="0" indent="0" rtl="0">
-                        <a:spcBef>
-                          <a:spcPts val="0"/>
-                        </a:spcBef>
-                        <a:spcAft>
-                          <a:spcPts val="0"/>
-                        </a:spcAft>
-                        <a:buNone/>
-                      </a:pPr>
-                      <a:r>
-                        <a:rPr lang="en"/>
-                        <a:t>Benign</a:t>
-                      </a:r>
-                      <a:endParaRPr/>
-                    </a:p>
-                  </a:txBody>
-                  <a:tcPr marL="91425" marR="91425" marT="91425" marB="91425"/>
-                </a:tc>
-                <a:tc>
-                  <a:txBody>
-                    <a:bodyPr/>
-                    <a:lstStyle/>
-                    <a:p>
-                      <a:pPr marL="0" lvl="0" indent="0" rtl="0">
-                        <a:spcBef>
-                          <a:spcPts val="0"/>
-                        </a:spcBef>
-                        <a:spcAft>
-                          <a:spcPts val="0"/>
-                        </a:spcAft>
-                        <a:buNone/>
-                      </a:pPr>
-                      <a:r>
-                        <a:rPr lang="en">
-                          <a:solidFill>
-                            <a:srgbClr val="38761D"/>
-                          </a:solidFill>
-                        </a:rPr>
-                        <a:t>Yes</a:t>
-                      </a:r>
-                      <a:endParaRPr>
-                        <a:solidFill>
-                          <a:srgbClr val="38761D"/>
-                        </a:solidFill>
-                      </a:endParaRPr>
-                    </a:p>
-                  </a:txBody>
-                  <a:tcPr marL="91425" marR="91425" marT="91425" marB="91425"/>
-                </a:tc>
-                <a:extLst>
-                  <a:ext uri="{0D108BD9-81ED-4DB2-BD59-A6C34878D82A}">
-                    <a16:rowId xmlns:a16="http://schemas.microsoft.com/office/drawing/2014/main" val="10004"/>
-                  </a:ext>
-                </a:extLst>
-              </a:tr>
-              <a:tr h="284625">
-                <a:tc>
-                  <a:txBody>
-                    <a:bodyPr/>
-                    <a:lstStyle/>
-                    <a:p>
-                      <a:pPr marL="0" lvl="0" indent="0" rtl="0">
-                        <a:spcBef>
-                          <a:spcPts val="0"/>
-                        </a:spcBef>
-                        <a:spcAft>
-                          <a:spcPts val="0"/>
-                        </a:spcAft>
-                        <a:buNone/>
-                      </a:pPr>
-                      <a:r>
-                        <a:rPr lang="en"/>
-                        <a:t>5</a:t>
-                      </a:r>
-                      <a:endParaRPr/>
-                    </a:p>
-                  </a:txBody>
-                  <a:tcPr marL="91425" marR="91425" marT="91425" marB="91425"/>
-                </a:tc>
-                <a:tc>
-                  <a:txBody>
-                    <a:bodyPr/>
-                    <a:lstStyle/>
-                    <a:p>
-                      <a:pPr marL="0" lvl="0" indent="0" rtl="0">
-                        <a:spcBef>
-                          <a:spcPts val="0"/>
-                        </a:spcBef>
-                        <a:spcAft>
-                          <a:spcPts val="0"/>
-                        </a:spcAft>
-                        <a:buNone/>
-                      </a:pPr>
-                      <a:r>
-                        <a:rPr lang="en"/>
-                        <a:t>Malignant</a:t>
-                      </a:r>
-                      <a:endParaRPr/>
-                    </a:p>
-                  </a:txBody>
-                  <a:tcPr marL="91425" marR="91425" marT="91425" marB="91425"/>
-                </a:tc>
-                <a:tc>
-                  <a:txBody>
-                    <a:bodyPr/>
-                    <a:lstStyle/>
-                    <a:p>
-                      <a:pPr marL="0" lvl="0" indent="0" rtl="0">
-                        <a:spcBef>
-                          <a:spcPts val="0"/>
-                        </a:spcBef>
-                        <a:spcAft>
-                          <a:spcPts val="0"/>
-                        </a:spcAft>
-                        <a:buNone/>
-                      </a:pPr>
-                      <a:r>
-                        <a:rPr lang="en"/>
-                        <a:t>Benign</a:t>
-                      </a:r>
-                      <a:endParaRPr/>
-                    </a:p>
-                  </a:txBody>
-                  <a:tcPr marL="91425" marR="91425" marT="91425" marB="91425"/>
-                </a:tc>
-                <a:tc>
-                  <a:txBody>
-                    <a:bodyPr/>
-                    <a:lstStyle/>
-                    <a:p>
-                      <a:pPr marL="0" lvl="0" indent="0" rtl="0">
-                        <a:spcBef>
-                          <a:spcPts val="0"/>
-                        </a:spcBef>
-                        <a:spcAft>
-                          <a:spcPts val="0"/>
-                        </a:spcAft>
-                        <a:buNone/>
-                      </a:pPr>
-                      <a:r>
-                        <a:rPr lang="en">
-                          <a:solidFill>
-                            <a:srgbClr val="980000"/>
-                          </a:solidFill>
-                        </a:rPr>
-                        <a:t>No</a:t>
-                      </a:r>
-                      <a:endParaRPr>
-                        <a:solidFill>
-                          <a:srgbClr val="980000"/>
-                        </a:solidFill>
-                      </a:endParaRPr>
-                    </a:p>
-                  </a:txBody>
-                  <a:tcPr marL="91425" marR="91425" marT="91425" marB="91425"/>
-                </a:tc>
-                <a:extLst>
-                  <a:ext uri="{0D108BD9-81ED-4DB2-BD59-A6C34878D82A}">
-                    <a16:rowId xmlns:a16="http://schemas.microsoft.com/office/drawing/2014/main" val="10005"/>
-                  </a:ext>
-                </a:extLst>
-              </a:tr>
-              <a:tr h="284625">
-                <a:tc>
-                  <a:txBody>
-                    <a:bodyPr/>
-                    <a:lstStyle/>
-                    <a:p>
-                      <a:pPr marL="0" lvl="0" indent="0" rtl="0">
-                        <a:spcBef>
-                          <a:spcPts val="0"/>
-                        </a:spcBef>
-                        <a:spcAft>
-                          <a:spcPts val="0"/>
-                        </a:spcAft>
-                        <a:buNone/>
-                      </a:pPr>
-                      <a:r>
-                        <a:rPr lang="en"/>
-                        <a:t>6</a:t>
-                      </a:r>
-                      <a:endParaRPr/>
-                    </a:p>
-                  </a:txBody>
-                  <a:tcPr marL="91425" marR="91425" marT="91425" marB="91425"/>
-                </a:tc>
-                <a:tc>
-                  <a:txBody>
-                    <a:bodyPr/>
-                    <a:lstStyle/>
-                    <a:p>
-                      <a:pPr marL="0" lvl="0" indent="0" rtl="0">
-                        <a:spcBef>
-                          <a:spcPts val="0"/>
-                        </a:spcBef>
-                        <a:spcAft>
-                          <a:spcPts val="0"/>
-                        </a:spcAft>
-                        <a:buNone/>
-                      </a:pPr>
-                      <a:r>
-                        <a:rPr lang="en"/>
-                        <a:t>Benign</a:t>
-                      </a:r>
-                      <a:endParaRPr/>
-                    </a:p>
-                  </a:txBody>
-                  <a:tcPr marL="91425" marR="91425" marT="91425" marB="91425"/>
-                </a:tc>
-                <a:tc>
-                  <a:txBody>
-                    <a:bodyPr/>
-                    <a:lstStyle/>
-                    <a:p>
-                      <a:pPr marL="0" lvl="0" indent="0" rtl="0">
-                        <a:spcBef>
-                          <a:spcPts val="0"/>
-                        </a:spcBef>
-                        <a:spcAft>
-                          <a:spcPts val="0"/>
-                        </a:spcAft>
-                        <a:buNone/>
-                      </a:pPr>
-                      <a:r>
-                        <a:rPr lang="en"/>
-                        <a:t>Benign</a:t>
-                      </a:r>
-                      <a:endParaRPr/>
-                    </a:p>
-                  </a:txBody>
-                  <a:tcPr marL="91425" marR="91425" marT="91425" marB="91425"/>
-                </a:tc>
-                <a:tc>
-                  <a:txBody>
-                    <a:bodyPr/>
-                    <a:lstStyle/>
-                    <a:p>
-                      <a:pPr marL="0" lvl="0" indent="0" rtl="0">
-                        <a:spcBef>
-                          <a:spcPts val="0"/>
-                        </a:spcBef>
-                        <a:spcAft>
-                          <a:spcPts val="0"/>
-                        </a:spcAft>
-                        <a:buNone/>
-                      </a:pPr>
-                      <a:r>
-                        <a:rPr lang="en">
-                          <a:solidFill>
-                            <a:srgbClr val="38761D"/>
-                          </a:solidFill>
-                        </a:rPr>
-                        <a:t>Yes</a:t>
-                      </a:r>
-                      <a:endParaRPr>
-                        <a:solidFill>
-                          <a:srgbClr val="38761D"/>
-                        </a:solidFill>
-                      </a:endParaRPr>
-                    </a:p>
-                  </a:txBody>
-                  <a:tcPr marL="91425" marR="91425" marT="91425" marB="91425"/>
-                </a:tc>
-                <a:extLst>
-                  <a:ext uri="{0D108BD9-81ED-4DB2-BD59-A6C34878D82A}">
-                    <a16:rowId xmlns:a16="http://schemas.microsoft.com/office/drawing/2014/main" val="10006"/>
-                  </a:ext>
-                </a:extLst>
-              </a:tr>
-              <a:tr h="284625">
-                <a:tc>
-                  <a:txBody>
-                    <a:bodyPr/>
-                    <a:lstStyle/>
-                    <a:p>
-                      <a:pPr marL="0" lvl="0" indent="0" rtl="0">
-                        <a:spcBef>
-                          <a:spcPts val="0"/>
-                        </a:spcBef>
-                        <a:spcAft>
-                          <a:spcPts val="0"/>
-                        </a:spcAft>
-                        <a:buNone/>
-                      </a:pPr>
-                      <a:r>
-                        <a:rPr lang="en"/>
-                        <a:t>7</a:t>
-                      </a:r>
-                      <a:endParaRPr/>
-                    </a:p>
-                  </a:txBody>
-                  <a:tcPr marL="91425" marR="91425" marT="91425" marB="91425"/>
-                </a:tc>
-                <a:tc>
-                  <a:txBody>
-                    <a:bodyPr/>
-                    <a:lstStyle/>
-                    <a:p>
-                      <a:pPr marL="0" lvl="0" indent="0" rtl="0">
-                        <a:spcBef>
-                          <a:spcPts val="0"/>
-                        </a:spcBef>
-                        <a:spcAft>
-                          <a:spcPts val="0"/>
-                        </a:spcAft>
-                        <a:buNone/>
-                      </a:pPr>
-                      <a:r>
-                        <a:rPr lang="en"/>
-                        <a:t>Benign</a:t>
-                      </a:r>
-                      <a:endParaRPr/>
-                    </a:p>
-                  </a:txBody>
-                  <a:tcPr marL="91425" marR="91425" marT="91425" marB="91425"/>
-                </a:tc>
-                <a:tc>
-                  <a:txBody>
-                    <a:bodyPr/>
-                    <a:lstStyle/>
-                    <a:p>
-                      <a:pPr marL="0" lvl="0" indent="0" rtl="0">
-                        <a:spcBef>
-                          <a:spcPts val="0"/>
-                        </a:spcBef>
-                        <a:spcAft>
-                          <a:spcPts val="0"/>
-                        </a:spcAft>
-                        <a:buNone/>
-                      </a:pPr>
-                      <a:r>
-                        <a:rPr lang="en"/>
-                        <a:t>Benign</a:t>
-                      </a:r>
-                      <a:endParaRPr/>
-                    </a:p>
-                  </a:txBody>
-                  <a:tcPr marL="91425" marR="91425" marT="91425" marB="91425"/>
-                </a:tc>
-                <a:tc>
-                  <a:txBody>
-                    <a:bodyPr/>
-                    <a:lstStyle/>
-                    <a:p>
-                      <a:pPr marL="0" lvl="0" indent="0" rtl="0">
-                        <a:spcBef>
-                          <a:spcPts val="0"/>
-                        </a:spcBef>
-                        <a:spcAft>
-                          <a:spcPts val="0"/>
-                        </a:spcAft>
-                        <a:buNone/>
-                      </a:pPr>
-                      <a:r>
-                        <a:rPr lang="en">
-                          <a:solidFill>
-                            <a:srgbClr val="38761D"/>
-                          </a:solidFill>
-                        </a:rPr>
-                        <a:t>Yes</a:t>
-                      </a:r>
-                      <a:endParaRPr>
-                        <a:solidFill>
-                          <a:srgbClr val="38761D"/>
-                        </a:solidFill>
-                      </a:endParaRPr>
-                    </a:p>
-                  </a:txBody>
-                  <a:tcPr marL="91425" marR="91425" marT="91425" marB="91425"/>
-                </a:tc>
-                <a:extLst>
-                  <a:ext uri="{0D108BD9-81ED-4DB2-BD59-A6C34878D82A}">
-                    <a16:rowId xmlns:a16="http://schemas.microsoft.com/office/drawing/2014/main" val="10007"/>
-                  </a:ext>
-                </a:extLst>
-              </a:tr>
-              <a:tr h="284625">
-                <a:tc>
-                  <a:txBody>
-                    <a:bodyPr/>
-                    <a:lstStyle/>
-                    <a:p>
-                      <a:pPr marL="0" lvl="0" indent="0" rtl="0">
-                        <a:spcBef>
-                          <a:spcPts val="0"/>
-                        </a:spcBef>
-                        <a:spcAft>
-                          <a:spcPts val="0"/>
-                        </a:spcAft>
-                        <a:buNone/>
-                      </a:pPr>
-                      <a:r>
-                        <a:rPr lang="en"/>
-                        <a:t>8</a:t>
-                      </a:r>
-                      <a:endParaRPr/>
-                    </a:p>
-                  </a:txBody>
-                  <a:tcPr marL="91425" marR="91425" marT="91425" marB="91425"/>
-                </a:tc>
-                <a:tc>
-                  <a:txBody>
-                    <a:bodyPr/>
-                    <a:lstStyle/>
-                    <a:p>
-                      <a:pPr marL="0" lvl="0" indent="0" rtl="0">
-                        <a:spcBef>
-                          <a:spcPts val="0"/>
-                        </a:spcBef>
-                        <a:spcAft>
-                          <a:spcPts val="0"/>
-                        </a:spcAft>
-                        <a:buNone/>
-                      </a:pPr>
-                      <a:r>
-                        <a:rPr lang="en"/>
-                        <a:t>Malignant</a:t>
-                      </a:r>
-                      <a:endParaRPr/>
-                    </a:p>
-                  </a:txBody>
-                  <a:tcPr marL="91425" marR="91425" marT="91425" marB="91425"/>
-                </a:tc>
-                <a:tc>
-                  <a:txBody>
-                    <a:bodyPr/>
-                    <a:lstStyle/>
-                    <a:p>
-                      <a:pPr marL="0" lvl="0" indent="0" rtl="0">
-                        <a:spcBef>
-                          <a:spcPts val="0"/>
-                        </a:spcBef>
-                        <a:spcAft>
-                          <a:spcPts val="0"/>
-                        </a:spcAft>
-                        <a:buNone/>
-                      </a:pPr>
-                      <a:r>
-                        <a:rPr lang="en"/>
-                        <a:t>Malignant</a:t>
-                      </a:r>
-                      <a:endParaRPr/>
-                    </a:p>
-                  </a:txBody>
-                  <a:tcPr marL="91425" marR="91425" marT="91425" marB="91425"/>
-                </a:tc>
-                <a:tc>
-                  <a:txBody>
-                    <a:bodyPr/>
-                    <a:lstStyle/>
-                    <a:p>
-                      <a:pPr marL="0" lvl="0" indent="0" rtl="0">
-                        <a:spcBef>
-                          <a:spcPts val="0"/>
-                        </a:spcBef>
-                        <a:spcAft>
-                          <a:spcPts val="0"/>
-                        </a:spcAft>
-                        <a:buNone/>
-                      </a:pPr>
-                      <a:r>
-                        <a:rPr lang="en">
-                          <a:solidFill>
-                            <a:srgbClr val="38761D"/>
-                          </a:solidFill>
-                        </a:rPr>
-                        <a:t>Yes</a:t>
-                      </a:r>
-                      <a:endParaRPr>
-                        <a:solidFill>
-                          <a:srgbClr val="38761D"/>
-                        </a:solidFill>
-                      </a:endParaRPr>
-                    </a:p>
-                  </a:txBody>
-                  <a:tcPr marL="91425" marR="91425" marT="91425" marB="91425"/>
-                </a:tc>
-                <a:extLst>
-                  <a:ext uri="{0D108BD9-81ED-4DB2-BD59-A6C34878D82A}">
-                    <a16:rowId xmlns:a16="http://schemas.microsoft.com/office/drawing/2014/main" val="10008"/>
-                  </a:ext>
-                </a:extLst>
-              </a:tr>
-              <a:tr h="284625">
-                <a:tc>
-                  <a:txBody>
-                    <a:bodyPr/>
-                    <a:lstStyle/>
-                    <a:p>
-                      <a:pPr marL="0" lvl="0" indent="0" rtl="0">
-                        <a:spcBef>
-                          <a:spcPts val="0"/>
-                        </a:spcBef>
-                        <a:spcAft>
-                          <a:spcPts val="0"/>
-                        </a:spcAft>
-                        <a:buNone/>
-                      </a:pPr>
-                      <a:r>
-                        <a:rPr lang="en"/>
-                        <a:t>9</a:t>
-                      </a:r>
-                      <a:endParaRPr/>
-                    </a:p>
-                  </a:txBody>
-                  <a:tcPr marL="91425" marR="91425" marT="91425" marB="91425"/>
-                </a:tc>
-                <a:tc>
-                  <a:txBody>
-                    <a:bodyPr/>
-                    <a:lstStyle/>
-                    <a:p>
-                      <a:pPr marL="0" lvl="0" indent="0" rtl="0">
-                        <a:spcBef>
-                          <a:spcPts val="0"/>
-                        </a:spcBef>
-                        <a:spcAft>
-                          <a:spcPts val="0"/>
-                        </a:spcAft>
-                        <a:buNone/>
-                      </a:pPr>
-                      <a:r>
-                        <a:rPr lang="en"/>
-                        <a:t>Benign</a:t>
-                      </a:r>
-                      <a:endParaRPr/>
-                    </a:p>
-                  </a:txBody>
-                  <a:tcPr marL="91425" marR="91425" marT="91425" marB="91425"/>
-                </a:tc>
-                <a:tc>
-                  <a:txBody>
-                    <a:bodyPr/>
-                    <a:lstStyle/>
-                    <a:p>
-                      <a:pPr marL="0" lvl="0" indent="0" rtl="0">
-                        <a:spcBef>
-                          <a:spcPts val="0"/>
-                        </a:spcBef>
-                        <a:spcAft>
-                          <a:spcPts val="0"/>
-                        </a:spcAft>
-                        <a:buNone/>
-                      </a:pPr>
-                      <a:r>
-                        <a:rPr lang="en"/>
-                        <a:t>Benign</a:t>
-                      </a:r>
-                      <a:endParaRPr/>
-                    </a:p>
-                  </a:txBody>
-                  <a:tcPr marL="91425" marR="91425" marT="91425" marB="91425"/>
-                </a:tc>
-                <a:tc>
-                  <a:txBody>
-                    <a:bodyPr/>
-                    <a:lstStyle/>
-                    <a:p>
-                      <a:pPr marL="0" lvl="0" indent="0" rtl="0">
-                        <a:spcBef>
-                          <a:spcPts val="0"/>
-                        </a:spcBef>
-                        <a:spcAft>
-                          <a:spcPts val="0"/>
-                        </a:spcAft>
-                        <a:buNone/>
-                      </a:pPr>
-                      <a:r>
-                        <a:rPr lang="en">
-                          <a:solidFill>
-                            <a:srgbClr val="38761D"/>
-                          </a:solidFill>
-                        </a:rPr>
-                        <a:t>Yes</a:t>
-                      </a:r>
-                      <a:endParaRPr>
-                        <a:solidFill>
-                          <a:srgbClr val="38761D"/>
-                        </a:solidFill>
-                      </a:endParaRPr>
-                    </a:p>
-                  </a:txBody>
-                  <a:tcPr marL="91425" marR="91425" marT="91425" marB="91425"/>
-                </a:tc>
-                <a:extLst>
-                  <a:ext uri="{0D108BD9-81ED-4DB2-BD59-A6C34878D82A}">
-                    <a16:rowId xmlns:a16="http://schemas.microsoft.com/office/drawing/2014/main" val="10009"/>
-                  </a:ext>
-                </a:extLst>
-              </a:tr>
-              <a:tr h="284625">
-                <a:tc>
-                  <a:txBody>
-                    <a:bodyPr/>
-                    <a:lstStyle/>
-                    <a:p>
-                      <a:pPr marL="0" lvl="0" indent="0" rtl="0">
-                        <a:spcBef>
-                          <a:spcPts val="0"/>
-                        </a:spcBef>
-                        <a:spcAft>
-                          <a:spcPts val="0"/>
-                        </a:spcAft>
-                        <a:buNone/>
-                      </a:pPr>
-                      <a:r>
-                        <a:rPr lang="en"/>
-                        <a:t>10</a:t>
-                      </a:r>
-                      <a:endParaRPr/>
-                    </a:p>
-                  </a:txBody>
-                  <a:tcPr marL="91425" marR="91425" marT="91425" marB="91425"/>
-                </a:tc>
-                <a:tc>
-                  <a:txBody>
-                    <a:bodyPr/>
-                    <a:lstStyle/>
-                    <a:p>
-                      <a:pPr marL="0" lvl="0" indent="0" rtl="0">
-                        <a:spcBef>
-                          <a:spcPts val="0"/>
-                        </a:spcBef>
-                        <a:spcAft>
-                          <a:spcPts val="0"/>
-                        </a:spcAft>
-                        <a:buNone/>
-                      </a:pPr>
-                      <a:r>
-                        <a:rPr lang="en"/>
-                        <a:t>Benign</a:t>
-                      </a:r>
-                      <a:endParaRPr/>
-                    </a:p>
-                  </a:txBody>
-                  <a:tcPr marL="91425" marR="91425" marT="91425" marB="91425"/>
-                </a:tc>
-                <a:tc>
-                  <a:txBody>
-                    <a:bodyPr/>
-                    <a:lstStyle/>
-                    <a:p>
-                      <a:pPr marL="0" lvl="0" indent="0" rtl="0">
-                        <a:spcBef>
-                          <a:spcPts val="0"/>
-                        </a:spcBef>
-                        <a:spcAft>
-                          <a:spcPts val="0"/>
-                        </a:spcAft>
-                        <a:buNone/>
-                      </a:pPr>
-                      <a:r>
-                        <a:rPr lang="en"/>
-                        <a:t>Benign</a:t>
-                      </a:r>
-                      <a:endParaRPr/>
-                    </a:p>
-                  </a:txBody>
-                  <a:tcPr marL="91425" marR="91425" marT="91425" marB="91425"/>
-                </a:tc>
-                <a:tc>
-                  <a:txBody>
-                    <a:bodyPr/>
-                    <a:lstStyle/>
-                    <a:p>
-                      <a:pPr marL="0" lvl="0" indent="0" rtl="0">
-                        <a:spcBef>
-                          <a:spcPts val="0"/>
-                        </a:spcBef>
-                        <a:spcAft>
-                          <a:spcPts val="0"/>
-                        </a:spcAft>
-                        <a:buNone/>
-                      </a:pPr>
-                      <a:r>
-                        <a:rPr lang="en" dirty="0">
-                          <a:solidFill>
-                            <a:srgbClr val="38761D"/>
-                          </a:solidFill>
-                        </a:rPr>
-                        <a:t>Yes</a:t>
-                      </a:r>
-                      <a:endParaRPr dirty="0">
-                        <a:solidFill>
-                          <a:srgbClr val="38761D"/>
-                        </a:solidFill>
-                      </a:endParaRPr>
-                    </a:p>
-                  </a:txBody>
-                  <a:tcPr marL="91425" marR="91425" marT="91425" marB="91425"/>
-                </a:tc>
-                <a:extLst>
-                  <a:ext uri="{0D108BD9-81ED-4DB2-BD59-A6C34878D82A}">
-                    <a16:rowId xmlns:a16="http://schemas.microsoft.com/office/drawing/2014/main" val="10010"/>
-                  </a:ext>
-                </a:extLst>
-              </a:tr>
-            </a:tbl>
-          </a:graphicData>
-        </a:graphic>
-      </p:graphicFrame>
-      <p:sp>
-        <p:nvSpPr>
-          <p:cNvPr id="112" name="Shape 112"/>
-          <p:cNvSpPr txBox="1"/>
-          <p:nvPr/>
-        </p:nvSpPr>
-        <p:spPr>
-          <a:xfrm>
-            <a:off x="6494000" y="1321775"/>
-            <a:ext cx="2430900" cy="3187800"/>
-          </a:xfrm>
-          <a:prstGeom prst="rect">
-            <a:avLst/>
-          </a:prstGeom>
-          <a:noFill/>
-          <a:ln>
-            <a:noFill/>
-          </a:ln>
-        </p:spPr>
-        <p:txBody>
-          <a:bodyPr spcFirstLastPara="1" wrap="square" lIns="91425" tIns="91425" rIns="91425" bIns="91425" anchor="t" anchorCtr="0">
-            <a:noAutofit/>
-          </a:bodyPr>
-          <a:lstStyle/>
-          <a:p>
             <a:pPr lvl="0"/>
             <a:r>
               <a:rPr lang="en-US" sz="2400" dirty="0">
@@ -10488,7 +7868,7 @@
 </p:sld>
 </file>
 
-<file path=ppt/slides/slide13.xml><?xml version="1.0" encoding="utf-8"?>
+<file path=ppt/slides/slide11.xml><?xml version="1.0" encoding="utf-8"?>
 <p:sld xmlns:a="http://schemas.openxmlformats.org/drawingml/2006/main" xmlns:r="http://schemas.openxmlformats.org/officeDocument/2006/relationships" xmlns:p="http://schemas.openxmlformats.org/presentationml/2006/main">
   <p:cSld>
     <p:spTree>
@@ -10714,7 +8094,7 @@
 </p:sld>
 </file>
 
-<file path=ppt/slides/slide14.xml><?xml version="1.0" encoding="utf-8"?>
+<file path=ppt/slides/slide12.xml><?xml version="1.0" encoding="utf-8"?>
 <p:sld xmlns:a="http://schemas.openxmlformats.org/drawingml/2006/main" xmlns:r="http://schemas.openxmlformats.org/officeDocument/2006/relationships" xmlns:p="http://schemas.openxmlformats.org/presentationml/2006/main">
   <p:cSld>
     <p:spTree>
@@ -11182,7 +8562,7 @@
 </p:sld>
 </file>
 
-<file path=ppt/slides/slide15.xml><?xml version="1.0" encoding="utf-8"?>
+<file path=ppt/slides/slide13.xml><?xml version="1.0" encoding="utf-8"?>
 <p:sld xmlns:a="http://schemas.openxmlformats.org/drawingml/2006/main" xmlns:r="http://schemas.openxmlformats.org/officeDocument/2006/relationships" xmlns:p="http://schemas.openxmlformats.org/presentationml/2006/main">
   <p:cSld>
     <p:spTree>
@@ -12317,7 +9697,7 @@
 </p:sld>
 </file>
 
-<file path=ppt/slides/slide16.xml><?xml version="1.0" encoding="utf-8"?>
+<file path=ppt/slides/slide14.xml><?xml version="1.0" encoding="utf-8"?>
 <p:sld xmlns:a="http://schemas.openxmlformats.org/drawingml/2006/main" xmlns:r="http://schemas.openxmlformats.org/officeDocument/2006/relationships" xmlns:p="http://schemas.openxmlformats.org/presentationml/2006/main">
   <p:cSld>
     <p:spTree>
@@ -13688,7 +11068,7 @@
 </p:sld>
 </file>
 
-<file path=ppt/slides/slide17.xml><?xml version="1.0" encoding="utf-8"?>
+<file path=ppt/slides/slide15.xml><?xml version="1.0" encoding="utf-8"?>
 <p:sld xmlns:a="http://schemas.openxmlformats.org/drawingml/2006/main" xmlns:r="http://schemas.openxmlformats.org/officeDocument/2006/relationships" xmlns:p="http://schemas.openxmlformats.org/presentationml/2006/main">
   <p:cSld>
     <p:spTree>
@@ -14123,7 +11503,7 @@
 </p:sld>
 </file>
 
-<file path=ppt/slides/slide18.xml><?xml version="1.0" encoding="utf-8"?>
+<file path=ppt/slides/slide16.xml><?xml version="1.0" encoding="utf-8"?>
 <p:sld xmlns:a="http://schemas.openxmlformats.org/drawingml/2006/main" xmlns:r="http://schemas.openxmlformats.org/officeDocument/2006/relationships" xmlns:p="http://schemas.openxmlformats.org/presentationml/2006/main">
   <p:cSld>
     <p:spTree>
@@ -14190,7 +11570,7 @@
 </p:sld>
 </file>
 
-<file path=ppt/slides/slide19.xml><?xml version="1.0" encoding="utf-8"?>
+<file path=ppt/slides/slide17.xml><?xml version="1.0" encoding="utf-8"?>
 <p:sld xmlns:a="http://schemas.openxmlformats.org/drawingml/2006/main" xmlns:r="http://schemas.openxmlformats.org/officeDocument/2006/relationships" xmlns:p="http://schemas.openxmlformats.org/presentationml/2006/main">
   <p:cSld>
     <p:spTree>
@@ -14431,90 +11811,7 @@
 </p:sld>
 </file>
 
-<file path=ppt/slides/slide2.xml><?xml version="1.0" encoding="utf-8"?>
-<p:sld xmlns:a="http://schemas.openxmlformats.org/drawingml/2006/main" xmlns:r="http://schemas.openxmlformats.org/officeDocument/2006/relationships" xmlns:p="http://schemas.openxmlformats.org/presentationml/2006/main">
-  <p:cSld>
-    <p:spTree>
-      <p:nvGrpSpPr>
-        <p:cNvPr id="1" name=""/>
-        <p:cNvGrpSpPr/>
-        <p:nvPr/>
-      </p:nvGrpSpPr>
-      <p:grpSpPr>
-        <a:xfrm>
-          <a:off x="0" y="0"/>
-          <a:ext cx="0" cy="0"/>
-          <a:chOff x="0" y="0"/>
-          <a:chExt cx="0" cy="0"/>
-        </a:xfrm>
-      </p:grpSpPr>
-      <p:sp>
-        <p:nvSpPr>
-          <p:cNvPr id="4" name="Title 3">
-            <a:extLst>
-              <a:ext uri="{FF2B5EF4-FFF2-40B4-BE49-F238E27FC236}">
-                <a16:creationId xmlns:a16="http://schemas.microsoft.com/office/drawing/2014/main" id="{8E35C96E-542A-4D09-BE00-3313FFE21BB5}"/>
-              </a:ext>
-            </a:extLst>
-          </p:cNvPr>
-          <p:cNvSpPr>
-            <a:spLocks noGrp="1"/>
-          </p:cNvSpPr>
-          <p:nvPr>
-            <p:ph type="title"/>
-          </p:nvPr>
-        </p:nvSpPr>
-        <p:spPr/>
-        <p:txBody>
-          <a:bodyPr/>
-          <a:lstStyle/>
-          <a:p>
-            <a:r>
-              <a:rPr lang="en-US" dirty="0"/>
-              <a:t>Recap</a:t>
-            </a:r>
-          </a:p>
-        </p:txBody>
-      </p:sp>
-      <p:sp>
-        <p:nvSpPr>
-          <p:cNvPr id="5" name="Text Placeholder 4">
-            <a:extLst>
-              <a:ext uri="{FF2B5EF4-FFF2-40B4-BE49-F238E27FC236}">
-                <a16:creationId xmlns:a16="http://schemas.microsoft.com/office/drawing/2014/main" id="{5AB731F5-C8F2-439E-A276-92D6DE51A322}"/>
-              </a:ext>
-            </a:extLst>
-          </p:cNvPr>
-          <p:cNvSpPr>
-            <a:spLocks noGrp="1"/>
-          </p:cNvSpPr>
-          <p:nvPr>
-            <p:ph type="body" idx="1"/>
-          </p:nvPr>
-        </p:nvSpPr>
-        <p:spPr/>
-        <p:txBody>
-          <a:bodyPr/>
-          <a:lstStyle/>
-          <a:p>
-            <a:endParaRPr lang="en-US"/>
-          </a:p>
-        </p:txBody>
-      </p:sp>
-    </p:spTree>
-    <p:extLst>
-      <p:ext uri="{BB962C8B-B14F-4D97-AF65-F5344CB8AC3E}">
-        <p14:creationId xmlns:p14="http://schemas.microsoft.com/office/powerpoint/2010/main" val="756231111"/>
-      </p:ext>
-    </p:extLst>
-  </p:cSld>
-  <p:clrMapOvr>
-    <a:masterClrMapping/>
-  </p:clrMapOvr>
-</p:sld>
-</file>
-
-<file path=ppt/slides/slide20.xml><?xml version="1.0" encoding="utf-8"?>
+<file path=ppt/slides/slide18.xml><?xml version="1.0" encoding="utf-8"?>
 <p:sld xmlns:a="http://schemas.openxmlformats.org/drawingml/2006/main" xmlns:r="http://schemas.openxmlformats.org/officeDocument/2006/relationships" xmlns:p="http://schemas.openxmlformats.org/presentationml/2006/main">
   <p:cSld>
     <p:spTree>
@@ -14614,6 +11911,21 @@
             <a:endParaRPr dirty="0"/>
           </a:p>
           <a:p>
+            <a:pPr>
+              <a:spcBef>
+                <a:spcPts val="1600"/>
+              </a:spcBef>
+            </a:pPr>
+            <a:r>
+              <a:rPr lang="en" dirty="0">
+                <a:solidFill>
+                  <a:schemeClr val="dk1"/>
+                </a:solidFill>
+              </a:rPr>
+              <a:t>High precision:</a:t>
+            </a:r>
+          </a:p>
+          <a:p>
             <a:pPr marL="457200" lvl="0" indent="-342900" rtl="0">
               <a:spcBef>
                 <a:spcPts val="1600"/>
@@ -14635,26 +11947,6 @@
             <a:r>
               <a:rPr lang="en" dirty="0"/>
               <a:t>: </a:t>
-            </a:r>
-          </a:p>
-          <a:p>
-            <a:pPr marL="457200" lvl="0" indent="-342900" rtl="0">
-              <a:spcBef>
-                <a:spcPts val="1600"/>
-              </a:spcBef>
-              <a:spcAft>
-                <a:spcPts val="0"/>
-              </a:spcAft>
-              <a:buSzPts val="1800"/>
-              <a:buChar char="●"/>
-            </a:pPr>
-            <a:r>
-              <a:rPr lang="en" dirty="0">
-                <a:solidFill>
-                  <a:schemeClr val="dk1"/>
-                </a:solidFill>
-              </a:rPr>
-              <a:t>High precision:</a:t>
             </a:r>
           </a:p>
           <a:p>
@@ -15174,7 +12466,7 @@
 </p:sld>
 </file>
 
-<file path=ppt/slides/slide21.xml><?xml version="1.0" encoding="utf-8"?>
+<file path=ppt/slides/slide19.xml><?xml version="1.0" encoding="utf-8"?>
 <p:sld xmlns:a="http://schemas.openxmlformats.org/drawingml/2006/main" xmlns:r="http://schemas.openxmlformats.org/officeDocument/2006/relationships" xmlns:p="http://schemas.openxmlformats.org/presentationml/2006/main">
   <p:cSld>
     <p:spTree>
@@ -15270,30 +12562,56 @@
             <a:endParaRPr dirty="0"/>
           </a:p>
           <a:p>
-            <a:pPr marL="457200" lvl="0" indent="-342900" rtl="0">
+            <a:pPr lvl="0"/>
+            <a:r>
+              <a:rPr lang="en-US" dirty="0">
+                <a:solidFill>
+                  <a:schemeClr val="dk1"/>
+                </a:solidFill>
+              </a:rPr>
+              <a:t>High precision: </a:t>
+            </a:r>
+            <a:r>
+              <a:rPr lang="en-US" dirty="0"/>
+              <a:t>classifier has </a:t>
+            </a:r>
+            <a:r>
+              <a:rPr lang="en-US" dirty="0">
+                <a:solidFill>
+                  <a:schemeClr val="dk1"/>
+                </a:solidFill>
+              </a:rPr>
+              <a:t>few false positives</a:t>
+            </a:r>
+          </a:p>
+          <a:p>
+            <a:pPr lvl="1">
               <a:spcBef>
-                <a:spcPts val="1600"/>
+                <a:spcPts val="0"/>
               </a:spcBef>
-              <a:spcAft>
-                <a:spcPts val="0"/>
-              </a:spcAft>
-              <a:buSzPts val="1800"/>
-              <a:buChar char="●"/>
             </a:pPr>
+            <a:r>
+              <a:rPr lang="en-US" dirty="0"/>
+              <a:t>e.g. few "false alarms" on benign tumors</a:t>
+            </a:r>
+            <a:endParaRPr dirty="0"/>
+          </a:p>
+          <a:p>
+            <a:pPr lvl="0"/>
             <a:r>
               <a:rPr lang="en" dirty="0">
                 <a:solidFill>
                   <a:schemeClr val="dk1"/>
                 </a:solidFill>
               </a:rPr>
-              <a:t>High recall</a:t>
+              <a:t>High recall: </a:t>
             </a:r>
             <a:r>
-              <a:rPr lang="en" dirty="0"/>
-              <a:t>: classifier has </a:t>
+              <a:rPr lang="en-US" dirty="0"/>
+              <a:t>classifier has </a:t>
             </a:r>
             <a:r>
-              <a:rPr lang="en" dirty="0">
+              <a:rPr lang="en-US" dirty="0">
                 <a:solidFill>
                   <a:schemeClr val="dk1"/>
                 </a:solidFill>
@@ -15307,73 +12625,14 @@
             </a:endParaRPr>
           </a:p>
           <a:p>
-            <a:pPr marL="914400" lvl="1" indent="-317500" rtl="0">
+            <a:pPr lvl="1">
               <a:spcBef>
                 <a:spcPts val="0"/>
               </a:spcBef>
-              <a:spcAft>
-                <a:spcPts val="0"/>
-              </a:spcAft>
-              <a:buSzPts val="1400"/>
-              <a:buChar char="○"/>
             </a:pPr>
             <a:r>
-              <a:rPr lang="en" dirty="0"/>
+              <a:rPr lang="en-US" dirty="0"/>
               <a:t>e.g. few malignant tumors go undetected</a:t>
-            </a:r>
-            <a:endParaRPr dirty="0"/>
-          </a:p>
-          <a:p>
-            <a:pPr marL="457200" lvl="0" indent="-342900" rtl="0">
-              <a:spcBef>
-                <a:spcPts val="0"/>
-              </a:spcBef>
-              <a:spcAft>
-                <a:spcPts val="0"/>
-              </a:spcAft>
-              <a:buSzPts val="1800"/>
-              <a:buChar char="●"/>
-            </a:pPr>
-            <a:r>
-              <a:rPr lang="en" dirty="0">
-                <a:solidFill>
-                  <a:schemeClr val="dk1"/>
-                </a:solidFill>
-              </a:rPr>
-              <a:t>High precision: </a:t>
-            </a:r>
-            <a:r>
-              <a:rPr lang="en" dirty="0"/>
-              <a:t>classifier has </a:t>
-            </a:r>
-            <a:r>
-              <a:rPr lang="en" dirty="0">
-                <a:solidFill>
-                  <a:schemeClr val="dk1"/>
-                </a:solidFill>
-              </a:rPr>
-              <a:t>few false positives</a:t>
-            </a:r>
-            <a:endParaRPr dirty="0">
-              <a:solidFill>
-                <a:schemeClr val="dk1"/>
-              </a:solidFill>
-            </a:endParaRPr>
-          </a:p>
-          <a:p>
-            <a:pPr marL="914400" lvl="1" indent="-317500">
-              <a:spcBef>
-                <a:spcPts val="0"/>
-              </a:spcBef>
-              <a:spcAft>
-                <a:spcPts val="0"/>
-              </a:spcAft>
-              <a:buSzPts val="1400"/>
-              <a:buChar char="○"/>
-            </a:pPr>
-            <a:r>
-              <a:rPr lang="en" dirty="0"/>
-              <a:t>e.g. few "false alarms" on benign tumors</a:t>
             </a:r>
             <a:br>
               <a:rPr lang="en" dirty="0"/>
@@ -15610,7 +12869,7 @@
                                         <p:tgtEl>
                                           <p:spTgt spid="235">
                                             <p:txEl>
-                                              <p:pRg st="1" end="1"/>
+                                              <p:pRg st="2" end="2"/>
                                             </p:txEl>
                                           </p:spTgt>
                                         </p:tgtEl>
@@ -15659,7 +12918,7 @@
                                         <p:tgtEl>
                                           <p:spTgt spid="235">
                                             <p:txEl>
-                                              <p:pRg st="2" end="2"/>
+                                              <p:pRg st="1" end="1"/>
                                             </p:txEl>
                                           </p:spTgt>
                                         </p:tgtEl>
@@ -16097,7 +13356,105 @@
 </p:sld>
 </file>
 
-<file path=ppt/slides/slide22.xml><?xml version="1.0" encoding="utf-8"?>
+<file path=ppt/slides/slide2.xml><?xml version="1.0" encoding="utf-8"?>
+<p:sld xmlns:a="http://schemas.openxmlformats.org/drawingml/2006/main" xmlns:r="http://schemas.openxmlformats.org/officeDocument/2006/relationships" xmlns:p="http://schemas.openxmlformats.org/presentationml/2006/main">
+  <p:cSld>
+    <p:spTree>
+      <p:nvGrpSpPr>
+        <p:cNvPr id="1" name="Shape 66"/>
+        <p:cNvGrpSpPr/>
+        <p:nvPr/>
+      </p:nvGrpSpPr>
+      <p:grpSpPr>
+        <a:xfrm>
+          <a:off x="0" y="0"/>
+          <a:ext cx="0" cy="0"/>
+          <a:chOff x="0" y="0"/>
+          <a:chExt cx="0" cy="0"/>
+        </a:xfrm>
+      </p:grpSpPr>
+      <p:sp>
+        <p:nvSpPr>
+          <p:cNvPr id="67" name="Shape 67"/>
+          <p:cNvSpPr txBox="1">
+            <a:spLocks noGrp="1"/>
+          </p:cNvSpPr>
+          <p:nvPr>
+            <p:ph type="title"/>
+          </p:nvPr>
+        </p:nvSpPr>
+        <p:spPr>
+          <a:prstGeom prst="rect">
+            <a:avLst/>
+          </a:prstGeom>
+        </p:spPr>
+        <p:txBody>
+          <a:bodyPr spcFirstLastPara="1" wrap="square" lIns="91425" tIns="91425" rIns="91425" bIns="91425" anchor="b" anchorCtr="0">
+            <a:noAutofit/>
+          </a:bodyPr>
+          <a:lstStyle/>
+          <a:p>
+            <a:pPr marL="0" lvl="0" indent="0">
+              <a:spcBef>
+                <a:spcPts val="0"/>
+              </a:spcBef>
+              <a:spcAft>
+                <a:spcPts val="0"/>
+              </a:spcAft>
+              <a:buNone/>
+            </a:pPr>
+            <a:r>
+              <a:rPr lang="en"/>
+              <a:t>Evaluation Metrics</a:t>
+            </a:r>
+            <a:endParaRPr/>
+          </a:p>
+        </p:txBody>
+      </p:sp>
+      <p:sp>
+        <p:nvSpPr>
+          <p:cNvPr id="7" name="TextBox 6">
+            <a:extLst>
+              <a:ext uri="{FF2B5EF4-FFF2-40B4-BE49-F238E27FC236}">
+                <a16:creationId xmlns:a16="http://schemas.microsoft.com/office/drawing/2014/main" id="{41F5C195-971B-4406-9FB3-91EDE6055630}"/>
+              </a:ext>
+            </a:extLst>
+          </p:cNvPr>
+          <p:cNvSpPr txBox="1"/>
+          <p:nvPr/>
+        </p:nvSpPr>
+        <p:spPr>
+          <a:xfrm>
+            <a:off x="390525" y="3498111"/>
+            <a:ext cx="3827721" cy="307777"/>
+          </a:xfrm>
+          <a:prstGeom prst="rect">
+            <a:avLst/>
+          </a:prstGeom>
+          <a:noFill/>
+        </p:spPr>
+        <p:txBody>
+          <a:bodyPr wrap="square" rtlCol="0">
+            <a:spAutoFit/>
+          </a:bodyPr>
+          <a:lstStyle/>
+          <a:p>
+            <a:r>
+              <a:rPr lang="en-US" dirty="0"/>
+              <a:t>Material adapted from Stanford AI4ALL 2017</a:t>
+            </a:r>
+          </a:p>
+        </p:txBody>
+      </p:sp>
+    </p:spTree>
+  </p:cSld>
+  <p:clrMapOvr>
+    <a:masterClrMapping/>
+  </p:clrMapOvr>
+</p:sld>
+</file>
+
+<file path=ppt/slides/slide20.xml><?xml version="1.0" encoding="utf-8"?>
 <p:sld xmlns:a="http://schemas.openxmlformats.org/drawingml/2006/main" xmlns:r="http://schemas.openxmlformats.org/officeDocument/2006/relationships" xmlns:p="http://schemas.openxmlformats.org/presentationml/2006/main">
   <p:cSld>
     <p:spTree>
@@ -16522,7 +13879,7 @@
 </p:sld>
 </file>
 
-<file path=ppt/slides/slide23.xml><?xml version="1.0" encoding="utf-8"?>
+<file path=ppt/slides/slide21.xml><?xml version="1.0" encoding="utf-8"?>
 <p:sld xmlns:a="http://schemas.openxmlformats.org/drawingml/2006/main" xmlns:r="http://schemas.openxmlformats.org/officeDocument/2006/relationships" xmlns:p="http://schemas.openxmlformats.org/presentationml/2006/main">
   <p:cSld>
     <p:spTree>
@@ -16580,7 +13937,7 @@
 </p:sld>
 </file>
 
-<file path=ppt/slides/slide24.xml><?xml version="1.0" encoding="utf-8"?>
+<file path=ppt/slides/slide22.xml><?xml version="1.0" encoding="utf-8"?>
 <p:sld xmlns:a="http://schemas.openxmlformats.org/drawingml/2006/main" xmlns:r="http://schemas.openxmlformats.org/officeDocument/2006/relationships" xmlns:p="http://schemas.openxmlformats.org/presentationml/2006/main">
   <p:cSld>
     <p:spTree>
@@ -16666,156 +14023,6 @@
               <a:buNone/>
             </a:pPr>
             <a:endParaRPr lang="en-US" dirty="0">
-              <a:latin typeface="Calibri Light" panose="020F0302020204030204" pitchFamily="34" charset="0"/>
-              <a:cs typeface="Calibri Light" panose="020F0302020204030204" pitchFamily="34" charset="0"/>
-            </a:endParaRPr>
-          </a:p>
-          <a:p>
-            <a:pPr marL="114300" indent="0">
-              <a:buNone/>
-            </a:pPr>
-            <a:r>
-              <a:rPr lang="en-US" dirty="0">
-                <a:latin typeface="Calibri Light" panose="020F0302020204030204" pitchFamily="34" charset="0"/>
-                <a:cs typeface="Calibri Light" panose="020F0302020204030204" pitchFamily="34" charset="0"/>
-              </a:rPr>
-              <a:t>Type</a:t>
-            </a:r>
-            <a:r>
-              <a:rPr lang="en-US" dirty="0">
-                <a:latin typeface="+mj-lt"/>
-                <a:cs typeface="Courier New" panose="02070309020205020404" pitchFamily="49" charset="0"/>
-              </a:rPr>
-              <a:t> </a:t>
-            </a:r>
-            <a:r>
-              <a:rPr lang="en-US" dirty="0">
-                <a:latin typeface="Courier New" panose="02070309020205020404" pitchFamily="49" charset="0"/>
-                <a:cs typeface="Courier New" panose="02070309020205020404" pitchFamily="49" charset="0"/>
-              </a:rPr>
-              <a:t>unzip Day6_evaluation</a:t>
-            </a:r>
-          </a:p>
-          <a:p>
-            <a:pPr marL="114300" indent="0">
-              <a:buNone/>
-            </a:pPr>
-            <a:endParaRPr lang="en-US" dirty="0">
-              <a:latin typeface="Calibri Light" panose="020F0302020204030204" pitchFamily="34" charset="0"/>
-              <a:cs typeface="Calibri Light" panose="020F0302020204030204" pitchFamily="34" charset="0"/>
-            </a:endParaRPr>
-          </a:p>
-          <a:p>
-            <a:pPr marL="114300" indent="0">
-              <a:buNone/>
-            </a:pPr>
-            <a:r>
-              <a:rPr lang="en-US" dirty="0">
-                <a:latin typeface="Calibri Light" panose="020F0302020204030204" pitchFamily="34" charset="0"/>
-                <a:cs typeface="Calibri Light" panose="020F0302020204030204" pitchFamily="34" charset="0"/>
-              </a:rPr>
-              <a:t>Go to the Day6_evaluation folder in Terminal</a:t>
-            </a:r>
-          </a:p>
-          <a:p>
-            <a:pPr marL="114300" indent="0">
-              <a:buNone/>
-            </a:pPr>
-            <a:endParaRPr lang="en-US" dirty="0">
-              <a:latin typeface="+mj-lt"/>
-              <a:cs typeface="Courier New" panose="02070309020205020404" pitchFamily="49" charset="0"/>
-            </a:endParaRPr>
-          </a:p>
-          <a:p>
-            <a:pPr marL="114300" indent="0">
-              <a:buNone/>
-            </a:pPr>
-            <a:r>
-              <a:rPr lang="en-US" dirty="0">
-                <a:latin typeface="Calibri Light" panose="020F0302020204030204" pitchFamily="34" charset="0"/>
-                <a:cs typeface="Calibri Light" panose="020F0302020204030204" pitchFamily="34" charset="0"/>
-              </a:rPr>
-              <a:t>Type</a:t>
-            </a:r>
-            <a:r>
-              <a:rPr lang="en-US" dirty="0">
-                <a:latin typeface="+mj-lt"/>
-                <a:cs typeface="Courier New" panose="02070309020205020404" pitchFamily="49" charset="0"/>
-              </a:rPr>
-              <a:t> </a:t>
-            </a:r>
-            <a:r>
-              <a:rPr lang="en-US" dirty="0">
-                <a:latin typeface="Courier New" panose="02070309020205020404" pitchFamily="49" charset="0"/>
-                <a:cs typeface="Courier New" panose="02070309020205020404" pitchFamily="49" charset="0"/>
-              </a:rPr>
-              <a:t>source ~/miniconda3/bin/activate</a:t>
-            </a:r>
-            <a:endParaRPr lang="en-US" dirty="0">
-              <a:latin typeface="+mj-lt"/>
-              <a:cs typeface="Courier New" panose="02070309020205020404" pitchFamily="49" charset="0"/>
-            </a:endParaRPr>
-          </a:p>
-          <a:p>
-            <a:pPr marL="114300" indent="0">
-              <a:buNone/>
-            </a:pPr>
-            <a:endParaRPr lang="en-US" dirty="0">
-              <a:latin typeface="+mj-lt"/>
-              <a:cs typeface="Courier New" panose="02070309020205020404" pitchFamily="49" charset="0"/>
-            </a:endParaRPr>
-          </a:p>
-          <a:p>
-            <a:pPr marL="114300" indent="0">
-              <a:buNone/>
-            </a:pPr>
-            <a:r>
-              <a:rPr lang="en-US" dirty="0">
-                <a:latin typeface="Calibri Light" panose="020F0302020204030204" pitchFamily="34" charset="0"/>
-                <a:cs typeface="Calibri Light" panose="020F0302020204030204" pitchFamily="34" charset="0"/>
-              </a:rPr>
-              <a:t>Type</a:t>
-            </a:r>
-            <a:r>
-              <a:rPr lang="en-US" dirty="0">
-                <a:latin typeface="+mj-lt"/>
-                <a:cs typeface="Courier New" panose="02070309020205020404" pitchFamily="49" charset="0"/>
-              </a:rPr>
-              <a:t> </a:t>
-            </a:r>
-            <a:r>
-              <a:rPr lang="en-US" dirty="0" err="1">
-                <a:latin typeface="Courier New" panose="02070309020205020404" pitchFamily="49" charset="0"/>
-                <a:cs typeface="Courier New" panose="02070309020205020404" pitchFamily="49" charset="0"/>
-              </a:rPr>
-              <a:t>jupyter</a:t>
-            </a:r>
-            <a:r>
-              <a:rPr lang="en-US" dirty="0">
-                <a:latin typeface="Courier New" panose="02070309020205020404" pitchFamily="49" charset="0"/>
-                <a:cs typeface="Courier New" panose="02070309020205020404" pitchFamily="49" charset="0"/>
-              </a:rPr>
-              <a:t> notebook</a:t>
-            </a:r>
-            <a:endParaRPr lang="en-US" dirty="0">
-              <a:latin typeface="+mj-lt"/>
-              <a:cs typeface="Courier New" panose="02070309020205020404" pitchFamily="49" charset="0"/>
-            </a:endParaRPr>
-          </a:p>
-          <a:p>
-            <a:pPr marL="114300" indent="0">
-              <a:buNone/>
-            </a:pPr>
-            <a:endParaRPr lang="en-US" dirty="0">
-              <a:latin typeface="Courier New" panose="02070309020205020404" pitchFamily="49" charset="0"/>
-              <a:cs typeface="Courier New" panose="02070309020205020404" pitchFamily="49" charset="0"/>
-            </a:endParaRPr>
-          </a:p>
-          <a:p>
-            <a:pPr marL="114300" indent="0">
-              <a:buNone/>
-            </a:pPr>
-            <a:endParaRPr lang="en-US" dirty="0">
               <a:latin typeface="Courier New" panose="02070309020205020404" pitchFamily="49" charset="0"/>
               <a:cs typeface="Courier New" panose="02070309020205020404" pitchFamily="49" charset="0"/>
             </a:endParaRPr>
@@ -16835,264 +14042,7 @@
 </p:sld>
 </file>
 
-<file path=ppt/slides/slide25.xml><?xml version="1.0" encoding="utf-8"?>
-<p:sld xmlns:a="http://schemas.openxmlformats.org/drawingml/2006/main" xmlns:r="http://schemas.openxmlformats.org/officeDocument/2006/relationships" xmlns:p="http://schemas.openxmlformats.org/presentationml/2006/main">
-  <p:cSld>
-    <p:spTree>
-      <p:nvGrpSpPr>
-        <p:cNvPr id="1" name=""/>
-        <p:cNvGrpSpPr/>
-        <p:nvPr/>
-      </p:nvGrpSpPr>
-      <p:grpSpPr>
-        <a:xfrm>
-          <a:off x="0" y="0"/>
-          <a:ext cx="0" cy="0"/>
-          <a:chOff x="0" y="0"/>
-          <a:chExt cx="0" cy="0"/>
-        </a:xfrm>
-      </p:grpSpPr>
-      <p:sp>
-        <p:nvSpPr>
-          <p:cNvPr id="3" name="Text Placeholder 2">
-            <a:extLst>
-              <a:ext uri="{FF2B5EF4-FFF2-40B4-BE49-F238E27FC236}">
-                <a16:creationId xmlns:a16="http://schemas.microsoft.com/office/drawing/2014/main" id="{11673400-053E-4F22-841B-7BAC3525577C}"/>
-              </a:ext>
-            </a:extLst>
-          </p:cNvPr>
-          <p:cNvSpPr>
-            <a:spLocks noGrp="1"/>
-          </p:cNvSpPr>
-          <p:nvPr>
-            <p:ph type="body" idx="1"/>
-          </p:nvPr>
-        </p:nvSpPr>
-        <p:spPr/>
-        <p:txBody>
-          <a:bodyPr>
-            <a:normAutofit/>
-          </a:bodyPr>
-          <a:lstStyle/>
-          <a:p>
-            <a:pPr marL="114300" indent="0" algn="ctr">
-              <a:buNone/>
-            </a:pPr>
-            <a:r>
-              <a:rPr lang="en-US" sz="4800" dirty="0"/>
-              <a:t>http://bit.ly/2Om1YZX</a:t>
-            </a:r>
-          </a:p>
-        </p:txBody>
-      </p:sp>
-    </p:spTree>
-    <p:extLst>
-      <p:ext uri="{BB962C8B-B14F-4D97-AF65-F5344CB8AC3E}">
-        <p14:creationId xmlns:p14="http://schemas.microsoft.com/office/powerpoint/2010/main" val="2271497808"/>
-      </p:ext>
-    </p:extLst>
-  </p:cSld>
-  <p:clrMapOvr>
-    <a:masterClrMapping/>
-  </p:clrMapOvr>
-</p:sld>
-</file>
-
 <file path=ppt/slides/slide3.xml><?xml version="1.0" encoding="utf-8"?>
-<p:sld xmlns:a="http://schemas.openxmlformats.org/drawingml/2006/main" xmlns:r="http://schemas.openxmlformats.org/officeDocument/2006/relationships" xmlns:p="http://schemas.openxmlformats.org/presentationml/2006/main">
-  <p:cSld>
-    <p:spTree>
-      <p:nvGrpSpPr>
-        <p:cNvPr id="1" name=""/>
-        <p:cNvGrpSpPr/>
-        <p:nvPr/>
-      </p:nvGrpSpPr>
-      <p:grpSpPr>
-        <a:xfrm>
-          <a:off x="0" y="0"/>
-          <a:ext cx="0" cy="0"/>
-          <a:chOff x="0" y="0"/>
-          <a:chExt cx="0" cy="0"/>
-        </a:xfrm>
-      </p:grpSpPr>
-      <p:sp>
-        <p:nvSpPr>
-          <p:cNvPr id="5" name="Content Placeholder 4">
-            <a:extLst>
-              <a:ext uri="{FF2B5EF4-FFF2-40B4-BE49-F238E27FC236}">
-                <a16:creationId xmlns:a16="http://schemas.microsoft.com/office/drawing/2014/main" id="{5C1E13F5-64FC-4B7E-9883-93CC9AA903D3}"/>
-              </a:ext>
-            </a:extLst>
-          </p:cNvPr>
-          <p:cNvSpPr>
-            <a:spLocks noGrp="1"/>
-          </p:cNvSpPr>
-          <p:nvPr>
-            <p:ph idx="1"/>
-          </p:nvPr>
-        </p:nvSpPr>
-        <p:spPr/>
-        <p:txBody>
-          <a:bodyPr/>
-          <a:lstStyle/>
-          <a:p>
-            <a:pPr lvl="1">
-              <a:buFont typeface="Wingdings" panose="05000000000000000000" pitchFamily="2" charset="2"/>
-              <a:buChar char="§"/>
-            </a:pPr>
-            <a:r>
-              <a:rPr lang="en-US" dirty="0"/>
-              <a:t>Linear regression and standard deviation</a:t>
-            </a:r>
-          </a:p>
-          <a:p>
-            <a:pPr lvl="1">
-              <a:buFont typeface="Wingdings" panose="05000000000000000000" pitchFamily="2" charset="2"/>
-              <a:buChar char="§"/>
-            </a:pPr>
-            <a:endParaRPr lang="en-US" dirty="0"/>
-          </a:p>
-          <a:p>
-            <a:pPr lvl="1">
-              <a:buFont typeface="Wingdings" panose="05000000000000000000" pitchFamily="2" charset="2"/>
-              <a:buChar char="§"/>
-            </a:pPr>
-            <a:r>
-              <a:rPr lang="en-US" dirty="0"/>
-              <a:t>Python functions</a:t>
-            </a:r>
-          </a:p>
-          <a:p>
-            <a:pPr lvl="1">
-              <a:buFont typeface="Wingdings" panose="05000000000000000000" pitchFamily="2" charset="2"/>
-              <a:buChar char="§"/>
-            </a:pPr>
-            <a:endParaRPr lang="en-US" dirty="0"/>
-          </a:p>
-          <a:p>
-            <a:pPr lvl="1">
-              <a:buFont typeface="Wingdings" panose="05000000000000000000" pitchFamily="2" charset="2"/>
-              <a:buChar char="§"/>
-            </a:pPr>
-            <a:r>
-              <a:rPr lang="en-US" dirty="0"/>
-              <a:t>File organization</a:t>
-            </a:r>
-          </a:p>
-        </p:txBody>
-      </p:sp>
-    </p:spTree>
-    <p:extLst>
-      <p:ext uri="{BB962C8B-B14F-4D97-AF65-F5344CB8AC3E}">
-        <p14:creationId xmlns:p14="http://schemas.microsoft.com/office/powerpoint/2010/main" val="2027807339"/>
-      </p:ext>
-    </p:extLst>
-  </p:cSld>
-  <p:clrMapOvr>
-    <a:masterClrMapping/>
-  </p:clrMapOvr>
-</p:sld>
-</file>
-
-<file path=ppt/slides/slide4.xml><?xml version="1.0" encoding="utf-8"?>
-<p:sld xmlns:a="http://schemas.openxmlformats.org/drawingml/2006/main" xmlns:r="http://schemas.openxmlformats.org/officeDocument/2006/relationships" xmlns:p="http://schemas.openxmlformats.org/presentationml/2006/main">
-  <p:cSld>
-    <p:spTree>
-      <p:nvGrpSpPr>
-        <p:cNvPr id="1" name="Shape 66"/>
-        <p:cNvGrpSpPr/>
-        <p:nvPr/>
-      </p:nvGrpSpPr>
-      <p:grpSpPr>
-        <a:xfrm>
-          <a:off x="0" y="0"/>
-          <a:ext cx="0" cy="0"/>
-          <a:chOff x="0" y="0"/>
-          <a:chExt cx="0" cy="0"/>
-        </a:xfrm>
-      </p:grpSpPr>
-      <p:sp>
-        <p:nvSpPr>
-          <p:cNvPr id="67" name="Shape 67"/>
-          <p:cNvSpPr txBox="1">
-            <a:spLocks noGrp="1"/>
-          </p:cNvSpPr>
-          <p:nvPr>
-            <p:ph type="title"/>
-          </p:nvPr>
-        </p:nvSpPr>
-        <p:spPr>
-          <a:prstGeom prst="rect">
-            <a:avLst/>
-          </a:prstGeom>
-        </p:spPr>
-        <p:txBody>
-          <a:bodyPr spcFirstLastPara="1" wrap="square" lIns="91425" tIns="91425" rIns="91425" bIns="91425" anchor="b" anchorCtr="0">
-            <a:noAutofit/>
-          </a:bodyPr>
-          <a:lstStyle/>
-          <a:p>
-            <a:pPr marL="0" lvl="0" indent="0">
-              <a:spcBef>
-                <a:spcPts val="0"/>
-              </a:spcBef>
-              <a:spcAft>
-                <a:spcPts val="0"/>
-              </a:spcAft>
-              <a:buNone/>
-            </a:pPr>
-            <a:r>
-              <a:rPr lang="en"/>
-              <a:t>Evaluation Metrics</a:t>
-            </a:r>
-            <a:endParaRPr/>
-          </a:p>
-        </p:txBody>
-      </p:sp>
-      <p:sp>
-        <p:nvSpPr>
-          <p:cNvPr id="7" name="TextBox 6">
-            <a:extLst>
-              <a:ext uri="{FF2B5EF4-FFF2-40B4-BE49-F238E27FC236}">
-                <a16:creationId xmlns:a16="http://schemas.microsoft.com/office/drawing/2014/main" id="{41F5C195-971B-4406-9FB3-91EDE6055630}"/>
-              </a:ext>
-            </a:extLst>
-          </p:cNvPr>
-          <p:cNvSpPr txBox="1"/>
-          <p:nvPr/>
-        </p:nvSpPr>
-        <p:spPr>
-          <a:xfrm>
-            <a:off x="390525" y="3498111"/>
-            <a:ext cx="3827721" cy="307777"/>
-          </a:xfrm>
-          <a:prstGeom prst="rect">
-            <a:avLst/>
-          </a:prstGeom>
-          <a:noFill/>
-        </p:spPr>
-        <p:txBody>
-          <a:bodyPr wrap="square" rtlCol="0">
-            <a:spAutoFit/>
-          </a:bodyPr>
-          <a:lstStyle/>
-          <a:p>
-            <a:r>
-              <a:rPr lang="en-US" dirty="0"/>
-              <a:t>Material adapted from Stanford AI4ALL 2017</a:t>
-            </a:r>
-          </a:p>
-        </p:txBody>
-      </p:sp>
-    </p:spTree>
-  </p:cSld>
-  <p:clrMapOvr>
-    <a:masterClrMapping/>
-  </p:clrMapOvr>
-</p:sld>
-</file>
-
-<file path=ppt/slides/slide5.xml><?xml version="1.0" encoding="utf-8"?>
 <p:sld xmlns:a="http://schemas.openxmlformats.org/drawingml/2006/main" xmlns:r="http://schemas.openxmlformats.org/officeDocument/2006/relationships" xmlns:p="http://schemas.openxmlformats.org/presentationml/2006/main">
   <p:cSld>
     <p:spTree>
@@ -17366,7 +14316,7 @@
 </p:sld>
 </file>
 
-<file path=ppt/slides/slide6.xml><?xml version="1.0" encoding="utf-8"?>
+<file path=ppt/slides/slide4.xml><?xml version="1.0" encoding="utf-8"?>
 <p:sld xmlns:a="http://schemas.openxmlformats.org/drawingml/2006/main" xmlns:r="http://schemas.openxmlformats.org/officeDocument/2006/relationships" xmlns:p="http://schemas.openxmlformats.org/presentationml/2006/main">
   <p:cSld>
     <p:spTree>
@@ -17802,7 +14752,7 @@
 </p:sld>
 </file>
 
-<file path=ppt/slides/slide7.xml><?xml version="1.0" encoding="utf-8"?>
+<file path=ppt/slides/slide5.xml><?xml version="1.0" encoding="utf-8"?>
 <p:sld xmlns:a="http://schemas.openxmlformats.org/drawingml/2006/main" xmlns:r="http://schemas.openxmlformats.org/officeDocument/2006/relationships" xmlns:p="http://schemas.openxmlformats.org/presentationml/2006/main">
   <p:cSld>
     <p:spTree>
@@ -18343,7 +15293,7 @@
 </p:sld>
 </file>
 
-<file path=ppt/slides/slide8.xml><?xml version="1.0" encoding="utf-8"?>
+<file path=ppt/slides/slide6.xml><?xml version="1.0" encoding="utf-8"?>
 <p:sld xmlns:a="http://schemas.openxmlformats.org/drawingml/2006/main" xmlns:r="http://schemas.openxmlformats.org/officeDocument/2006/relationships" xmlns:p="http://schemas.openxmlformats.org/presentationml/2006/main">
   <p:cSld>
     <p:spTree>
@@ -19312,7 +16262,7 @@
 </p:sld>
 </file>
 
-<file path=ppt/slides/slide9.xml><?xml version="1.0" encoding="utf-8"?>
+<file path=ppt/slides/slide7.xml><?xml version="1.0" encoding="utf-8"?>
 <p:sld xmlns:a="http://schemas.openxmlformats.org/drawingml/2006/main" xmlns:r="http://schemas.openxmlformats.org/officeDocument/2006/relationships" xmlns:p="http://schemas.openxmlformats.org/presentationml/2006/main">
   <p:cSld>
     <p:spTree>
@@ -19399,6 +16349,2623 @@
           </a:ln>
         </p:spPr>
       </p:pic>
+    </p:spTree>
+  </p:cSld>
+  <p:clrMapOvr>
+    <a:masterClrMapping/>
+  </p:clrMapOvr>
+</p:sld>
+</file>
+
+<file path=ppt/slides/slide8.xml><?xml version="1.0" encoding="utf-8"?>
+<p:sld xmlns:a="http://schemas.openxmlformats.org/drawingml/2006/main" xmlns:r="http://schemas.openxmlformats.org/officeDocument/2006/relationships" xmlns:p="http://schemas.openxmlformats.org/presentationml/2006/main">
+  <p:cSld>
+    <p:spTree>
+      <p:nvGrpSpPr>
+        <p:cNvPr id="1" name="Shape 109"/>
+        <p:cNvGrpSpPr/>
+        <p:nvPr/>
+      </p:nvGrpSpPr>
+      <p:grpSpPr>
+        <a:xfrm>
+          <a:off x="0" y="0"/>
+          <a:ext cx="0" cy="0"/>
+          <a:chOff x="0" y="0"/>
+          <a:chExt cx="0" cy="0"/>
+        </a:xfrm>
+      </p:grpSpPr>
+      <p:graphicFrame>
+        <p:nvGraphicFramePr>
+          <p:cNvPr id="110" name="Shape 110"/>
+          <p:cNvGraphicFramePr/>
+          <p:nvPr/>
+        </p:nvGraphicFramePr>
+        <p:xfrm>
+          <a:off x="280385" y="349594"/>
+          <a:ext cx="6086525" cy="4274490"/>
+        </p:xfrm>
+        <a:graphic>
+          <a:graphicData uri="http://schemas.openxmlformats.org/drawingml/2006/table">
+            <a:tbl>
+              <a:tblPr>
+                <a:noFill/>
+                <a:tableStyleId>{DEEE6151-2DF4-40A2-9921-E81321403221}</a:tableStyleId>
+              </a:tblPr>
+              <a:tblGrid>
+                <a:gridCol w="1560150">
+                  <a:extLst>
+                    <a:ext uri="{9D8B030D-6E8A-4147-A177-3AD203B41FA5}">
+                      <a16:colId xmlns:a16="http://schemas.microsoft.com/office/drawing/2014/main" val="20000"/>
+                    </a:ext>
+                  </a:extLst>
+                </a:gridCol>
+                <a:gridCol w="1560150">
+                  <a:extLst>
+                    <a:ext uri="{9D8B030D-6E8A-4147-A177-3AD203B41FA5}">
+                      <a16:colId xmlns:a16="http://schemas.microsoft.com/office/drawing/2014/main" val="20001"/>
+                    </a:ext>
+                  </a:extLst>
+                </a:gridCol>
+                <a:gridCol w="1560150">
+                  <a:extLst>
+                    <a:ext uri="{9D8B030D-6E8A-4147-A177-3AD203B41FA5}">
+                      <a16:colId xmlns:a16="http://schemas.microsoft.com/office/drawing/2014/main" val="20002"/>
+                    </a:ext>
+                  </a:extLst>
+                </a:gridCol>
+                <a:gridCol w="1406075">
+                  <a:extLst>
+                    <a:ext uri="{9D8B030D-6E8A-4147-A177-3AD203B41FA5}">
+                      <a16:colId xmlns:a16="http://schemas.microsoft.com/office/drawing/2014/main" val="20003"/>
+                    </a:ext>
+                  </a:extLst>
+                </a:gridCol>
+              </a:tblGrid>
+              <a:tr h="284625">
+                <a:tc>
+                  <a:txBody>
+                    <a:bodyPr/>
+                    <a:lstStyle/>
+                    <a:p>
+                      <a:pPr marL="0" lvl="0" indent="0" algn="ctr" rtl="0">
+                        <a:spcBef>
+                          <a:spcPts val="0"/>
+                        </a:spcBef>
+                        <a:spcAft>
+                          <a:spcPts val="0"/>
+                        </a:spcAft>
+                        <a:buNone/>
+                      </a:pPr>
+                      <a:r>
+                        <a:rPr lang="en" b="1"/>
+                        <a:t>Example</a:t>
+                      </a:r>
+                      <a:endParaRPr b="1"/>
+                    </a:p>
+                  </a:txBody>
+                  <a:tcPr marL="91425" marR="91425" marT="91425" marB="91425"/>
+                </a:tc>
+                <a:tc>
+                  <a:txBody>
+                    <a:bodyPr/>
+                    <a:lstStyle/>
+                    <a:p>
+                      <a:pPr marL="0" lvl="0" indent="0" algn="ctr" rtl="0">
+                        <a:spcBef>
+                          <a:spcPts val="0"/>
+                        </a:spcBef>
+                        <a:spcAft>
+                          <a:spcPts val="0"/>
+                        </a:spcAft>
+                        <a:buNone/>
+                      </a:pPr>
+                      <a:r>
+                        <a:rPr lang="en" b="1"/>
+                        <a:t>Predicted label</a:t>
+                      </a:r>
+                      <a:endParaRPr b="1"/>
+                    </a:p>
+                  </a:txBody>
+                  <a:tcPr marL="91425" marR="91425" marT="91425" marB="91425"/>
+                </a:tc>
+                <a:tc>
+                  <a:txBody>
+                    <a:bodyPr/>
+                    <a:lstStyle/>
+                    <a:p>
+                      <a:pPr marL="0" lvl="0" indent="0" algn="ctr" rtl="0">
+                        <a:spcBef>
+                          <a:spcPts val="0"/>
+                        </a:spcBef>
+                        <a:spcAft>
+                          <a:spcPts val="0"/>
+                        </a:spcAft>
+                        <a:buNone/>
+                      </a:pPr>
+                      <a:r>
+                        <a:rPr lang="en" b="1"/>
+                        <a:t>True label</a:t>
+                      </a:r>
+                      <a:endParaRPr b="1"/>
+                    </a:p>
+                  </a:txBody>
+                  <a:tcPr marL="91425" marR="91425" marT="91425" marB="91425"/>
+                </a:tc>
+                <a:tc>
+                  <a:txBody>
+                    <a:bodyPr/>
+                    <a:lstStyle/>
+                    <a:p>
+                      <a:pPr marL="0" lvl="0" indent="0" algn="ctr" rtl="0">
+                        <a:spcBef>
+                          <a:spcPts val="0"/>
+                        </a:spcBef>
+                        <a:spcAft>
+                          <a:spcPts val="0"/>
+                        </a:spcAft>
+                        <a:buNone/>
+                      </a:pPr>
+                      <a:r>
+                        <a:rPr lang="en" b="1"/>
+                        <a:t>Correct?</a:t>
+                      </a:r>
+                      <a:endParaRPr b="1"/>
+                    </a:p>
+                  </a:txBody>
+                  <a:tcPr marL="91425" marR="91425" marT="91425" marB="91425"/>
+                </a:tc>
+                <a:extLst>
+                  <a:ext uri="{0D108BD9-81ED-4DB2-BD59-A6C34878D82A}">
+                    <a16:rowId xmlns:a16="http://schemas.microsoft.com/office/drawing/2014/main" val="10000"/>
+                  </a:ext>
+                </a:extLst>
+              </a:tr>
+              <a:tr h="284625">
+                <a:tc>
+                  <a:txBody>
+                    <a:bodyPr/>
+                    <a:lstStyle/>
+                    <a:p>
+                      <a:pPr marL="0" lvl="0" indent="0" rtl="0">
+                        <a:spcBef>
+                          <a:spcPts val="0"/>
+                        </a:spcBef>
+                        <a:spcAft>
+                          <a:spcPts val="0"/>
+                        </a:spcAft>
+                        <a:buNone/>
+                      </a:pPr>
+                      <a:r>
+                        <a:rPr lang="en"/>
+                        <a:t>1</a:t>
+                      </a:r>
+                      <a:endParaRPr/>
+                    </a:p>
+                  </a:txBody>
+                  <a:tcPr marL="91425" marR="91425" marT="91425" marB="91425"/>
+                </a:tc>
+                <a:tc>
+                  <a:txBody>
+                    <a:bodyPr/>
+                    <a:lstStyle/>
+                    <a:p>
+                      <a:pPr marL="0" lvl="0" indent="0" rtl="0">
+                        <a:spcBef>
+                          <a:spcPts val="0"/>
+                        </a:spcBef>
+                        <a:spcAft>
+                          <a:spcPts val="0"/>
+                        </a:spcAft>
+                        <a:buNone/>
+                      </a:pPr>
+                      <a:r>
+                        <a:rPr lang="en"/>
+                        <a:t>Benign</a:t>
+                      </a:r>
+                      <a:endParaRPr/>
+                    </a:p>
+                  </a:txBody>
+                  <a:tcPr marL="91425" marR="91425" marT="91425" marB="91425"/>
+                </a:tc>
+                <a:tc>
+                  <a:txBody>
+                    <a:bodyPr/>
+                    <a:lstStyle/>
+                    <a:p>
+                      <a:pPr marL="0" lvl="0" indent="0" rtl="0">
+                        <a:spcBef>
+                          <a:spcPts val="0"/>
+                        </a:spcBef>
+                        <a:spcAft>
+                          <a:spcPts val="0"/>
+                        </a:spcAft>
+                        <a:buNone/>
+                      </a:pPr>
+                      <a:r>
+                        <a:rPr lang="en"/>
+                        <a:t>Malignant</a:t>
+                      </a:r>
+                      <a:endParaRPr/>
+                    </a:p>
+                  </a:txBody>
+                  <a:tcPr marL="91425" marR="91425" marT="91425" marB="91425"/>
+                </a:tc>
+                <a:tc>
+                  <a:txBody>
+                    <a:bodyPr/>
+                    <a:lstStyle/>
+                    <a:p>
+                      <a:pPr marL="0" lvl="0" indent="0" rtl="0">
+                        <a:spcBef>
+                          <a:spcPts val="0"/>
+                        </a:spcBef>
+                        <a:spcAft>
+                          <a:spcPts val="0"/>
+                        </a:spcAft>
+                        <a:buNone/>
+                      </a:pPr>
+                      <a:r>
+                        <a:rPr lang="en">
+                          <a:solidFill>
+                            <a:srgbClr val="980000"/>
+                          </a:solidFill>
+                        </a:rPr>
+                        <a:t>No</a:t>
+                      </a:r>
+                      <a:endParaRPr>
+                        <a:solidFill>
+                          <a:srgbClr val="38761D"/>
+                        </a:solidFill>
+                      </a:endParaRPr>
+                    </a:p>
+                  </a:txBody>
+                  <a:tcPr marL="91425" marR="91425" marT="91425" marB="91425"/>
+                </a:tc>
+                <a:extLst>
+                  <a:ext uri="{0D108BD9-81ED-4DB2-BD59-A6C34878D82A}">
+                    <a16:rowId xmlns:a16="http://schemas.microsoft.com/office/drawing/2014/main" val="10001"/>
+                  </a:ext>
+                </a:extLst>
+              </a:tr>
+              <a:tr h="284625">
+                <a:tc>
+                  <a:txBody>
+                    <a:bodyPr/>
+                    <a:lstStyle/>
+                    <a:p>
+                      <a:pPr marL="0" lvl="0" indent="0" rtl="0">
+                        <a:spcBef>
+                          <a:spcPts val="0"/>
+                        </a:spcBef>
+                        <a:spcAft>
+                          <a:spcPts val="0"/>
+                        </a:spcAft>
+                        <a:buNone/>
+                      </a:pPr>
+                      <a:r>
+                        <a:rPr lang="en"/>
+                        <a:t>2</a:t>
+                      </a:r>
+                      <a:endParaRPr/>
+                    </a:p>
+                  </a:txBody>
+                  <a:tcPr marL="91425" marR="91425" marT="91425" marB="91425"/>
+                </a:tc>
+                <a:tc>
+                  <a:txBody>
+                    <a:bodyPr/>
+                    <a:lstStyle/>
+                    <a:p>
+                      <a:pPr marL="0" lvl="0" indent="0" rtl="0">
+                        <a:spcBef>
+                          <a:spcPts val="0"/>
+                        </a:spcBef>
+                        <a:spcAft>
+                          <a:spcPts val="0"/>
+                        </a:spcAft>
+                        <a:buNone/>
+                      </a:pPr>
+                      <a:r>
+                        <a:rPr lang="en"/>
+                        <a:t>Benign</a:t>
+                      </a:r>
+                      <a:endParaRPr/>
+                    </a:p>
+                  </a:txBody>
+                  <a:tcPr marL="91425" marR="91425" marT="91425" marB="91425"/>
+                </a:tc>
+                <a:tc>
+                  <a:txBody>
+                    <a:bodyPr/>
+                    <a:lstStyle/>
+                    <a:p>
+                      <a:pPr marL="0" lvl="0" indent="0" rtl="0">
+                        <a:spcBef>
+                          <a:spcPts val="0"/>
+                        </a:spcBef>
+                        <a:spcAft>
+                          <a:spcPts val="0"/>
+                        </a:spcAft>
+                        <a:buNone/>
+                      </a:pPr>
+                      <a:r>
+                        <a:rPr lang="en"/>
+                        <a:t>Malignant</a:t>
+                      </a:r>
+                      <a:endParaRPr/>
+                    </a:p>
+                  </a:txBody>
+                  <a:tcPr marL="91425" marR="91425" marT="91425" marB="91425"/>
+                </a:tc>
+                <a:tc>
+                  <a:txBody>
+                    <a:bodyPr/>
+                    <a:lstStyle/>
+                    <a:p>
+                      <a:pPr marL="0" lvl="0" indent="0" rtl="0">
+                        <a:spcBef>
+                          <a:spcPts val="0"/>
+                        </a:spcBef>
+                        <a:spcAft>
+                          <a:spcPts val="0"/>
+                        </a:spcAft>
+                        <a:buNone/>
+                      </a:pPr>
+                      <a:r>
+                        <a:rPr lang="en">
+                          <a:solidFill>
+                            <a:srgbClr val="980000"/>
+                          </a:solidFill>
+                        </a:rPr>
+                        <a:t>No</a:t>
+                      </a:r>
+                      <a:endParaRPr>
+                        <a:solidFill>
+                          <a:srgbClr val="980000"/>
+                        </a:solidFill>
+                      </a:endParaRPr>
+                    </a:p>
+                  </a:txBody>
+                  <a:tcPr marL="91425" marR="91425" marT="91425" marB="91425"/>
+                </a:tc>
+                <a:extLst>
+                  <a:ext uri="{0D108BD9-81ED-4DB2-BD59-A6C34878D82A}">
+                    <a16:rowId xmlns:a16="http://schemas.microsoft.com/office/drawing/2014/main" val="10002"/>
+                  </a:ext>
+                </a:extLst>
+              </a:tr>
+              <a:tr h="284625">
+                <a:tc>
+                  <a:txBody>
+                    <a:bodyPr/>
+                    <a:lstStyle/>
+                    <a:p>
+                      <a:pPr marL="0" lvl="0" indent="0" rtl="0">
+                        <a:spcBef>
+                          <a:spcPts val="0"/>
+                        </a:spcBef>
+                        <a:spcAft>
+                          <a:spcPts val="0"/>
+                        </a:spcAft>
+                        <a:buNone/>
+                      </a:pPr>
+                      <a:r>
+                        <a:rPr lang="en"/>
+                        <a:t>3</a:t>
+                      </a:r>
+                      <a:endParaRPr/>
+                    </a:p>
+                  </a:txBody>
+                  <a:tcPr marL="91425" marR="91425" marT="91425" marB="91425"/>
+                </a:tc>
+                <a:tc>
+                  <a:txBody>
+                    <a:bodyPr/>
+                    <a:lstStyle/>
+                    <a:p>
+                      <a:pPr marL="0" lvl="0" indent="0" rtl="0">
+                        <a:spcBef>
+                          <a:spcPts val="0"/>
+                        </a:spcBef>
+                        <a:spcAft>
+                          <a:spcPts val="0"/>
+                        </a:spcAft>
+                        <a:buNone/>
+                      </a:pPr>
+                      <a:r>
+                        <a:rPr lang="en"/>
+                        <a:t>Malignant</a:t>
+                      </a:r>
+                      <a:endParaRPr/>
+                    </a:p>
+                  </a:txBody>
+                  <a:tcPr marL="91425" marR="91425" marT="91425" marB="91425"/>
+                </a:tc>
+                <a:tc>
+                  <a:txBody>
+                    <a:bodyPr/>
+                    <a:lstStyle/>
+                    <a:p>
+                      <a:pPr marL="0" lvl="0" indent="0" rtl="0">
+                        <a:spcBef>
+                          <a:spcPts val="0"/>
+                        </a:spcBef>
+                        <a:spcAft>
+                          <a:spcPts val="0"/>
+                        </a:spcAft>
+                        <a:buNone/>
+                      </a:pPr>
+                      <a:r>
+                        <a:rPr lang="en"/>
+                        <a:t>Malignant</a:t>
+                      </a:r>
+                      <a:endParaRPr/>
+                    </a:p>
+                  </a:txBody>
+                  <a:tcPr marL="91425" marR="91425" marT="91425" marB="91425"/>
+                </a:tc>
+                <a:tc>
+                  <a:txBody>
+                    <a:bodyPr/>
+                    <a:lstStyle/>
+                    <a:p>
+                      <a:pPr marL="0" lvl="0" indent="0" rtl="0">
+                        <a:spcBef>
+                          <a:spcPts val="0"/>
+                        </a:spcBef>
+                        <a:spcAft>
+                          <a:spcPts val="0"/>
+                        </a:spcAft>
+                        <a:buNone/>
+                      </a:pPr>
+                      <a:r>
+                        <a:rPr lang="en">
+                          <a:solidFill>
+                            <a:srgbClr val="38761D"/>
+                          </a:solidFill>
+                        </a:rPr>
+                        <a:t>Yes</a:t>
+                      </a:r>
+                      <a:endParaRPr>
+                        <a:solidFill>
+                          <a:srgbClr val="38761D"/>
+                        </a:solidFill>
+                      </a:endParaRPr>
+                    </a:p>
+                  </a:txBody>
+                  <a:tcPr marL="91425" marR="91425" marT="91425" marB="91425"/>
+                </a:tc>
+                <a:extLst>
+                  <a:ext uri="{0D108BD9-81ED-4DB2-BD59-A6C34878D82A}">
+                    <a16:rowId xmlns:a16="http://schemas.microsoft.com/office/drawing/2014/main" val="10003"/>
+                  </a:ext>
+                </a:extLst>
+              </a:tr>
+              <a:tr h="284625">
+                <a:tc>
+                  <a:txBody>
+                    <a:bodyPr/>
+                    <a:lstStyle/>
+                    <a:p>
+                      <a:pPr marL="0" lvl="0" indent="0" rtl="0">
+                        <a:spcBef>
+                          <a:spcPts val="0"/>
+                        </a:spcBef>
+                        <a:spcAft>
+                          <a:spcPts val="0"/>
+                        </a:spcAft>
+                        <a:buNone/>
+                      </a:pPr>
+                      <a:r>
+                        <a:rPr lang="en"/>
+                        <a:t>4</a:t>
+                      </a:r>
+                      <a:endParaRPr/>
+                    </a:p>
+                  </a:txBody>
+                  <a:tcPr marL="91425" marR="91425" marT="91425" marB="91425"/>
+                </a:tc>
+                <a:tc>
+                  <a:txBody>
+                    <a:bodyPr/>
+                    <a:lstStyle/>
+                    <a:p>
+                      <a:pPr marL="0" lvl="0" indent="0" rtl="0">
+                        <a:spcBef>
+                          <a:spcPts val="0"/>
+                        </a:spcBef>
+                        <a:spcAft>
+                          <a:spcPts val="0"/>
+                        </a:spcAft>
+                        <a:buNone/>
+                      </a:pPr>
+                      <a:r>
+                        <a:rPr lang="en"/>
+                        <a:t>Benign</a:t>
+                      </a:r>
+                      <a:endParaRPr/>
+                    </a:p>
+                  </a:txBody>
+                  <a:tcPr marL="91425" marR="91425" marT="91425" marB="91425"/>
+                </a:tc>
+                <a:tc>
+                  <a:txBody>
+                    <a:bodyPr/>
+                    <a:lstStyle/>
+                    <a:p>
+                      <a:pPr marL="0" lvl="0" indent="0" rtl="0">
+                        <a:spcBef>
+                          <a:spcPts val="0"/>
+                        </a:spcBef>
+                        <a:spcAft>
+                          <a:spcPts val="0"/>
+                        </a:spcAft>
+                        <a:buNone/>
+                      </a:pPr>
+                      <a:r>
+                        <a:rPr lang="en"/>
+                        <a:t>Benign</a:t>
+                      </a:r>
+                      <a:endParaRPr/>
+                    </a:p>
+                  </a:txBody>
+                  <a:tcPr marL="91425" marR="91425" marT="91425" marB="91425"/>
+                </a:tc>
+                <a:tc>
+                  <a:txBody>
+                    <a:bodyPr/>
+                    <a:lstStyle/>
+                    <a:p>
+                      <a:pPr marL="0" lvl="0" indent="0" rtl="0">
+                        <a:spcBef>
+                          <a:spcPts val="0"/>
+                        </a:spcBef>
+                        <a:spcAft>
+                          <a:spcPts val="0"/>
+                        </a:spcAft>
+                        <a:buNone/>
+                      </a:pPr>
+                      <a:r>
+                        <a:rPr lang="en">
+                          <a:solidFill>
+                            <a:srgbClr val="38761D"/>
+                          </a:solidFill>
+                        </a:rPr>
+                        <a:t>Yes</a:t>
+                      </a:r>
+                      <a:endParaRPr>
+                        <a:solidFill>
+                          <a:srgbClr val="38761D"/>
+                        </a:solidFill>
+                      </a:endParaRPr>
+                    </a:p>
+                  </a:txBody>
+                  <a:tcPr marL="91425" marR="91425" marT="91425" marB="91425"/>
+                </a:tc>
+                <a:extLst>
+                  <a:ext uri="{0D108BD9-81ED-4DB2-BD59-A6C34878D82A}">
+                    <a16:rowId xmlns:a16="http://schemas.microsoft.com/office/drawing/2014/main" val="10004"/>
+                  </a:ext>
+                </a:extLst>
+              </a:tr>
+              <a:tr h="284625">
+                <a:tc>
+                  <a:txBody>
+                    <a:bodyPr/>
+                    <a:lstStyle/>
+                    <a:p>
+                      <a:pPr marL="0" lvl="0" indent="0" rtl="0">
+                        <a:spcBef>
+                          <a:spcPts val="0"/>
+                        </a:spcBef>
+                        <a:spcAft>
+                          <a:spcPts val="0"/>
+                        </a:spcAft>
+                        <a:buNone/>
+                      </a:pPr>
+                      <a:r>
+                        <a:rPr lang="en"/>
+                        <a:t>5</a:t>
+                      </a:r>
+                      <a:endParaRPr/>
+                    </a:p>
+                  </a:txBody>
+                  <a:tcPr marL="91425" marR="91425" marT="91425" marB="91425"/>
+                </a:tc>
+                <a:tc>
+                  <a:txBody>
+                    <a:bodyPr/>
+                    <a:lstStyle/>
+                    <a:p>
+                      <a:pPr marL="0" lvl="0" indent="0" rtl="0">
+                        <a:spcBef>
+                          <a:spcPts val="0"/>
+                        </a:spcBef>
+                        <a:spcAft>
+                          <a:spcPts val="0"/>
+                        </a:spcAft>
+                        <a:buNone/>
+                      </a:pPr>
+                      <a:r>
+                        <a:rPr lang="en"/>
+                        <a:t>Malignant</a:t>
+                      </a:r>
+                      <a:endParaRPr/>
+                    </a:p>
+                  </a:txBody>
+                  <a:tcPr marL="91425" marR="91425" marT="91425" marB="91425"/>
+                </a:tc>
+                <a:tc>
+                  <a:txBody>
+                    <a:bodyPr/>
+                    <a:lstStyle/>
+                    <a:p>
+                      <a:pPr marL="0" lvl="0" indent="0" rtl="0">
+                        <a:spcBef>
+                          <a:spcPts val="0"/>
+                        </a:spcBef>
+                        <a:spcAft>
+                          <a:spcPts val="0"/>
+                        </a:spcAft>
+                        <a:buNone/>
+                      </a:pPr>
+                      <a:r>
+                        <a:rPr lang="en"/>
+                        <a:t>Benign</a:t>
+                      </a:r>
+                      <a:endParaRPr/>
+                    </a:p>
+                  </a:txBody>
+                  <a:tcPr marL="91425" marR="91425" marT="91425" marB="91425"/>
+                </a:tc>
+                <a:tc>
+                  <a:txBody>
+                    <a:bodyPr/>
+                    <a:lstStyle/>
+                    <a:p>
+                      <a:pPr marL="0" lvl="0" indent="0" rtl="0">
+                        <a:spcBef>
+                          <a:spcPts val="0"/>
+                        </a:spcBef>
+                        <a:spcAft>
+                          <a:spcPts val="0"/>
+                        </a:spcAft>
+                        <a:buNone/>
+                      </a:pPr>
+                      <a:r>
+                        <a:rPr lang="en">
+                          <a:solidFill>
+                            <a:srgbClr val="980000"/>
+                          </a:solidFill>
+                        </a:rPr>
+                        <a:t>No</a:t>
+                      </a:r>
+                      <a:endParaRPr>
+                        <a:solidFill>
+                          <a:srgbClr val="980000"/>
+                        </a:solidFill>
+                      </a:endParaRPr>
+                    </a:p>
+                  </a:txBody>
+                  <a:tcPr marL="91425" marR="91425" marT="91425" marB="91425"/>
+                </a:tc>
+                <a:extLst>
+                  <a:ext uri="{0D108BD9-81ED-4DB2-BD59-A6C34878D82A}">
+                    <a16:rowId xmlns:a16="http://schemas.microsoft.com/office/drawing/2014/main" val="10005"/>
+                  </a:ext>
+                </a:extLst>
+              </a:tr>
+              <a:tr h="284625">
+                <a:tc>
+                  <a:txBody>
+                    <a:bodyPr/>
+                    <a:lstStyle/>
+                    <a:p>
+                      <a:pPr marL="0" lvl="0" indent="0" rtl="0">
+                        <a:spcBef>
+                          <a:spcPts val="0"/>
+                        </a:spcBef>
+                        <a:spcAft>
+                          <a:spcPts val="0"/>
+                        </a:spcAft>
+                        <a:buNone/>
+                      </a:pPr>
+                      <a:r>
+                        <a:rPr lang="en"/>
+                        <a:t>6</a:t>
+                      </a:r>
+                      <a:endParaRPr/>
+                    </a:p>
+                  </a:txBody>
+                  <a:tcPr marL="91425" marR="91425" marT="91425" marB="91425"/>
+                </a:tc>
+                <a:tc>
+                  <a:txBody>
+                    <a:bodyPr/>
+                    <a:lstStyle/>
+                    <a:p>
+                      <a:pPr marL="0" lvl="0" indent="0" rtl="0">
+                        <a:spcBef>
+                          <a:spcPts val="0"/>
+                        </a:spcBef>
+                        <a:spcAft>
+                          <a:spcPts val="0"/>
+                        </a:spcAft>
+                        <a:buNone/>
+                      </a:pPr>
+                      <a:r>
+                        <a:rPr lang="en"/>
+                        <a:t>Benign</a:t>
+                      </a:r>
+                      <a:endParaRPr/>
+                    </a:p>
+                  </a:txBody>
+                  <a:tcPr marL="91425" marR="91425" marT="91425" marB="91425"/>
+                </a:tc>
+                <a:tc>
+                  <a:txBody>
+                    <a:bodyPr/>
+                    <a:lstStyle/>
+                    <a:p>
+                      <a:pPr marL="0" lvl="0" indent="0" rtl="0">
+                        <a:spcBef>
+                          <a:spcPts val="0"/>
+                        </a:spcBef>
+                        <a:spcAft>
+                          <a:spcPts val="0"/>
+                        </a:spcAft>
+                        <a:buNone/>
+                      </a:pPr>
+                      <a:r>
+                        <a:rPr lang="en"/>
+                        <a:t>Benign</a:t>
+                      </a:r>
+                      <a:endParaRPr/>
+                    </a:p>
+                  </a:txBody>
+                  <a:tcPr marL="91425" marR="91425" marT="91425" marB="91425"/>
+                </a:tc>
+                <a:tc>
+                  <a:txBody>
+                    <a:bodyPr/>
+                    <a:lstStyle/>
+                    <a:p>
+                      <a:pPr marL="0" lvl="0" indent="0" rtl="0">
+                        <a:spcBef>
+                          <a:spcPts val="0"/>
+                        </a:spcBef>
+                        <a:spcAft>
+                          <a:spcPts val="0"/>
+                        </a:spcAft>
+                        <a:buNone/>
+                      </a:pPr>
+                      <a:r>
+                        <a:rPr lang="en">
+                          <a:solidFill>
+                            <a:srgbClr val="38761D"/>
+                          </a:solidFill>
+                        </a:rPr>
+                        <a:t>Yes</a:t>
+                      </a:r>
+                      <a:endParaRPr>
+                        <a:solidFill>
+                          <a:srgbClr val="38761D"/>
+                        </a:solidFill>
+                      </a:endParaRPr>
+                    </a:p>
+                  </a:txBody>
+                  <a:tcPr marL="91425" marR="91425" marT="91425" marB="91425"/>
+                </a:tc>
+                <a:extLst>
+                  <a:ext uri="{0D108BD9-81ED-4DB2-BD59-A6C34878D82A}">
+                    <a16:rowId xmlns:a16="http://schemas.microsoft.com/office/drawing/2014/main" val="10006"/>
+                  </a:ext>
+                </a:extLst>
+              </a:tr>
+              <a:tr h="284625">
+                <a:tc>
+                  <a:txBody>
+                    <a:bodyPr/>
+                    <a:lstStyle/>
+                    <a:p>
+                      <a:pPr marL="0" lvl="0" indent="0" rtl="0">
+                        <a:spcBef>
+                          <a:spcPts val="0"/>
+                        </a:spcBef>
+                        <a:spcAft>
+                          <a:spcPts val="0"/>
+                        </a:spcAft>
+                        <a:buNone/>
+                      </a:pPr>
+                      <a:r>
+                        <a:rPr lang="en"/>
+                        <a:t>7</a:t>
+                      </a:r>
+                      <a:endParaRPr/>
+                    </a:p>
+                  </a:txBody>
+                  <a:tcPr marL="91425" marR="91425" marT="91425" marB="91425"/>
+                </a:tc>
+                <a:tc>
+                  <a:txBody>
+                    <a:bodyPr/>
+                    <a:lstStyle/>
+                    <a:p>
+                      <a:pPr marL="0" lvl="0" indent="0" rtl="0">
+                        <a:spcBef>
+                          <a:spcPts val="0"/>
+                        </a:spcBef>
+                        <a:spcAft>
+                          <a:spcPts val="0"/>
+                        </a:spcAft>
+                        <a:buNone/>
+                      </a:pPr>
+                      <a:r>
+                        <a:rPr lang="en"/>
+                        <a:t>Benign</a:t>
+                      </a:r>
+                      <a:endParaRPr/>
+                    </a:p>
+                  </a:txBody>
+                  <a:tcPr marL="91425" marR="91425" marT="91425" marB="91425"/>
+                </a:tc>
+                <a:tc>
+                  <a:txBody>
+                    <a:bodyPr/>
+                    <a:lstStyle/>
+                    <a:p>
+                      <a:pPr marL="0" lvl="0" indent="0" rtl="0">
+                        <a:spcBef>
+                          <a:spcPts val="0"/>
+                        </a:spcBef>
+                        <a:spcAft>
+                          <a:spcPts val="0"/>
+                        </a:spcAft>
+                        <a:buNone/>
+                      </a:pPr>
+                      <a:r>
+                        <a:rPr lang="en"/>
+                        <a:t>Benign</a:t>
+                      </a:r>
+                      <a:endParaRPr/>
+                    </a:p>
+                  </a:txBody>
+                  <a:tcPr marL="91425" marR="91425" marT="91425" marB="91425"/>
+                </a:tc>
+                <a:tc>
+                  <a:txBody>
+                    <a:bodyPr/>
+                    <a:lstStyle/>
+                    <a:p>
+                      <a:pPr marL="0" lvl="0" indent="0" rtl="0">
+                        <a:spcBef>
+                          <a:spcPts val="0"/>
+                        </a:spcBef>
+                        <a:spcAft>
+                          <a:spcPts val="0"/>
+                        </a:spcAft>
+                        <a:buNone/>
+                      </a:pPr>
+                      <a:r>
+                        <a:rPr lang="en">
+                          <a:solidFill>
+                            <a:srgbClr val="38761D"/>
+                          </a:solidFill>
+                        </a:rPr>
+                        <a:t>Yes</a:t>
+                      </a:r>
+                      <a:endParaRPr>
+                        <a:solidFill>
+                          <a:srgbClr val="38761D"/>
+                        </a:solidFill>
+                      </a:endParaRPr>
+                    </a:p>
+                  </a:txBody>
+                  <a:tcPr marL="91425" marR="91425" marT="91425" marB="91425"/>
+                </a:tc>
+                <a:extLst>
+                  <a:ext uri="{0D108BD9-81ED-4DB2-BD59-A6C34878D82A}">
+                    <a16:rowId xmlns:a16="http://schemas.microsoft.com/office/drawing/2014/main" val="10007"/>
+                  </a:ext>
+                </a:extLst>
+              </a:tr>
+              <a:tr h="284625">
+                <a:tc>
+                  <a:txBody>
+                    <a:bodyPr/>
+                    <a:lstStyle/>
+                    <a:p>
+                      <a:pPr marL="0" lvl="0" indent="0" rtl="0">
+                        <a:spcBef>
+                          <a:spcPts val="0"/>
+                        </a:spcBef>
+                        <a:spcAft>
+                          <a:spcPts val="0"/>
+                        </a:spcAft>
+                        <a:buNone/>
+                      </a:pPr>
+                      <a:r>
+                        <a:rPr lang="en"/>
+                        <a:t>8</a:t>
+                      </a:r>
+                      <a:endParaRPr/>
+                    </a:p>
+                  </a:txBody>
+                  <a:tcPr marL="91425" marR="91425" marT="91425" marB="91425"/>
+                </a:tc>
+                <a:tc>
+                  <a:txBody>
+                    <a:bodyPr/>
+                    <a:lstStyle/>
+                    <a:p>
+                      <a:pPr marL="0" lvl="0" indent="0" rtl="0">
+                        <a:spcBef>
+                          <a:spcPts val="0"/>
+                        </a:spcBef>
+                        <a:spcAft>
+                          <a:spcPts val="0"/>
+                        </a:spcAft>
+                        <a:buNone/>
+                      </a:pPr>
+                      <a:r>
+                        <a:rPr lang="en"/>
+                        <a:t>Malignant</a:t>
+                      </a:r>
+                      <a:endParaRPr/>
+                    </a:p>
+                  </a:txBody>
+                  <a:tcPr marL="91425" marR="91425" marT="91425" marB="91425"/>
+                </a:tc>
+                <a:tc>
+                  <a:txBody>
+                    <a:bodyPr/>
+                    <a:lstStyle/>
+                    <a:p>
+                      <a:pPr marL="0" lvl="0" indent="0" rtl="0">
+                        <a:spcBef>
+                          <a:spcPts val="0"/>
+                        </a:spcBef>
+                        <a:spcAft>
+                          <a:spcPts val="0"/>
+                        </a:spcAft>
+                        <a:buNone/>
+                      </a:pPr>
+                      <a:r>
+                        <a:rPr lang="en"/>
+                        <a:t>Malignant</a:t>
+                      </a:r>
+                      <a:endParaRPr/>
+                    </a:p>
+                  </a:txBody>
+                  <a:tcPr marL="91425" marR="91425" marT="91425" marB="91425"/>
+                </a:tc>
+                <a:tc>
+                  <a:txBody>
+                    <a:bodyPr/>
+                    <a:lstStyle/>
+                    <a:p>
+                      <a:pPr marL="0" lvl="0" indent="0" rtl="0">
+                        <a:spcBef>
+                          <a:spcPts val="0"/>
+                        </a:spcBef>
+                        <a:spcAft>
+                          <a:spcPts val="0"/>
+                        </a:spcAft>
+                        <a:buNone/>
+                      </a:pPr>
+                      <a:r>
+                        <a:rPr lang="en">
+                          <a:solidFill>
+                            <a:srgbClr val="38761D"/>
+                          </a:solidFill>
+                        </a:rPr>
+                        <a:t>Yes</a:t>
+                      </a:r>
+                      <a:endParaRPr>
+                        <a:solidFill>
+                          <a:srgbClr val="38761D"/>
+                        </a:solidFill>
+                      </a:endParaRPr>
+                    </a:p>
+                  </a:txBody>
+                  <a:tcPr marL="91425" marR="91425" marT="91425" marB="91425"/>
+                </a:tc>
+                <a:extLst>
+                  <a:ext uri="{0D108BD9-81ED-4DB2-BD59-A6C34878D82A}">
+                    <a16:rowId xmlns:a16="http://schemas.microsoft.com/office/drawing/2014/main" val="10008"/>
+                  </a:ext>
+                </a:extLst>
+              </a:tr>
+              <a:tr h="284625">
+                <a:tc>
+                  <a:txBody>
+                    <a:bodyPr/>
+                    <a:lstStyle/>
+                    <a:p>
+                      <a:pPr marL="0" lvl="0" indent="0" rtl="0">
+                        <a:spcBef>
+                          <a:spcPts val="0"/>
+                        </a:spcBef>
+                        <a:spcAft>
+                          <a:spcPts val="0"/>
+                        </a:spcAft>
+                        <a:buNone/>
+                      </a:pPr>
+                      <a:r>
+                        <a:rPr lang="en"/>
+                        <a:t>9</a:t>
+                      </a:r>
+                      <a:endParaRPr/>
+                    </a:p>
+                  </a:txBody>
+                  <a:tcPr marL="91425" marR="91425" marT="91425" marB="91425"/>
+                </a:tc>
+                <a:tc>
+                  <a:txBody>
+                    <a:bodyPr/>
+                    <a:lstStyle/>
+                    <a:p>
+                      <a:pPr marL="0" lvl="0" indent="0" rtl="0">
+                        <a:spcBef>
+                          <a:spcPts val="0"/>
+                        </a:spcBef>
+                        <a:spcAft>
+                          <a:spcPts val="0"/>
+                        </a:spcAft>
+                        <a:buNone/>
+                      </a:pPr>
+                      <a:r>
+                        <a:rPr lang="en"/>
+                        <a:t>Benign</a:t>
+                      </a:r>
+                      <a:endParaRPr/>
+                    </a:p>
+                  </a:txBody>
+                  <a:tcPr marL="91425" marR="91425" marT="91425" marB="91425"/>
+                </a:tc>
+                <a:tc>
+                  <a:txBody>
+                    <a:bodyPr/>
+                    <a:lstStyle/>
+                    <a:p>
+                      <a:pPr marL="0" lvl="0" indent="0" rtl="0">
+                        <a:spcBef>
+                          <a:spcPts val="0"/>
+                        </a:spcBef>
+                        <a:spcAft>
+                          <a:spcPts val="0"/>
+                        </a:spcAft>
+                        <a:buNone/>
+                      </a:pPr>
+                      <a:r>
+                        <a:rPr lang="en"/>
+                        <a:t>Benign</a:t>
+                      </a:r>
+                      <a:endParaRPr/>
+                    </a:p>
+                  </a:txBody>
+                  <a:tcPr marL="91425" marR="91425" marT="91425" marB="91425"/>
+                </a:tc>
+                <a:tc>
+                  <a:txBody>
+                    <a:bodyPr/>
+                    <a:lstStyle/>
+                    <a:p>
+                      <a:pPr marL="0" lvl="0" indent="0" rtl="0">
+                        <a:spcBef>
+                          <a:spcPts val="0"/>
+                        </a:spcBef>
+                        <a:spcAft>
+                          <a:spcPts val="0"/>
+                        </a:spcAft>
+                        <a:buNone/>
+                      </a:pPr>
+                      <a:r>
+                        <a:rPr lang="en">
+                          <a:solidFill>
+                            <a:srgbClr val="38761D"/>
+                          </a:solidFill>
+                        </a:rPr>
+                        <a:t>Yes</a:t>
+                      </a:r>
+                      <a:endParaRPr>
+                        <a:solidFill>
+                          <a:srgbClr val="38761D"/>
+                        </a:solidFill>
+                      </a:endParaRPr>
+                    </a:p>
+                  </a:txBody>
+                  <a:tcPr marL="91425" marR="91425" marT="91425" marB="91425"/>
+                </a:tc>
+                <a:extLst>
+                  <a:ext uri="{0D108BD9-81ED-4DB2-BD59-A6C34878D82A}">
+                    <a16:rowId xmlns:a16="http://schemas.microsoft.com/office/drawing/2014/main" val="10009"/>
+                  </a:ext>
+                </a:extLst>
+              </a:tr>
+              <a:tr h="284625">
+                <a:tc>
+                  <a:txBody>
+                    <a:bodyPr/>
+                    <a:lstStyle/>
+                    <a:p>
+                      <a:pPr marL="0" lvl="0" indent="0" rtl="0">
+                        <a:spcBef>
+                          <a:spcPts val="0"/>
+                        </a:spcBef>
+                        <a:spcAft>
+                          <a:spcPts val="0"/>
+                        </a:spcAft>
+                        <a:buNone/>
+                      </a:pPr>
+                      <a:r>
+                        <a:rPr lang="en"/>
+                        <a:t>10</a:t>
+                      </a:r>
+                      <a:endParaRPr/>
+                    </a:p>
+                  </a:txBody>
+                  <a:tcPr marL="91425" marR="91425" marT="91425" marB="91425"/>
+                </a:tc>
+                <a:tc>
+                  <a:txBody>
+                    <a:bodyPr/>
+                    <a:lstStyle/>
+                    <a:p>
+                      <a:pPr marL="0" lvl="0" indent="0" rtl="0">
+                        <a:spcBef>
+                          <a:spcPts val="0"/>
+                        </a:spcBef>
+                        <a:spcAft>
+                          <a:spcPts val="0"/>
+                        </a:spcAft>
+                        <a:buNone/>
+                      </a:pPr>
+                      <a:r>
+                        <a:rPr lang="en"/>
+                        <a:t>Benign</a:t>
+                      </a:r>
+                      <a:endParaRPr/>
+                    </a:p>
+                  </a:txBody>
+                  <a:tcPr marL="91425" marR="91425" marT="91425" marB="91425"/>
+                </a:tc>
+                <a:tc>
+                  <a:txBody>
+                    <a:bodyPr/>
+                    <a:lstStyle/>
+                    <a:p>
+                      <a:pPr marL="0" lvl="0" indent="0" rtl="0">
+                        <a:spcBef>
+                          <a:spcPts val="0"/>
+                        </a:spcBef>
+                        <a:spcAft>
+                          <a:spcPts val="0"/>
+                        </a:spcAft>
+                        <a:buNone/>
+                      </a:pPr>
+                      <a:r>
+                        <a:rPr lang="en"/>
+                        <a:t>Benign</a:t>
+                      </a:r>
+                      <a:endParaRPr/>
+                    </a:p>
+                  </a:txBody>
+                  <a:tcPr marL="91425" marR="91425" marT="91425" marB="91425"/>
+                </a:tc>
+                <a:tc>
+                  <a:txBody>
+                    <a:bodyPr/>
+                    <a:lstStyle/>
+                    <a:p>
+                      <a:pPr marL="0" lvl="0" indent="0" rtl="0">
+                        <a:spcBef>
+                          <a:spcPts val="0"/>
+                        </a:spcBef>
+                        <a:spcAft>
+                          <a:spcPts val="0"/>
+                        </a:spcAft>
+                        <a:buNone/>
+                      </a:pPr>
+                      <a:r>
+                        <a:rPr lang="en" dirty="0">
+                          <a:solidFill>
+                            <a:srgbClr val="38761D"/>
+                          </a:solidFill>
+                        </a:rPr>
+                        <a:t>Yes</a:t>
+                      </a:r>
+                      <a:endParaRPr dirty="0">
+                        <a:solidFill>
+                          <a:srgbClr val="38761D"/>
+                        </a:solidFill>
+                      </a:endParaRPr>
+                    </a:p>
+                  </a:txBody>
+                  <a:tcPr marL="91425" marR="91425" marT="91425" marB="91425"/>
+                </a:tc>
+                <a:extLst>
+                  <a:ext uri="{0D108BD9-81ED-4DB2-BD59-A6C34878D82A}">
+                    <a16:rowId xmlns:a16="http://schemas.microsoft.com/office/drawing/2014/main" val="10010"/>
+                  </a:ext>
+                </a:extLst>
+              </a:tr>
+            </a:tbl>
+          </a:graphicData>
+        </a:graphic>
+      </p:graphicFrame>
+      <p:sp>
+        <p:nvSpPr>
+          <p:cNvPr id="112" name="Shape 112"/>
+          <p:cNvSpPr txBox="1"/>
+          <p:nvPr/>
+        </p:nvSpPr>
+        <p:spPr>
+          <a:xfrm>
+            <a:off x="6494000" y="1321775"/>
+            <a:ext cx="2430900" cy="3187800"/>
+          </a:xfrm>
+          <a:prstGeom prst="rect">
+            <a:avLst/>
+          </a:prstGeom>
+          <a:noFill/>
+          <a:ln>
+            <a:noFill/>
+          </a:ln>
+        </p:spPr>
+        <p:txBody>
+          <a:bodyPr spcFirstLastPara="1" wrap="square" lIns="91425" tIns="91425" rIns="91425" bIns="91425" anchor="t" anchorCtr="0">
+            <a:noAutofit/>
+          </a:bodyPr>
+          <a:lstStyle/>
+          <a:p>
+            <a:pPr marL="0" lvl="0" indent="0" rtl="0">
+              <a:spcBef>
+                <a:spcPts val="0"/>
+              </a:spcBef>
+              <a:spcAft>
+                <a:spcPts val="0"/>
+              </a:spcAft>
+              <a:buNone/>
+            </a:pPr>
+            <a:r>
+              <a:rPr lang="en" sz="2400" dirty="0">
+                <a:solidFill>
+                  <a:schemeClr val="accent1"/>
+                </a:solidFill>
+                <a:latin typeface="Roboto"/>
+                <a:ea typeface="Roboto"/>
+                <a:cs typeface="Roboto"/>
+                <a:sym typeface="Roboto"/>
+              </a:rPr>
+              <a:t>Accuracy?</a:t>
+            </a:r>
+            <a:endParaRPr sz="2400" dirty="0">
+              <a:solidFill>
+                <a:schemeClr val="accent1"/>
+              </a:solidFill>
+              <a:latin typeface="Roboto"/>
+              <a:ea typeface="Roboto"/>
+              <a:cs typeface="Roboto"/>
+              <a:sym typeface="Roboto"/>
+            </a:endParaRPr>
+          </a:p>
+        </p:txBody>
+      </p:sp>
+    </p:spTree>
+    <p:extLst>
+      <p:ext uri="{BB962C8B-B14F-4D97-AF65-F5344CB8AC3E}">
+        <p14:creationId xmlns:p14="http://schemas.microsoft.com/office/powerpoint/2010/main" val="551774888"/>
+      </p:ext>
+    </p:extLst>
+  </p:cSld>
+  <p:clrMapOvr>
+    <a:masterClrMapping/>
+  </p:clrMapOvr>
+</p:sld>
+</file>
+
+<file path=ppt/slides/slide9.xml><?xml version="1.0" encoding="utf-8"?>
+<p:sld xmlns:a="http://schemas.openxmlformats.org/drawingml/2006/main" xmlns:r="http://schemas.openxmlformats.org/officeDocument/2006/relationships" xmlns:p="http://schemas.openxmlformats.org/presentationml/2006/main">
+  <p:cSld>
+    <p:spTree>
+      <p:nvGrpSpPr>
+        <p:cNvPr id="1" name="Shape 109"/>
+        <p:cNvGrpSpPr/>
+        <p:nvPr/>
+      </p:nvGrpSpPr>
+      <p:grpSpPr>
+        <a:xfrm>
+          <a:off x="0" y="0"/>
+          <a:ext cx="0" cy="0"/>
+          <a:chOff x="0" y="0"/>
+          <a:chExt cx="0" cy="0"/>
+        </a:xfrm>
+      </p:grpSpPr>
+      <p:graphicFrame>
+        <p:nvGraphicFramePr>
+          <p:cNvPr id="110" name="Shape 110"/>
+          <p:cNvGraphicFramePr/>
+          <p:nvPr>
+            <p:extLst>
+              <p:ext uri="{D42A27DB-BD31-4B8C-83A1-F6EECF244321}">
+                <p14:modId xmlns:p14="http://schemas.microsoft.com/office/powerpoint/2010/main" val="1868668897"/>
+              </p:ext>
+            </p:extLst>
+          </p:nvPr>
+        </p:nvGraphicFramePr>
+        <p:xfrm>
+          <a:off x="280385" y="349594"/>
+          <a:ext cx="6086525" cy="4274490"/>
+        </p:xfrm>
+        <a:graphic>
+          <a:graphicData uri="http://schemas.openxmlformats.org/drawingml/2006/table">
+            <a:tbl>
+              <a:tblPr>
+                <a:noFill/>
+                <a:tableStyleId>{DEEE6151-2DF4-40A2-9921-E81321403221}</a:tableStyleId>
+              </a:tblPr>
+              <a:tblGrid>
+                <a:gridCol w="1560150">
+                  <a:extLst>
+                    <a:ext uri="{9D8B030D-6E8A-4147-A177-3AD203B41FA5}">
+                      <a16:colId xmlns:a16="http://schemas.microsoft.com/office/drawing/2014/main" val="20000"/>
+                    </a:ext>
+                  </a:extLst>
+                </a:gridCol>
+                <a:gridCol w="1560150">
+                  <a:extLst>
+                    <a:ext uri="{9D8B030D-6E8A-4147-A177-3AD203B41FA5}">
+                      <a16:colId xmlns:a16="http://schemas.microsoft.com/office/drawing/2014/main" val="20001"/>
+                    </a:ext>
+                  </a:extLst>
+                </a:gridCol>
+                <a:gridCol w="1560150">
+                  <a:extLst>
+                    <a:ext uri="{9D8B030D-6E8A-4147-A177-3AD203B41FA5}">
+                      <a16:colId xmlns:a16="http://schemas.microsoft.com/office/drawing/2014/main" val="20002"/>
+                    </a:ext>
+                  </a:extLst>
+                </a:gridCol>
+                <a:gridCol w="1406075">
+                  <a:extLst>
+                    <a:ext uri="{9D8B030D-6E8A-4147-A177-3AD203B41FA5}">
+                      <a16:colId xmlns:a16="http://schemas.microsoft.com/office/drawing/2014/main" val="20003"/>
+                    </a:ext>
+                  </a:extLst>
+                </a:gridCol>
+              </a:tblGrid>
+              <a:tr h="284625">
+                <a:tc>
+                  <a:txBody>
+                    <a:bodyPr/>
+                    <a:lstStyle/>
+                    <a:p>
+                      <a:pPr marL="0" lvl="0" indent="0" algn="ctr" rtl="0">
+                        <a:spcBef>
+                          <a:spcPts val="0"/>
+                        </a:spcBef>
+                        <a:spcAft>
+                          <a:spcPts val="0"/>
+                        </a:spcAft>
+                        <a:buNone/>
+                      </a:pPr>
+                      <a:r>
+                        <a:rPr lang="en" b="1"/>
+                        <a:t>Example</a:t>
+                      </a:r>
+                      <a:endParaRPr b="1"/>
+                    </a:p>
+                  </a:txBody>
+                  <a:tcPr marL="91425" marR="91425" marT="91425" marB="91425"/>
+                </a:tc>
+                <a:tc>
+                  <a:txBody>
+                    <a:bodyPr/>
+                    <a:lstStyle/>
+                    <a:p>
+                      <a:pPr marL="0" lvl="0" indent="0" algn="ctr" rtl="0">
+                        <a:spcBef>
+                          <a:spcPts val="0"/>
+                        </a:spcBef>
+                        <a:spcAft>
+                          <a:spcPts val="0"/>
+                        </a:spcAft>
+                        <a:buNone/>
+                      </a:pPr>
+                      <a:r>
+                        <a:rPr lang="en" b="1"/>
+                        <a:t>Predicted label</a:t>
+                      </a:r>
+                      <a:endParaRPr b="1"/>
+                    </a:p>
+                  </a:txBody>
+                  <a:tcPr marL="91425" marR="91425" marT="91425" marB="91425"/>
+                </a:tc>
+                <a:tc>
+                  <a:txBody>
+                    <a:bodyPr/>
+                    <a:lstStyle/>
+                    <a:p>
+                      <a:pPr marL="0" lvl="0" indent="0" algn="ctr" rtl="0">
+                        <a:spcBef>
+                          <a:spcPts val="0"/>
+                        </a:spcBef>
+                        <a:spcAft>
+                          <a:spcPts val="0"/>
+                        </a:spcAft>
+                        <a:buNone/>
+                      </a:pPr>
+                      <a:r>
+                        <a:rPr lang="en" b="1"/>
+                        <a:t>True label</a:t>
+                      </a:r>
+                      <a:endParaRPr b="1"/>
+                    </a:p>
+                  </a:txBody>
+                  <a:tcPr marL="91425" marR="91425" marT="91425" marB="91425"/>
+                </a:tc>
+                <a:tc>
+                  <a:txBody>
+                    <a:bodyPr/>
+                    <a:lstStyle/>
+                    <a:p>
+                      <a:pPr marL="0" lvl="0" indent="0" algn="ctr" rtl="0">
+                        <a:spcBef>
+                          <a:spcPts val="0"/>
+                        </a:spcBef>
+                        <a:spcAft>
+                          <a:spcPts val="0"/>
+                        </a:spcAft>
+                        <a:buNone/>
+                      </a:pPr>
+                      <a:r>
+                        <a:rPr lang="en" b="1"/>
+                        <a:t>Correct?</a:t>
+                      </a:r>
+                      <a:endParaRPr b="1"/>
+                    </a:p>
+                  </a:txBody>
+                  <a:tcPr marL="91425" marR="91425" marT="91425" marB="91425"/>
+                </a:tc>
+                <a:extLst>
+                  <a:ext uri="{0D108BD9-81ED-4DB2-BD59-A6C34878D82A}">
+                    <a16:rowId xmlns:a16="http://schemas.microsoft.com/office/drawing/2014/main" val="10000"/>
+                  </a:ext>
+                </a:extLst>
+              </a:tr>
+              <a:tr h="284625">
+                <a:tc>
+                  <a:txBody>
+                    <a:bodyPr/>
+                    <a:lstStyle/>
+                    <a:p>
+                      <a:pPr marL="0" lvl="0" indent="0" rtl="0">
+                        <a:spcBef>
+                          <a:spcPts val="0"/>
+                        </a:spcBef>
+                        <a:spcAft>
+                          <a:spcPts val="0"/>
+                        </a:spcAft>
+                        <a:buNone/>
+                      </a:pPr>
+                      <a:r>
+                        <a:rPr lang="en"/>
+                        <a:t>1</a:t>
+                      </a:r>
+                      <a:endParaRPr/>
+                    </a:p>
+                  </a:txBody>
+                  <a:tcPr marL="91425" marR="91425" marT="91425" marB="91425"/>
+                </a:tc>
+                <a:tc>
+                  <a:txBody>
+                    <a:bodyPr/>
+                    <a:lstStyle/>
+                    <a:p>
+                      <a:pPr marL="0" lvl="0" indent="0" rtl="0">
+                        <a:spcBef>
+                          <a:spcPts val="0"/>
+                        </a:spcBef>
+                        <a:spcAft>
+                          <a:spcPts val="0"/>
+                        </a:spcAft>
+                        <a:buNone/>
+                      </a:pPr>
+                      <a:r>
+                        <a:rPr lang="en"/>
+                        <a:t>Benign</a:t>
+                      </a:r>
+                      <a:endParaRPr/>
+                    </a:p>
+                  </a:txBody>
+                  <a:tcPr marL="91425" marR="91425" marT="91425" marB="91425"/>
+                </a:tc>
+                <a:tc>
+                  <a:txBody>
+                    <a:bodyPr/>
+                    <a:lstStyle/>
+                    <a:p>
+                      <a:pPr marL="0" lvl="0" indent="0" rtl="0">
+                        <a:spcBef>
+                          <a:spcPts val="0"/>
+                        </a:spcBef>
+                        <a:spcAft>
+                          <a:spcPts val="0"/>
+                        </a:spcAft>
+                        <a:buNone/>
+                      </a:pPr>
+                      <a:r>
+                        <a:rPr lang="en"/>
+                        <a:t>Malignant</a:t>
+                      </a:r>
+                      <a:endParaRPr/>
+                    </a:p>
+                  </a:txBody>
+                  <a:tcPr marL="91425" marR="91425" marT="91425" marB="91425"/>
+                </a:tc>
+                <a:tc>
+                  <a:txBody>
+                    <a:bodyPr/>
+                    <a:lstStyle/>
+                    <a:p>
+                      <a:pPr marL="0" lvl="0" indent="0" rtl="0">
+                        <a:spcBef>
+                          <a:spcPts val="0"/>
+                        </a:spcBef>
+                        <a:spcAft>
+                          <a:spcPts val="0"/>
+                        </a:spcAft>
+                        <a:buNone/>
+                      </a:pPr>
+                      <a:r>
+                        <a:rPr lang="en">
+                          <a:solidFill>
+                            <a:srgbClr val="980000"/>
+                          </a:solidFill>
+                        </a:rPr>
+                        <a:t>No</a:t>
+                      </a:r>
+                      <a:endParaRPr>
+                        <a:solidFill>
+                          <a:srgbClr val="38761D"/>
+                        </a:solidFill>
+                      </a:endParaRPr>
+                    </a:p>
+                  </a:txBody>
+                  <a:tcPr marL="91425" marR="91425" marT="91425" marB="91425"/>
+                </a:tc>
+                <a:extLst>
+                  <a:ext uri="{0D108BD9-81ED-4DB2-BD59-A6C34878D82A}">
+                    <a16:rowId xmlns:a16="http://schemas.microsoft.com/office/drawing/2014/main" val="10001"/>
+                  </a:ext>
+                </a:extLst>
+              </a:tr>
+              <a:tr h="284625">
+                <a:tc>
+                  <a:txBody>
+                    <a:bodyPr/>
+                    <a:lstStyle/>
+                    <a:p>
+                      <a:pPr marL="0" lvl="0" indent="0" rtl="0">
+                        <a:spcBef>
+                          <a:spcPts val="0"/>
+                        </a:spcBef>
+                        <a:spcAft>
+                          <a:spcPts val="0"/>
+                        </a:spcAft>
+                        <a:buNone/>
+                      </a:pPr>
+                      <a:r>
+                        <a:rPr lang="en"/>
+                        <a:t>2</a:t>
+                      </a:r>
+                      <a:endParaRPr/>
+                    </a:p>
+                  </a:txBody>
+                  <a:tcPr marL="91425" marR="91425" marT="91425" marB="91425"/>
+                </a:tc>
+                <a:tc>
+                  <a:txBody>
+                    <a:bodyPr/>
+                    <a:lstStyle/>
+                    <a:p>
+                      <a:pPr marL="0" lvl="0" indent="0" rtl="0">
+                        <a:spcBef>
+                          <a:spcPts val="0"/>
+                        </a:spcBef>
+                        <a:spcAft>
+                          <a:spcPts val="0"/>
+                        </a:spcAft>
+                        <a:buNone/>
+                      </a:pPr>
+                      <a:r>
+                        <a:rPr lang="en"/>
+                        <a:t>Benign</a:t>
+                      </a:r>
+                      <a:endParaRPr/>
+                    </a:p>
+                  </a:txBody>
+                  <a:tcPr marL="91425" marR="91425" marT="91425" marB="91425"/>
+                </a:tc>
+                <a:tc>
+                  <a:txBody>
+                    <a:bodyPr/>
+                    <a:lstStyle/>
+                    <a:p>
+                      <a:pPr marL="0" lvl="0" indent="0" rtl="0">
+                        <a:spcBef>
+                          <a:spcPts val="0"/>
+                        </a:spcBef>
+                        <a:spcAft>
+                          <a:spcPts val="0"/>
+                        </a:spcAft>
+                        <a:buNone/>
+                      </a:pPr>
+                      <a:r>
+                        <a:rPr lang="en"/>
+                        <a:t>Malignant</a:t>
+                      </a:r>
+                      <a:endParaRPr/>
+                    </a:p>
+                  </a:txBody>
+                  <a:tcPr marL="91425" marR="91425" marT="91425" marB="91425"/>
+                </a:tc>
+                <a:tc>
+                  <a:txBody>
+                    <a:bodyPr/>
+                    <a:lstStyle/>
+                    <a:p>
+                      <a:pPr marL="0" lvl="0" indent="0" rtl="0">
+                        <a:spcBef>
+                          <a:spcPts val="0"/>
+                        </a:spcBef>
+                        <a:spcAft>
+                          <a:spcPts val="0"/>
+                        </a:spcAft>
+                        <a:buNone/>
+                      </a:pPr>
+                      <a:r>
+                        <a:rPr lang="en">
+                          <a:solidFill>
+                            <a:srgbClr val="980000"/>
+                          </a:solidFill>
+                        </a:rPr>
+                        <a:t>No</a:t>
+                      </a:r>
+                      <a:endParaRPr>
+                        <a:solidFill>
+                          <a:srgbClr val="980000"/>
+                        </a:solidFill>
+                      </a:endParaRPr>
+                    </a:p>
+                  </a:txBody>
+                  <a:tcPr marL="91425" marR="91425" marT="91425" marB="91425"/>
+                </a:tc>
+                <a:extLst>
+                  <a:ext uri="{0D108BD9-81ED-4DB2-BD59-A6C34878D82A}">
+                    <a16:rowId xmlns:a16="http://schemas.microsoft.com/office/drawing/2014/main" val="10002"/>
+                  </a:ext>
+                </a:extLst>
+              </a:tr>
+              <a:tr h="284625">
+                <a:tc>
+                  <a:txBody>
+                    <a:bodyPr/>
+                    <a:lstStyle/>
+                    <a:p>
+                      <a:pPr marL="0" lvl="0" indent="0" rtl="0">
+                        <a:spcBef>
+                          <a:spcPts val="0"/>
+                        </a:spcBef>
+                        <a:spcAft>
+                          <a:spcPts val="0"/>
+                        </a:spcAft>
+                        <a:buNone/>
+                      </a:pPr>
+                      <a:r>
+                        <a:rPr lang="en"/>
+                        <a:t>3</a:t>
+                      </a:r>
+                      <a:endParaRPr/>
+                    </a:p>
+                  </a:txBody>
+                  <a:tcPr marL="91425" marR="91425" marT="91425" marB="91425"/>
+                </a:tc>
+                <a:tc>
+                  <a:txBody>
+                    <a:bodyPr/>
+                    <a:lstStyle/>
+                    <a:p>
+                      <a:pPr marL="0" lvl="0" indent="0" rtl="0">
+                        <a:spcBef>
+                          <a:spcPts val="0"/>
+                        </a:spcBef>
+                        <a:spcAft>
+                          <a:spcPts val="0"/>
+                        </a:spcAft>
+                        <a:buNone/>
+                      </a:pPr>
+                      <a:r>
+                        <a:rPr lang="en"/>
+                        <a:t>Malignant</a:t>
+                      </a:r>
+                      <a:endParaRPr/>
+                    </a:p>
+                  </a:txBody>
+                  <a:tcPr marL="91425" marR="91425" marT="91425" marB="91425"/>
+                </a:tc>
+                <a:tc>
+                  <a:txBody>
+                    <a:bodyPr/>
+                    <a:lstStyle/>
+                    <a:p>
+                      <a:pPr marL="0" lvl="0" indent="0" rtl="0">
+                        <a:spcBef>
+                          <a:spcPts val="0"/>
+                        </a:spcBef>
+                        <a:spcAft>
+                          <a:spcPts val="0"/>
+                        </a:spcAft>
+                        <a:buNone/>
+                      </a:pPr>
+                      <a:r>
+                        <a:rPr lang="en"/>
+                        <a:t>Malignant</a:t>
+                      </a:r>
+                      <a:endParaRPr/>
+                    </a:p>
+                  </a:txBody>
+                  <a:tcPr marL="91425" marR="91425" marT="91425" marB="91425"/>
+                </a:tc>
+                <a:tc>
+                  <a:txBody>
+                    <a:bodyPr/>
+                    <a:lstStyle/>
+                    <a:p>
+                      <a:pPr marL="0" lvl="0" indent="0" rtl="0">
+                        <a:spcBef>
+                          <a:spcPts val="0"/>
+                        </a:spcBef>
+                        <a:spcAft>
+                          <a:spcPts val="0"/>
+                        </a:spcAft>
+                        <a:buNone/>
+                      </a:pPr>
+                      <a:r>
+                        <a:rPr lang="en">
+                          <a:solidFill>
+                            <a:srgbClr val="38761D"/>
+                          </a:solidFill>
+                        </a:rPr>
+                        <a:t>Yes</a:t>
+                      </a:r>
+                      <a:endParaRPr>
+                        <a:solidFill>
+                          <a:srgbClr val="38761D"/>
+                        </a:solidFill>
+                      </a:endParaRPr>
+                    </a:p>
+                  </a:txBody>
+                  <a:tcPr marL="91425" marR="91425" marT="91425" marB="91425"/>
+                </a:tc>
+                <a:extLst>
+                  <a:ext uri="{0D108BD9-81ED-4DB2-BD59-A6C34878D82A}">
+                    <a16:rowId xmlns:a16="http://schemas.microsoft.com/office/drawing/2014/main" val="10003"/>
+                  </a:ext>
+                </a:extLst>
+              </a:tr>
+              <a:tr h="284625">
+                <a:tc>
+                  <a:txBody>
+                    <a:bodyPr/>
+                    <a:lstStyle/>
+                    <a:p>
+                      <a:pPr marL="0" lvl="0" indent="0" rtl="0">
+                        <a:spcBef>
+                          <a:spcPts val="0"/>
+                        </a:spcBef>
+                        <a:spcAft>
+                          <a:spcPts val="0"/>
+                        </a:spcAft>
+                        <a:buNone/>
+                      </a:pPr>
+                      <a:r>
+                        <a:rPr lang="en"/>
+                        <a:t>4</a:t>
+                      </a:r>
+                      <a:endParaRPr/>
+                    </a:p>
+                  </a:txBody>
+                  <a:tcPr marL="91425" marR="91425" marT="91425" marB="91425"/>
+                </a:tc>
+                <a:tc>
+                  <a:txBody>
+                    <a:bodyPr/>
+                    <a:lstStyle/>
+                    <a:p>
+                      <a:pPr marL="0" lvl="0" indent="0" rtl="0">
+                        <a:spcBef>
+                          <a:spcPts val="0"/>
+                        </a:spcBef>
+                        <a:spcAft>
+                          <a:spcPts val="0"/>
+                        </a:spcAft>
+                        <a:buNone/>
+                      </a:pPr>
+                      <a:r>
+                        <a:rPr lang="en"/>
+                        <a:t>Benign</a:t>
+                      </a:r>
+                      <a:endParaRPr/>
+                    </a:p>
+                  </a:txBody>
+                  <a:tcPr marL="91425" marR="91425" marT="91425" marB="91425"/>
+                </a:tc>
+                <a:tc>
+                  <a:txBody>
+                    <a:bodyPr/>
+                    <a:lstStyle/>
+                    <a:p>
+                      <a:pPr marL="0" lvl="0" indent="0" rtl="0">
+                        <a:spcBef>
+                          <a:spcPts val="0"/>
+                        </a:spcBef>
+                        <a:spcAft>
+                          <a:spcPts val="0"/>
+                        </a:spcAft>
+                        <a:buNone/>
+                      </a:pPr>
+                      <a:r>
+                        <a:rPr lang="en"/>
+                        <a:t>Benign</a:t>
+                      </a:r>
+                      <a:endParaRPr/>
+                    </a:p>
+                  </a:txBody>
+                  <a:tcPr marL="91425" marR="91425" marT="91425" marB="91425"/>
+                </a:tc>
+                <a:tc>
+                  <a:txBody>
+                    <a:bodyPr/>
+                    <a:lstStyle/>
+                    <a:p>
+                      <a:pPr marL="0" lvl="0" indent="0" rtl="0">
+                        <a:spcBef>
+                          <a:spcPts val="0"/>
+                        </a:spcBef>
+                        <a:spcAft>
+                          <a:spcPts val="0"/>
+                        </a:spcAft>
+                        <a:buNone/>
+                      </a:pPr>
+                      <a:r>
+                        <a:rPr lang="en">
+                          <a:solidFill>
+                            <a:srgbClr val="38761D"/>
+                          </a:solidFill>
+                        </a:rPr>
+                        <a:t>Yes</a:t>
+                      </a:r>
+                      <a:endParaRPr>
+                        <a:solidFill>
+                          <a:srgbClr val="38761D"/>
+                        </a:solidFill>
+                      </a:endParaRPr>
+                    </a:p>
+                  </a:txBody>
+                  <a:tcPr marL="91425" marR="91425" marT="91425" marB="91425"/>
+                </a:tc>
+                <a:extLst>
+                  <a:ext uri="{0D108BD9-81ED-4DB2-BD59-A6C34878D82A}">
+                    <a16:rowId xmlns:a16="http://schemas.microsoft.com/office/drawing/2014/main" val="10004"/>
+                  </a:ext>
+                </a:extLst>
+              </a:tr>
+              <a:tr h="284625">
+                <a:tc>
+                  <a:txBody>
+                    <a:bodyPr/>
+                    <a:lstStyle/>
+                    <a:p>
+                      <a:pPr marL="0" lvl="0" indent="0" rtl="0">
+                        <a:spcBef>
+                          <a:spcPts val="0"/>
+                        </a:spcBef>
+                        <a:spcAft>
+                          <a:spcPts val="0"/>
+                        </a:spcAft>
+                        <a:buNone/>
+                      </a:pPr>
+                      <a:r>
+                        <a:rPr lang="en"/>
+                        <a:t>5</a:t>
+                      </a:r>
+                      <a:endParaRPr/>
+                    </a:p>
+                  </a:txBody>
+                  <a:tcPr marL="91425" marR="91425" marT="91425" marB="91425"/>
+                </a:tc>
+                <a:tc>
+                  <a:txBody>
+                    <a:bodyPr/>
+                    <a:lstStyle/>
+                    <a:p>
+                      <a:pPr marL="0" lvl="0" indent="0" rtl="0">
+                        <a:spcBef>
+                          <a:spcPts val="0"/>
+                        </a:spcBef>
+                        <a:spcAft>
+                          <a:spcPts val="0"/>
+                        </a:spcAft>
+                        <a:buNone/>
+                      </a:pPr>
+                      <a:r>
+                        <a:rPr lang="en"/>
+                        <a:t>Malignant</a:t>
+                      </a:r>
+                      <a:endParaRPr/>
+                    </a:p>
+                  </a:txBody>
+                  <a:tcPr marL="91425" marR="91425" marT="91425" marB="91425"/>
+                </a:tc>
+                <a:tc>
+                  <a:txBody>
+                    <a:bodyPr/>
+                    <a:lstStyle/>
+                    <a:p>
+                      <a:pPr marL="0" lvl="0" indent="0" rtl="0">
+                        <a:spcBef>
+                          <a:spcPts val="0"/>
+                        </a:spcBef>
+                        <a:spcAft>
+                          <a:spcPts val="0"/>
+                        </a:spcAft>
+                        <a:buNone/>
+                      </a:pPr>
+                      <a:r>
+                        <a:rPr lang="en"/>
+                        <a:t>Benign</a:t>
+                      </a:r>
+                      <a:endParaRPr/>
+                    </a:p>
+                  </a:txBody>
+                  <a:tcPr marL="91425" marR="91425" marT="91425" marB="91425"/>
+                </a:tc>
+                <a:tc>
+                  <a:txBody>
+                    <a:bodyPr/>
+                    <a:lstStyle/>
+                    <a:p>
+                      <a:pPr marL="0" lvl="0" indent="0" rtl="0">
+                        <a:spcBef>
+                          <a:spcPts val="0"/>
+                        </a:spcBef>
+                        <a:spcAft>
+                          <a:spcPts val="0"/>
+                        </a:spcAft>
+                        <a:buNone/>
+                      </a:pPr>
+                      <a:r>
+                        <a:rPr lang="en">
+                          <a:solidFill>
+                            <a:srgbClr val="980000"/>
+                          </a:solidFill>
+                        </a:rPr>
+                        <a:t>No</a:t>
+                      </a:r>
+                      <a:endParaRPr>
+                        <a:solidFill>
+                          <a:srgbClr val="980000"/>
+                        </a:solidFill>
+                      </a:endParaRPr>
+                    </a:p>
+                  </a:txBody>
+                  <a:tcPr marL="91425" marR="91425" marT="91425" marB="91425"/>
+                </a:tc>
+                <a:extLst>
+                  <a:ext uri="{0D108BD9-81ED-4DB2-BD59-A6C34878D82A}">
+                    <a16:rowId xmlns:a16="http://schemas.microsoft.com/office/drawing/2014/main" val="10005"/>
+                  </a:ext>
+                </a:extLst>
+              </a:tr>
+              <a:tr h="284625">
+                <a:tc>
+                  <a:txBody>
+                    <a:bodyPr/>
+                    <a:lstStyle/>
+                    <a:p>
+                      <a:pPr marL="0" lvl="0" indent="0" rtl="0">
+                        <a:spcBef>
+                          <a:spcPts val="0"/>
+                        </a:spcBef>
+                        <a:spcAft>
+                          <a:spcPts val="0"/>
+                        </a:spcAft>
+                        <a:buNone/>
+                      </a:pPr>
+                      <a:r>
+                        <a:rPr lang="en"/>
+                        <a:t>6</a:t>
+                      </a:r>
+                      <a:endParaRPr/>
+                    </a:p>
+                  </a:txBody>
+                  <a:tcPr marL="91425" marR="91425" marT="91425" marB="91425"/>
+                </a:tc>
+                <a:tc>
+                  <a:txBody>
+                    <a:bodyPr/>
+                    <a:lstStyle/>
+                    <a:p>
+                      <a:pPr marL="0" lvl="0" indent="0" rtl="0">
+                        <a:spcBef>
+                          <a:spcPts val="0"/>
+                        </a:spcBef>
+                        <a:spcAft>
+                          <a:spcPts val="0"/>
+                        </a:spcAft>
+                        <a:buNone/>
+                      </a:pPr>
+                      <a:r>
+                        <a:rPr lang="en"/>
+                        <a:t>Benign</a:t>
+                      </a:r>
+                      <a:endParaRPr/>
+                    </a:p>
+                  </a:txBody>
+                  <a:tcPr marL="91425" marR="91425" marT="91425" marB="91425"/>
+                </a:tc>
+                <a:tc>
+                  <a:txBody>
+                    <a:bodyPr/>
+                    <a:lstStyle/>
+                    <a:p>
+                      <a:pPr marL="0" lvl="0" indent="0" rtl="0">
+                        <a:spcBef>
+                          <a:spcPts val="0"/>
+                        </a:spcBef>
+                        <a:spcAft>
+                          <a:spcPts val="0"/>
+                        </a:spcAft>
+                        <a:buNone/>
+                      </a:pPr>
+                      <a:r>
+                        <a:rPr lang="en"/>
+                        <a:t>Benign</a:t>
+                      </a:r>
+                      <a:endParaRPr/>
+                    </a:p>
+                  </a:txBody>
+                  <a:tcPr marL="91425" marR="91425" marT="91425" marB="91425"/>
+                </a:tc>
+                <a:tc>
+                  <a:txBody>
+                    <a:bodyPr/>
+                    <a:lstStyle/>
+                    <a:p>
+                      <a:pPr marL="0" lvl="0" indent="0" rtl="0">
+                        <a:spcBef>
+                          <a:spcPts val="0"/>
+                        </a:spcBef>
+                        <a:spcAft>
+                          <a:spcPts val="0"/>
+                        </a:spcAft>
+                        <a:buNone/>
+                      </a:pPr>
+                      <a:r>
+                        <a:rPr lang="en">
+                          <a:solidFill>
+                            <a:srgbClr val="38761D"/>
+                          </a:solidFill>
+                        </a:rPr>
+                        <a:t>Yes</a:t>
+                      </a:r>
+                      <a:endParaRPr>
+                        <a:solidFill>
+                          <a:srgbClr val="38761D"/>
+                        </a:solidFill>
+                      </a:endParaRPr>
+                    </a:p>
+                  </a:txBody>
+                  <a:tcPr marL="91425" marR="91425" marT="91425" marB="91425"/>
+                </a:tc>
+                <a:extLst>
+                  <a:ext uri="{0D108BD9-81ED-4DB2-BD59-A6C34878D82A}">
+                    <a16:rowId xmlns:a16="http://schemas.microsoft.com/office/drawing/2014/main" val="10006"/>
+                  </a:ext>
+                </a:extLst>
+              </a:tr>
+              <a:tr h="284625">
+                <a:tc>
+                  <a:txBody>
+                    <a:bodyPr/>
+                    <a:lstStyle/>
+                    <a:p>
+                      <a:pPr marL="0" lvl="0" indent="0" rtl="0">
+                        <a:spcBef>
+                          <a:spcPts val="0"/>
+                        </a:spcBef>
+                        <a:spcAft>
+                          <a:spcPts val="0"/>
+                        </a:spcAft>
+                        <a:buNone/>
+                      </a:pPr>
+                      <a:r>
+                        <a:rPr lang="en"/>
+                        <a:t>7</a:t>
+                      </a:r>
+                      <a:endParaRPr/>
+                    </a:p>
+                  </a:txBody>
+                  <a:tcPr marL="91425" marR="91425" marT="91425" marB="91425"/>
+                </a:tc>
+                <a:tc>
+                  <a:txBody>
+                    <a:bodyPr/>
+                    <a:lstStyle/>
+                    <a:p>
+                      <a:pPr marL="0" lvl="0" indent="0" rtl="0">
+                        <a:spcBef>
+                          <a:spcPts val="0"/>
+                        </a:spcBef>
+                        <a:spcAft>
+                          <a:spcPts val="0"/>
+                        </a:spcAft>
+                        <a:buNone/>
+                      </a:pPr>
+                      <a:r>
+                        <a:rPr lang="en"/>
+                        <a:t>Benign</a:t>
+                      </a:r>
+                      <a:endParaRPr/>
+                    </a:p>
+                  </a:txBody>
+                  <a:tcPr marL="91425" marR="91425" marT="91425" marB="91425"/>
+                </a:tc>
+                <a:tc>
+                  <a:txBody>
+                    <a:bodyPr/>
+                    <a:lstStyle/>
+                    <a:p>
+                      <a:pPr marL="0" lvl="0" indent="0" rtl="0">
+                        <a:spcBef>
+                          <a:spcPts val="0"/>
+                        </a:spcBef>
+                        <a:spcAft>
+                          <a:spcPts val="0"/>
+                        </a:spcAft>
+                        <a:buNone/>
+                      </a:pPr>
+                      <a:r>
+                        <a:rPr lang="en"/>
+                        <a:t>Benign</a:t>
+                      </a:r>
+                      <a:endParaRPr/>
+                    </a:p>
+                  </a:txBody>
+                  <a:tcPr marL="91425" marR="91425" marT="91425" marB="91425"/>
+                </a:tc>
+                <a:tc>
+                  <a:txBody>
+                    <a:bodyPr/>
+                    <a:lstStyle/>
+                    <a:p>
+                      <a:pPr marL="0" lvl="0" indent="0" rtl="0">
+                        <a:spcBef>
+                          <a:spcPts val="0"/>
+                        </a:spcBef>
+                        <a:spcAft>
+                          <a:spcPts val="0"/>
+                        </a:spcAft>
+                        <a:buNone/>
+                      </a:pPr>
+                      <a:r>
+                        <a:rPr lang="en">
+                          <a:solidFill>
+                            <a:srgbClr val="38761D"/>
+                          </a:solidFill>
+                        </a:rPr>
+                        <a:t>Yes</a:t>
+                      </a:r>
+                      <a:endParaRPr>
+                        <a:solidFill>
+                          <a:srgbClr val="38761D"/>
+                        </a:solidFill>
+                      </a:endParaRPr>
+                    </a:p>
+                  </a:txBody>
+                  <a:tcPr marL="91425" marR="91425" marT="91425" marB="91425"/>
+                </a:tc>
+                <a:extLst>
+                  <a:ext uri="{0D108BD9-81ED-4DB2-BD59-A6C34878D82A}">
+                    <a16:rowId xmlns:a16="http://schemas.microsoft.com/office/drawing/2014/main" val="10007"/>
+                  </a:ext>
+                </a:extLst>
+              </a:tr>
+              <a:tr h="284625">
+                <a:tc>
+                  <a:txBody>
+                    <a:bodyPr/>
+                    <a:lstStyle/>
+                    <a:p>
+                      <a:pPr marL="0" lvl="0" indent="0" rtl="0">
+                        <a:spcBef>
+                          <a:spcPts val="0"/>
+                        </a:spcBef>
+                        <a:spcAft>
+                          <a:spcPts val="0"/>
+                        </a:spcAft>
+                        <a:buNone/>
+                      </a:pPr>
+                      <a:r>
+                        <a:rPr lang="en"/>
+                        <a:t>8</a:t>
+                      </a:r>
+                      <a:endParaRPr/>
+                    </a:p>
+                  </a:txBody>
+                  <a:tcPr marL="91425" marR="91425" marT="91425" marB="91425"/>
+                </a:tc>
+                <a:tc>
+                  <a:txBody>
+                    <a:bodyPr/>
+                    <a:lstStyle/>
+                    <a:p>
+                      <a:pPr marL="0" lvl="0" indent="0" rtl="0">
+                        <a:spcBef>
+                          <a:spcPts val="0"/>
+                        </a:spcBef>
+                        <a:spcAft>
+                          <a:spcPts val="0"/>
+                        </a:spcAft>
+                        <a:buNone/>
+                      </a:pPr>
+                      <a:r>
+                        <a:rPr lang="en"/>
+                        <a:t>Malignant</a:t>
+                      </a:r>
+                      <a:endParaRPr/>
+                    </a:p>
+                  </a:txBody>
+                  <a:tcPr marL="91425" marR="91425" marT="91425" marB="91425"/>
+                </a:tc>
+                <a:tc>
+                  <a:txBody>
+                    <a:bodyPr/>
+                    <a:lstStyle/>
+                    <a:p>
+                      <a:pPr marL="0" lvl="0" indent="0" rtl="0">
+                        <a:spcBef>
+                          <a:spcPts val="0"/>
+                        </a:spcBef>
+                        <a:spcAft>
+                          <a:spcPts val="0"/>
+                        </a:spcAft>
+                        <a:buNone/>
+                      </a:pPr>
+                      <a:r>
+                        <a:rPr lang="en"/>
+                        <a:t>Malignant</a:t>
+                      </a:r>
+                      <a:endParaRPr/>
+                    </a:p>
+                  </a:txBody>
+                  <a:tcPr marL="91425" marR="91425" marT="91425" marB="91425"/>
+                </a:tc>
+                <a:tc>
+                  <a:txBody>
+                    <a:bodyPr/>
+                    <a:lstStyle/>
+                    <a:p>
+                      <a:pPr marL="0" lvl="0" indent="0" rtl="0">
+                        <a:spcBef>
+                          <a:spcPts val="0"/>
+                        </a:spcBef>
+                        <a:spcAft>
+                          <a:spcPts val="0"/>
+                        </a:spcAft>
+                        <a:buNone/>
+                      </a:pPr>
+                      <a:r>
+                        <a:rPr lang="en">
+                          <a:solidFill>
+                            <a:srgbClr val="38761D"/>
+                          </a:solidFill>
+                        </a:rPr>
+                        <a:t>Yes</a:t>
+                      </a:r>
+                      <a:endParaRPr>
+                        <a:solidFill>
+                          <a:srgbClr val="38761D"/>
+                        </a:solidFill>
+                      </a:endParaRPr>
+                    </a:p>
+                  </a:txBody>
+                  <a:tcPr marL="91425" marR="91425" marT="91425" marB="91425"/>
+                </a:tc>
+                <a:extLst>
+                  <a:ext uri="{0D108BD9-81ED-4DB2-BD59-A6C34878D82A}">
+                    <a16:rowId xmlns:a16="http://schemas.microsoft.com/office/drawing/2014/main" val="10008"/>
+                  </a:ext>
+                </a:extLst>
+              </a:tr>
+              <a:tr h="284625">
+                <a:tc>
+                  <a:txBody>
+                    <a:bodyPr/>
+                    <a:lstStyle/>
+                    <a:p>
+                      <a:pPr marL="0" lvl="0" indent="0" rtl="0">
+                        <a:spcBef>
+                          <a:spcPts val="0"/>
+                        </a:spcBef>
+                        <a:spcAft>
+                          <a:spcPts val="0"/>
+                        </a:spcAft>
+                        <a:buNone/>
+                      </a:pPr>
+                      <a:r>
+                        <a:rPr lang="en"/>
+                        <a:t>9</a:t>
+                      </a:r>
+                      <a:endParaRPr/>
+                    </a:p>
+                  </a:txBody>
+                  <a:tcPr marL="91425" marR="91425" marT="91425" marB="91425"/>
+                </a:tc>
+                <a:tc>
+                  <a:txBody>
+                    <a:bodyPr/>
+                    <a:lstStyle/>
+                    <a:p>
+                      <a:pPr marL="0" lvl="0" indent="0" rtl="0">
+                        <a:spcBef>
+                          <a:spcPts val="0"/>
+                        </a:spcBef>
+                        <a:spcAft>
+                          <a:spcPts val="0"/>
+                        </a:spcAft>
+                        <a:buNone/>
+                      </a:pPr>
+                      <a:r>
+                        <a:rPr lang="en"/>
+                        <a:t>Benign</a:t>
+                      </a:r>
+                      <a:endParaRPr/>
+                    </a:p>
+                  </a:txBody>
+                  <a:tcPr marL="91425" marR="91425" marT="91425" marB="91425"/>
+                </a:tc>
+                <a:tc>
+                  <a:txBody>
+                    <a:bodyPr/>
+                    <a:lstStyle/>
+                    <a:p>
+                      <a:pPr marL="0" lvl="0" indent="0" rtl="0">
+                        <a:spcBef>
+                          <a:spcPts val="0"/>
+                        </a:spcBef>
+                        <a:spcAft>
+                          <a:spcPts val="0"/>
+                        </a:spcAft>
+                        <a:buNone/>
+                      </a:pPr>
+                      <a:r>
+                        <a:rPr lang="en"/>
+                        <a:t>Benign</a:t>
+                      </a:r>
+                      <a:endParaRPr/>
+                    </a:p>
+                  </a:txBody>
+                  <a:tcPr marL="91425" marR="91425" marT="91425" marB="91425"/>
+                </a:tc>
+                <a:tc>
+                  <a:txBody>
+                    <a:bodyPr/>
+                    <a:lstStyle/>
+                    <a:p>
+                      <a:pPr marL="0" lvl="0" indent="0" rtl="0">
+                        <a:spcBef>
+                          <a:spcPts val="0"/>
+                        </a:spcBef>
+                        <a:spcAft>
+                          <a:spcPts val="0"/>
+                        </a:spcAft>
+                        <a:buNone/>
+                      </a:pPr>
+                      <a:r>
+                        <a:rPr lang="en">
+                          <a:solidFill>
+                            <a:srgbClr val="38761D"/>
+                          </a:solidFill>
+                        </a:rPr>
+                        <a:t>Yes</a:t>
+                      </a:r>
+                      <a:endParaRPr>
+                        <a:solidFill>
+                          <a:srgbClr val="38761D"/>
+                        </a:solidFill>
+                      </a:endParaRPr>
+                    </a:p>
+                  </a:txBody>
+                  <a:tcPr marL="91425" marR="91425" marT="91425" marB="91425"/>
+                </a:tc>
+                <a:extLst>
+                  <a:ext uri="{0D108BD9-81ED-4DB2-BD59-A6C34878D82A}">
+                    <a16:rowId xmlns:a16="http://schemas.microsoft.com/office/drawing/2014/main" val="10009"/>
+                  </a:ext>
+                </a:extLst>
+              </a:tr>
+              <a:tr h="284625">
+                <a:tc>
+                  <a:txBody>
+                    <a:bodyPr/>
+                    <a:lstStyle/>
+                    <a:p>
+                      <a:pPr marL="0" lvl="0" indent="0" rtl="0">
+                        <a:spcBef>
+                          <a:spcPts val="0"/>
+                        </a:spcBef>
+                        <a:spcAft>
+                          <a:spcPts val="0"/>
+                        </a:spcAft>
+                        <a:buNone/>
+                      </a:pPr>
+                      <a:r>
+                        <a:rPr lang="en"/>
+                        <a:t>10</a:t>
+                      </a:r>
+                      <a:endParaRPr/>
+                    </a:p>
+                  </a:txBody>
+                  <a:tcPr marL="91425" marR="91425" marT="91425" marB="91425"/>
+                </a:tc>
+                <a:tc>
+                  <a:txBody>
+                    <a:bodyPr/>
+                    <a:lstStyle/>
+                    <a:p>
+                      <a:pPr marL="0" lvl="0" indent="0" rtl="0">
+                        <a:spcBef>
+                          <a:spcPts val="0"/>
+                        </a:spcBef>
+                        <a:spcAft>
+                          <a:spcPts val="0"/>
+                        </a:spcAft>
+                        <a:buNone/>
+                      </a:pPr>
+                      <a:r>
+                        <a:rPr lang="en"/>
+                        <a:t>Benign</a:t>
+                      </a:r>
+                      <a:endParaRPr/>
+                    </a:p>
+                  </a:txBody>
+                  <a:tcPr marL="91425" marR="91425" marT="91425" marB="91425"/>
+                </a:tc>
+                <a:tc>
+                  <a:txBody>
+                    <a:bodyPr/>
+                    <a:lstStyle/>
+                    <a:p>
+                      <a:pPr marL="0" lvl="0" indent="0" rtl="0">
+                        <a:spcBef>
+                          <a:spcPts val="0"/>
+                        </a:spcBef>
+                        <a:spcAft>
+                          <a:spcPts val="0"/>
+                        </a:spcAft>
+                        <a:buNone/>
+                      </a:pPr>
+                      <a:r>
+                        <a:rPr lang="en"/>
+                        <a:t>Benign</a:t>
+                      </a:r>
+                      <a:endParaRPr/>
+                    </a:p>
+                  </a:txBody>
+                  <a:tcPr marL="91425" marR="91425" marT="91425" marB="91425"/>
+                </a:tc>
+                <a:tc>
+                  <a:txBody>
+                    <a:bodyPr/>
+                    <a:lstStyle/>
+                    <a:p>
+                      <a:pPr marL="0" lvl="0" indent="0" rtl="0">
+                        <a:spcBef>
+                          <a:spcPts val="0"/>
+                        </a:spcBef>
+                        <a:spcAft>
+                          <a:spcPts val="0"/>
+                        </a:spcAft>
+                        <a:buNone/>
+                      </a:pPr>
+                      <a:r>
+                        <a:rPr lang="en" dirty="0">
+                          <a:solidFill>
+                            <a:srgbClr val="38761D"/>
+                          </a:solidFill>
+                        </a:rPr>
+                        <a:t>Yes</a:t>
+                      </a:r>
+                      <a:endParaRPr dirty="0">
+                        <a:solidFill>
+                          <a:srgbClr val="38761D"/>
+                        </a:solidFill>
+                      </a:endParaRPr>
+                    </a:p>
+                  </a:txBody>
+                  <a:tcPr marL="91425" marR="91425" marT="91425" marB="91425"/>
+                </a:tc>
+                <a:extLst>
+                  <a:ext uri="{0D108BD9-81ED-4DB2-BD59-A6C34878D82A}">
+                    <a16:rowId xmlns:a16="http://schemas.microsoft.com/office/drawing/2014/main" val="10010"/>
+                  </a:ext>
+                </a:extLst>
+              </a:tr>
+            </a:tbl>
+          </a:graphicData>
+        </a:graphic>
+      </p:graphicFrame>
+      <p:sp>
+        <p:nvSpPr>
+          <p:cNvPr id="112" name="Shape 112"/>
+          <p:cNvSpPr txBox="1"/>
+          <p:nvPr/>
+        </p:nvSpPr>
+        <p:spPr>
+          <a:xfrm>
+            <a:off x="6494000" y="1321775"/>
+            <a:ext cx="2430900" cy="3187800"/>
+          </a:xfrm>
+          <a:prstGeom prst="rect">
+            <a:avLst/>
+          </a:prstGeom>
+          <a:noFill/>
+          <a:ln>
+            <a:noFill/>
+          </a:ln>
+        </p:spPr>
+        <p:txBody>
+          <a:bodyPr spcFirstLastPara="1" wrap="square" lIns="91425" tIns="91425" rIns="91425" bIns="91425" anchor="t" anchorCtr="0">
+            <a:noAutofit/>
+          </a:bodyPr>
+          <a:lstStyle/>
+          <a:p>
+            <a:pPr marL="0" lvl="0" indent="0" rtl="0">
+              <a:spcBef>
+                <a:spcPts val="0"/>
+              </a:spcBef>
+              <a:spcAft>
+                <a:spcPts val="0"/>
+              </a:spcAft>
+              <a:buNone/>
+            </a:pPr>
+            <a:r>
+              <a:rPr lang="en" sz="2400" dirty="0">
+                <a:solidFill>
+                  <a:schemeClr val="accent1"/>
+                </a:solidFill>
+                <a:latin typeface="Roboto"/>
+                <a:ea typeface="Roboto"/>
+                <a:cs typeface="Roboto"/>
+                <a:sym typeface="Roboto"/>
+              </a:rPr>
+              <a:t>Accuracy = 70%</a:t>
+            </a:r>
+            <a:endParaRPr sz="2400" dirty="0">
+              <a:solidFill>
+                <a:schemeClr val="accent1"/>
+              </a:solidFill>
+              <a:latin typeface="Roboto"/>
+              <a:ea typeface="Roboto"/>
+              <a:cs typeface="Roboto"/>
+              <a:sym typeface="Roboto"/>
+            </a:endParaRPr>
+          </a:p>
+        </p:txBody>
+      </p:sp>
     </p:spTree>
   </p:cSld>
   <p:clrMapOvr>

--- a/Week_1/Slides/Day5_NLP_EvaluationMetrics.pptx
+++ b/Week_1/Slides/Day5_NLP_EvaluationMetrics.pptx
@@ -13970,7 +13970,12 @@
             <p:ph type="body" idx="1"/>
           </p:nvPr>
         </p:nvSpPr>
-        <p:spPr/>
+        <p:spPr>
+          <a:xfrm>
+            <a:off x="471900" y="1216650"/>
+            <a:ext cx="7437660" cy="2614686"/>
+          </a:xfrm>
+        </p:spPr>
         <p:txBody>
           <a:bodyPr/>
           <a:lstStyle/>
@@ -13983,7 +13988,7 @@
                 <a:latin typeface="Calibri Light" panose="020F0302020204030204" pitchFamily="34" charset="0"/>
                 <a:cs typeface="Calibri Light" panose="020F0302020204030204" pitchFamily="34" charset="0"/>
               </a:rPr>
-              <a:t>Go to AI4ALL_NLP_Student folder in Terminal</a:t>
+              <a:t>Go to AI4ALL_NLP folder in Terminal</a:t>
             </a:r>
           </a:p>
           <a:p>
